--- a/Research Presntation.pptx
+++ b/Research Presntation.pptx
@@ -2,7 +2,7 @@
 <file path=ppt/presentation.xml><?xml version="1.0" encoding="utf-8"?>
 <p:presentation xmlns:a="http://schemas.openxmlformats.org/drawingml/2006/main" xmlns:r="http://schemas.openxmlformats.org/officeDocument/2006/relationships" xmlns:p="http://schemas.openxmlformats.org/presentationml/2006/main" saveSubsetFonts="1">
   <p:sldMasterIdLst>
-    <p:sldMasterId id="2147483648" r:id="rId1"/>
+    <p:sldMasterId id="2147483678" r:id="rId1"/>
   </p:sldMasterIdLst>
   <p:sldIdLst>
     <p:sldId id="256" r:id="rId2"/>
@@ -12,6 +12,7 @@
     <p:sldId id="260" r:id="rId6"/>
     <p:sldId id="261" r:id="rId7"/>
     <p:sldId id="262" r:id="rId8"/>
+    <p:sldId id="263" r:id="rId9"/>
   </p:sldIdLst>
   <p:sldSz cx="12192000" cy="6858000"/>
   <p:notesSz cx="6858000" cy="9144000"/>
@@ -19,7 +20,7 @@
     <a:defPPr>
       <a:defRPr lang="en-US"/>
     </a:defPPr>
-    <a:lvl1pPr marL="0" algn="l" defTabSz="914400" rtl="0" eaLnBrk="1" latinLnBrk="0" hangingPunct="1">
+    <a:lvl1pPr marL="0" algn="l" defTabSz="457200" rtl="0" eaLnBrk="1" latinLnBrk="0" hangingPunct="1">
       <a:defRPr sz="1800" kern="1200">
         <a:solidFill>
           <a:schemeClr val="tx1"/>
@@ -29,7 +30,7 @@
         <a:cs typeface="+mn-cs"/>
       </a:defRPr>
     </a:lvl1pPr>
-    <a:lvl2pPr marL="457200" algn="l" defTabSz="914400" rtl="0" eaLnBrk="1" latinLnBrk="0" hangingPunct="1">
+    <a:lvl2pPr marL="457200" algn="l" defTabSz="457200" rtl="0" eaLnBrk="1" latinLnBrk="0" hangingPunct="1">
       <a:defRPr sz="1800" kern="1200">
         <a:solidFill>
           <a:schemeClr val="tx1"/>
@@ -39,7 +40,7 @@
         <a:cs typeface="+mn-cs"/>
       </a:defRPr>
     </a:lvl2pPr>
-    <a:lvl3pPr marL="914400" algn="l" defTabSz="914400" rtl="0" eaLnBrk="1" latinLnBrk="0" hangingPunct="1">
+    <a:lvl3pPr marL="914400" algn="l" defTabSz="457200" rtl="0" eaLnBrk="1" latinLnBrk="0" hangingPunct="1">
       <a:defRPr sz="1800" kern="1200">
         <a:solidFill>
           <a:schemeClr val="tx1"/>
@@ -49,7 +50,7 @@
         <a:cs typeface="+mn-cs"/>
       </a:defRPr>
     </a:lvl3pPr>
-    <a:lvl4pPr marL="1371600" algn="l" defTabSz="914400" rtl="0" eaLnBrk="1" latinLnBrk="0" hangingPunct="1">
+    <a:lvl4pPr marL="1371600" algn="l" defTabSz="457200" rtl="0" eaLnBrk="1" latinLnBrk="0" hangingPunct="1">
       <a:defRPr sz="1800" kern="1200">
         <a:solidFill>
           <a:schemeClr val="tx1"/>
@@ -59,7 +60,7 @@
         <a:cs typeface="+mn-cs"/>
       </a:defRPr>
     </a:lvl4pPr>
-    <a:lvl5pPr marL="1828800" algn="l" defTabSz="914400" rtl="0" eaLnBrk="1" latinLnBrk="0" hangingPunct="1">
+    <a:lvl5pPr marL="1828800" algn="l" defTabSz="457200" rtl="0" eaLnBrk="1" latinLnBrk="0" hangingPunct="1">
       <a:defRPr sz="1800" kern="1200">
         <a:solidFill>
           <a:schemeClr val="tx1"/>
@@ -69,7 +70,7 @@
         <a:cs typeface="+mn-cs"/>
       </a:defRPr>
     </a:lvl5pPr>
-    <a:lvl6pPr marL="2286000" algn="l" defTabSz="914400" rtl="0" eaLnBrk="1" latinLnBrk="0" hangingPunct="1">
+    <a:lvl6pPr marL="2286000" algn="l" defTabSz="457200" rtl="0" eaLnBrk="1" latinLnBrk="0" hangingPunct="1">
       <a:defRPr sz="1800" kern="1200">
         <a:solidFill>
           <a:schemeClr val="tx1"/>
@@ -79,7 +80,7 @@
         <a:cs typeface="+mn-cs"/>
       </a:defRPr>
     </a:lvl6pPr>
-    <a:lvl7pPr marL="2743200" algn="l" defTabSz="914400" rtl="0" eaLnBrk="1" latinLnBrk="0" hangingPunct="1">
+    <a:lvl7pPr marL="2743200" algn="l" defTabSz="457200" rtl="0" eaLnBrk="1" latinLnBrk="0" hangingPunct="1">
       <a:defRPr sz="1800" kern="1200">
         <a:solidFill>
           <a:schemeClr val="tx1"/>
@@ -89,7 +90,7 @@
         <a:cs typeface="+mn-cs"/>
       </a:defRPr>
     </a:lvl7pPr>
-    <a:lvl8pPr marL="3200400" algn="l" defTabSz="914400" rtl="0" eaLnBrk="1" latinLnBrk="0" hangingPunct="1">
+    <a:lvl8pPr marL="3200400" algn="l" defTabSz="457200" rtl="0" eaLnBrk="1" latinLnBrk="0" hangingPunct="1">
       <a:defRPr sz="1800" kern="1200">
         <a:solidFill>
           <a:schemeClr val="tx1"/>
@@ -99,7 +100,7 @@
         <a:cs typeface="+mn-cs"/>
       </a:defRPr>
     </a:lvl8pPr>
-    <a:lvl9pPr marL="3657600" algn="l" defTabSz="914400" rtl="0" eaLnBrk="1" latinLnBrk="0" hangingPunct="1">
+    <a:lvl9pPr marL="3657600" algn="l" defTabSz="457200" rtl="0" eaLnBrk="1" latinLnBrk="0" hangingPunct="1">
       <a:defRPr sz="1800" kern="1200">
         <a:solidFill>
           <a:schemeClr val="tx1"/>
@@ -110,6 +111,11 @@
       </a:defRPr>
     </a:lvl9pPr>
   </p:defaultTextStyle>
+  <p:extLst>
+    <p:ext uri="{EFAFB233-063F-42B5-8137-9DF3F51BA10A}">
+      <p15:sldGuideLst xmlns:p15="http://schemas.microsoft.com/office/powerpoint/2012/main"/>
+    </p:ext>
+  </p:extLst>
 </p:presentation>
 </file>
 
@@ -130,15 +136,39 @@
           <a:chExt cx="0" cy="0"/>
         </a:xfrm>
       </p:grpSpPr>
-      <p:sp>
-        <p:nvSpPr>
-          <p:cNvPr id="2" name="Title 1">
+      <p:pic>
+        <p:nvPicPr>
+          <p:cNvPr id="8" name="Picture 7" descr="C2-HD-BTM.png"/>
+          <p:cNvPicPr>
+            <a:picLocks noChangeAspect="1"/>
+          </p:cNvPicPr>
+          <p:nvPr/>
+        </p:nvPicPr>
+        <p:blipFill>
+          <a:blip r:embed="rId2">
             <a:extLst>
-              <a:ext uri="{FF2B5EF4-FFF2-40B4-BE49-F238E27FC236}">
-                <a16:creationId xmlns:a16="http://schemas.microsoft.com/office/drawing/2014/main" id="{0F8E3858-6B46-B06D-7DC5-544051909426}"/>
+              <a:ext uri="{28A0092B-C50C-407E-A947-70E740481C1C}">
+                <a14:useLocalDpi xmlns:a14="http://schemas.microsoft.com/office/drawing/2010/main" val="0"/>
               </a:ext>
             </a:extLst>
-          </p:cNvPr>
+          </a:blip>
+          <a:stretch>
+            <a:fillRect/>
+          </a:stretch>
+        </p:blipFill>
+        <p:spPr>
+          <a:xfrm>
+            <a:off x="0" y="4375150"/>
+            <a:ext cx="12192000" cy="2482850"/>
+          </a:xfrm>
+          <a:prstGeom prst="rect">
+            <a:avLst/>
+          </a:prstGeom>
+        </p:spPr>
+      </p:pic>
+      <p:sp>
+        <p:nvSpPr>
+          <p:cNvPr id="2" name="Title 1"/>
           <p:cNvSpPr>
             <a:spLocks noGrp="1"/>
           </p:cNvSpPr>
@@ -148,14 +178,16 @@
         </p:nvSpPr>
         <p:spPr>
           <a:xfrm>
-            <a:off x="1524000" y="1122363"/>
-            <a:ext cx="9144000" cy="2387600"/>
-          </a:xfrm>
-        </p:spPr>
-        <p:txBody>
-          <a:bodyPr anchor="b"/>
+            <a:off x="1371600" y="1803405"/>
+            <a:ext cx="9448800" cy="1825096"/>
+          </a:xfrm>
+        </p:spPr>
+        <p:txBody>
+          <a:bodyPr anchor="b">
+            <a:normAutofit/>
+          </a:bodyPr>
           <a:lstStyle>
-            <a:lvl1pPr algn="ctr">
+            <a:lvl1pPr algn="l">
               <a:defRPr sz="6000"/>
             </a:lvl1pPr>
           </a:lstStyle>
@@ -164,18 +196,13 @@
               <a:rPr lang="en-US"/>
               <a:t>Click to edit Master title style</a:t>
             </a:r>
-          </a:p>
-        </p:txBody>
-      </p:sp>
-      <p:sp>
-        <p:nvSpPr>
-          <p:cNvPr id="3" name="Subtitle 2">
-            <a:extLst>
-              <a:ext uri="{FF2B5EF4-FFF2-40B4-BE49-F238E27FC236}">
-                <a16:creationId xmlns:a16="http://schemas.microsoft.com/office/drawing/2014/main" id="{0C5CFA50-BB92-09B0-C714-FF753E920057}"/>
-              </a:ext>
-            </a:extLst>
-          </p:cNvPr>
+            <a:endParaRPr lang="en-US" dirty="0"/>
+          </a:p>
+        </p:txBody>
+      </p:sp>
+      <p:sp>
+        <p:nvSpPr>
+          <p:cNvPr id="3" name="Subtitle 2"/>
           <p:cNvSpPr>
             <a:spLocks noGrp="1"/>
           </p:cNvSpPr>
@@ -185,16 +212,18 @@
         </p:nvSpPr>
         <p:spPr>
           <a:xfrm>
-            <a:off x="1524000" y="3602038"/>
-            <a:ext cx="9144000" cy="1655762"/>
-          </a:xfrm>
-        </p:spPr>
-        <p:txBody>
-          <a:bodyPr/>
+            <a:off x="1371600" y="3632201"/>
+            <a:ext cx="9448800" cy="685800"/>
+          </a:xfrm>
+        </p:spPr>
+        <p:txBody>
+          <a:bodyPr>
+            <a:normAutofit/>
+          </a:bodyPr>
           <a:lstStyle>
-            <a:lvl1pPr marL="0" indent="0" algn="ctr">
-              <a:buNone/>
-              <a:defRPr sz="2400"/>
+            <a:lvl1pPr marL="0" indent="0" algn="l">
+              <a:buNone/>
+              <a:defRPr sz="2000"/>
             </a:lvl1pPr>
             <a:lvl2pPr marL="457200" indent="0" algn="ctr">
               <a:buNone/>
@@ -234,18 +263,13 @@
               <a:rPr lang="en-US"/>
               <a:t>Click to edit Master subtitle style</a:t>
             </a:r>
-          </a:p>
-        </p:txBody>
-      </p:sp>
-      <p:sp>
-        <p:nvSpPr>
-          <p:cNvPr id="4" name="Date Placeholder 3">
-            <a:extLst>
-              <a:ext uri="{FF2B5EF4-FFF2-40B4-BE49-F238E27FC236}">
-                <a16:creationId xmlns:a16="http://schemas.microsoft.com/office/drawing/2014/main" id="{39918E9C-D5FE-3189-CF45-2A6E67783245}"/>
-              </a:ext>
-            </a:extLst>
-          </p:cNvPr>
+            <a:endParaRPr lang="en-US" dirty="0"/>
+          </a:p>
+        </p:txBody>
+      </p:sp>
+      <p:sp>
+        <p:nvSpPr>
+          <p:cNvPr id="4" name="Date Placeholder 3"/>
           <p:cNvSpPr>
             <a:spLocks noGrp="1"/>
           </p:cNvSpPr>
@@ -253,14 +277,19 @@
             <p:ph type="dt" sz="half" idx="10"/>
           </p:nvPr>
         </p:nvSpPr>
-        <p:spPr/>
+        <p:spPr>
+          <a:xfrm>
+            <a:off x="7909561" y="4314328"/>
+            <a:ext cx="2910840" cy="374642"/>
+          </a:xfrm>
+        </p:spPr>
         <p:txBody>
           <a:bodyPr/>
           <a:lstStyle/>
           <a:p>
             <a:fld id="{70C62A42-C283-41B3-99EF-D3E8EE93DF1C}" type="datetimeFigureOut">
               <a:rPr lang="en-US" smtClean="0"/>
-              <a:t>5/13/2022</a:t>
+              <a:t>5/17/2022</a:t>
             </a:fld>
             <a:endParaRPr lang="en-US"/>
           </a:p>
@@ -268,13 +297,7 @@
       </p:sp>
       <p:sp>
         <p:nvSpPr>
-          <p:cNvPr id="5" name="Footer Placeholder 4">
-            <a:extLst>
-              <a:ext uri="{FF2B5EF4-FFF2-40B4-BE49-F238E27FC236}">
-                <a16:creationId xmlns:a16="http://schemas.microsoft.com/office/drawing/2014/main" id="{349463B7-1685-4F93-2773-27CDD6033B17}"/>
-              </a:ext>
-            </a:extLst>
-          </p:cNvPr>
+          <p:cNvPr id="5" name="Footer Placeholder 4"/>
           <p:cNvSpPr>
             <a:spLocks noGrp="1"/>
           </p:cNvSpPr>
@@ -282,7 +305,12 @@
             <p:ph type="ftr" sz="quarter" idx="11"/>
           </p:nvPr>
         </p:nvSpPr>
-        <p:spPr/>
+        <p:spPr>
+          <a:xfrm>
+            <a:off x="1371600" y="4323845"/>
+            <a:ext cx="6400800" cy="365125"/>
+          </a:xfrm>
+        </p:spPr>
         <p:txBody>
           <a:bodyPr/>
           <a:lstStyle/>
@@ -293,13 +321,7 @@
       </p:sp>
       <p:sp>
         <p:nvSpPr>
-          <p:cNvPr id="6" name="Slide Number Placeholder 5">
-            <a:extLst>
-              <a:ext uri="{FF2B5EF4-FFF2-40B4-BE49-F238E27FC236}">
-                <a16:creationId xmlns:a16="http://schemas.microsoft.com/office/drawing/2014/main" id="{95D4AAE6-D7BE-0EF6-D4CC-789709B30936}"/>
-              </a:ext>
-            </a:extLst>
-          </p:cNvPr>
+          <p:cNvPr id="6" name="Slide Number Placeholder 5"/>
           <p:cNvSpPr>
             <a:spLocks noGrp="1"/>
           </p:cNvSpPr>
@@ -307,7 +329,12 @@
             <p:ph type="sldNum" sz="quarter" idx="12"/>
           </p:nvPr>
         </p:nvSpPr>
-        <p:spPr/>
+        <p:spPr>
+          <a:xfrm>
+            <a:off x="8077200" y="1430866"/>
+            <a:ext cx="2743200" cy="365125"/>
+          </a:xfrm>
+        </p:spPr>
         <p:txBody>
           <a:bodyPr/>
           <a:lstStyle/>
@@ -323,7 +350,7 @@
     </p:spTree>
     <p:extLst>
       <p:ext uri="{BB962C8B-B14F-4D97-AF65-F5344CB8AC3E}">
-        <p14:creationId xmlns:p14="http://schemas.microsoft.com/office/powerpoint/2010/main" val="3246688646"/>
+        <p14:creationId xmlns:p14="http://schemas.microsoft.com/office/powerpoint/2010/main" val="2629406141"/>
       </p:ext>
     </p:extLst>
   </p:cSld>
@@ -334,6 +361,2598 @@
 </file>
 
 <file path=ppt/slideLayouts/slideLayout10.xml><?xml version="1.0" encoding="utf-8"?>
+<p:sldLayout xmlns:a="http://schemas.openxmlformats.org/drawingml/2006/main" xmlns:r="http://schemas.openxmlformats.org/officeDocument/2006/relationships" xmlns:p="http://schemas.openxmlformats.org/presentationml/2006/main" preserve="1">
+  <p:cSld name="Panoramic Picture with Caption">
+    <p:spTree>
+      <p:nvGrpSpPr>
+        <p:cNvPr id="1" name=""/>
+        <p:cNvGrpSpPr/>
+        <p:nvPr/>
+      </p:nvGrpSpPr>
+      <p:grpSpPr>
+        <a:xfrm>
+          <a:off x="0" y="0"/>
+          <a:ext cx="0" cy="0"/>
+          <a:chOff x="0" y="0"/>
+          <a:chExt cx="0" cy="0"/>
+        </a:xfrm>
+      </p:grpSpPr>
+      <p:sp>
+        <p:nvSpPr>
+          <p:cNvPr id="2" name="Title 1"/>
+          <p:cNvSpPr>
+            <a:spLocks noGrp="1"/>
+          </p:cNvSpPr>
+          <p:nvPr>
+            <p:ph type="title"/>
+          </p:nvPr>
+        </p:nvSpPr>
+        <p:spPr>
+          <a:xfrm>
+            <a:off x="685777" y="4697360"/>
+            <a:ext cx="10822034" cy="819355"/>
+          </a:xfrm>
+        </p:spPr>
+        <p:txBody>
+          <a:bodyPr anchor="b"/>
+          <a:lstStyle>
+            <a:lvl1pPr algn="l">
+              <a:defRPr sz="3200"/>
+            </a:lvl1pPr>
+          </a:lstStyle>
+          <a:p>
+            <a:r>
+              <a:rPr lang="en-US"/>
+              <a:t>Click to edit Master title style</a:t>
+            </a:r>
+            <a:endParaRPr lang="en-US" dirty="0"/>
+          </a:p>
+        </p:txBody>
+      </p:sp>
+      <p:sp>
+        <p:nvSpPr>
+          <p:cNvPr id="3" name="Picture Placeholder 2"/>
+          <p:cNvSpPr>
+            <a:spLocks noGrp="1" noChangeAspect="1"/>
+          </p:cNvSpPr>
+          <p:nvPr>
+            <p:ph type="pic" idx="1"/>
+          </p:nvPr>
+        </p:nvSpPr>
+        <p:spPr>
+          <a:xfrm>
+            <a:off x="681727" y="941439"/>
+            <a:ext cx="10821840" cy="3478161"/>
+          </a:xfrm>
+        </p:spPr>
+        <p:txBody>
+          <a:bodyPr anchor="t"/>
+          <a:lstStyle>
+            <a:lvl1pPr marL="0" indent="0">
+              <a:buNone/>
+              <a:defRPr sz="3200"/>
+            </a:lvl1pPr>
+            <a:lvl2pPr marL="457200" indent="0">
+              <a:buNone/>
+              <a:defRPr sz="2800"/>
+            </a:lvl2pPr>
+            <a:lvl3pPr marL="914400" indent="0">
+              <a:buNone/>
+              <a:defRPr sz="2400"/>
+            </a:lvl3pPr>
+            <a:lvl4pPr marL="1371600" indent="0">
+              <a:buNone/>
+              <a:defRPr sz="2000"/>
+            </a:lvl4pPr>
+            <a:lvl5pPr marL="1828800" indent="0">
+              <a:buNone/>
+              <a:defRPr sz="2000"/>
+            </a:lvl5pPr>
+            <a:lvl6pPr marL="2286000" indent="0">
+              <a:buNone/>
+              <a:defRPr sz="2000"/>
+            </a:lvl6pPr>
+            <a:lvl7pPr marL="2743200" indent="0">
+              <a:buNone/>
+              <a:defRPr sz="2000"/>
+            </a:lvl7pPr>
+            <a:lvl8pPr marL="3200400" indent="0">
+              <a:buNone/>
+              <a:defRPr sz="2000"/>
+            </a:lvl8pPr>
+            <a:lvl9pPr marL="3657600" indent="0">
+              <a:buNone/>
+              <a:defRPr sz="2000"/>
+            </a:lvl9pPr>
+          </a:lstStyle>
+          <a:p>
+            <a:r>
+              <a:rPr lang="en-US"/>
+              <a:t>Click icon to add picture</a:t>
+            </a:r>
+            <a:endParaRPr lang="en-US" dirty="0"/>
+          </a:p>
+        </p:txBody>
+      </p:sp>
+      <p:sp>
+        <p:nvSpPr>
+          <p:cNvPr id="4" name="Text Placeholder 3"/>
+          <p:cNvSpPr>
+            <a:spLocks noGrp="1"/>
+          </p:cNvSpPr>
+          <p:nvPr>
+            <p:ph type="body" sz="half" idx="2"/>
+          </p:nvPr>
+        </p:nvSpPr>
+        <p:spPr>
+          <a:xfrm>
+            <a:off x="685800" y="5516715"/>
+            <a:ext cx="10820400" cy="701969"/>
+          </a:xfrm>
+        </p:spPr>
+        <p:txBody>
+          <a:bodyPr/>
+          <a:lstStyle>
+            <a:lvl1pPr marL="0" indent="0" algn="l">
+              <a:buNone/>
+              <a:defRPr sz="1600"/>
+            </a:lvl1pPr>
+            <a:lvl2pPr marL="457200" indent="0">
+              <a:buNone/>
+              <a:defRPr sz="1400"/>
+            </a:lvl2pPr>
+            <a:lvl3pPr marL="914400" indent="0">
+              <a:buNone/>
+              <a:defRPr sz="1200"/>
+            </a:lvl3pPr>
+            <a:lvl4pPr marL="1371600" indent="0">
+              <a:buNone/>
+              <a:defRPr sz="1000"/>
+            </a:lvl4pPr>
+            <a:lvl5pPr marL="1828800" indent="0">
+              <a:buNone/>
+              <a:defRPr sz="1000"/>
+            </a:lvl5pPr>
+            <a:lvl6pPr marL="2286000" indent="0">
+              <a:buNone/>
+              <a:defRPr sz="1000"/>
+            </a:lvl6pPr>
+            <a:lvl7pPr marL="2743200" indent="0">
+              <a:buNone/>
+              <a:defRPr sz="1000"/>
+            </a:lvl7pPr>
+            <a:lvl8pPr marL="3200400" indent="0">
+              <a:buNone/>
+              <a:defRPr sz="1000"/>
+            </a:lvl8pPr>
+            <a:lvl9pPr marL="3657600" indent="0">
+              <a:buNone/>
+              <a:defRPr sz="1000"/>
+            </a:lvl9pPr>
+          </a:lstStyle>
+          <a:p>
+            <a:pPr lvl="0"/>
+            <a:r>
+              <a:rPr lang="en-US"/>
+              <a:t>Click to edit Master text styles</a:t>
+            </a:r>
+          </a:p>
+        </p:txBody>
+      </p:sp>
+      <p:sp>
+        <p:nvSpPr>
+          <p:cNvPr id="5" name="Date Placeholder 4"/>
+          <p:cNvSpPr>
+            <a:spLocks noGrp="1"/>
+          </p:cNvSpPr>
+          <p:nvPr>
+            <p:ph type="dt" sz="half" idx="10"/>
+          </p:nvPr>
+        </p:nvSpPr>
+        <p:spPr/>
+        <p:txBody>
+          <a:bodyPr/>
+          <a:lstStyle/>
+          <a:p>
+            <a:fld id="{70C62A42-C283-41B3-99EF-D3E8EE93DF1C}" type="datetimeFigureOut">
+              <a:rPr lang="en-US" smtClean="0"/>
+              <a:t>5/17/2022</a:t>
+            </a:fld>
+            <a:endParaRPr lang="en-US"/>
+          </a:p>
+        </p:txBody>
+      </p:sp>
+      <p:sp>
+        <p:nvSpPr>
+          <p:cNvPr id="6" name="Footer Placeholder 5"/>
+          <p:cNvSpPr>
+            <a:spLocks noGrp="1"/>
+          </p:cNvSpPr>
+          <p:nvPr>
+            <p:ph type="ftr" sz="quarter" idx="11"/>
+          </p:nvPr>
+        </p:nvSpPr>
+        <p:spPr/>
+        <p:txBody>
+          <a:bodyPr/>
+          <a:lstStyle/>
+          <a:p>
+            <a:endParaRPr lang="en-US"/>
+          </a:p>
+        </p:txBody>
+      </p:sp>
+      <p:sp>
+        <p:nvSpPr>
+          <p:cNvPr id="7" name="Slide Number Placeholder 6"/>
+          <p:cNvSpPr>
+            <a:spLocks noGrp="1"/>
+          </p:cNvSpPr>
+          <p:nvPr>
+            <p:ph type="sldNum" sz="quarter" idx="12"/>
+          </p:nvPr>
+        </p:nvSpPr>
+        <p:spPr/>
+        <p:txBody>
+          <a:bodyPr/>
+          <a:lstStyle/>
+          <a:p>
+            <a:fld id="{BDB54E02-59CD-43DC-A1FD-C38A30E1E6A0}" type="slidenum">
+              <a:rPr lang="en-US" smtClean="0"/>
+              <a:t>‹#›</a:t>
+            </a:fld>
+            <a:endParaRPr lang="en-US"/>
+          </a:p>
+        </p:txBody>
+      </p:sp>
+    </p:spTree>
+    <p:extLst>
+      <p:ext uri="{BB962C8B-B14F-4D97-AF65-F5344CB8AC3E}">
+        <p14:creationId xmlns:p14="http://schemas.microsoft.com/office/powerpoint/2010/main" val="1735397470"/>
+      </p:ext>
+    </p:extLst>
+  </p:cSld>
+  <p:clrMapOvr>
+    <a:masterClrMapping/>
+  </p:clrMapOvr>
+</p:sldLayout>
+</file>
+
+<file path=ppt/slideLayouts/slideLayout11.xml><?xml version="1.0" encoding="utf-8"?>
+<p:sldLayout xmlns:a="http://schemas.openxmlformats.org/drawingml/2006/main" xmlns:r="http://schemas.openxmlformats.org/officeDocument/2006/relationships" xmlns:p="http://schemas.openxmlformats.org/presentationml/2006/main" showMasterSp="0" preserve="1">
+  <p:cSld name="Title and Caption">
+    <p:spTree>
+      <p:nvGrpSpPr>
+        <p:cNvPr id="1" name=""/>
+        <p:cNvGrpSpPr/>
+        <p:nvPr/>
+      </p:nvGrpSpPr>
+      <p:grpSpPr>
+        <a:xfrm>
+          <a:off x="0" y="0"/>
+          <a:ext cx="0" cy="0"/>
+          <a:chOff x="0" y="0"/>
+          <a:chExt cx="0" cy="0"/>
+        </a:xfrm>
+      </p:grpSpPr>
+      <p:pic>
+        <p:nvPicPr>
+          <p:cNvPr id="9" name="Picture 8" descr="C2-HD-BTM.png"/>
+          <p:cNvPicPr>
+            <a:picLocks noChangeAspect="1"/>
+          </p:cNvPicPr>
+          <p:nvPr/>
+        </p:nvPicPr>
+        <p:blipFill>
+          <a:blip r:embed="rId2">
+            <a:extLst>
+              <a:ext uri="{28A0092B-C50C-407E-A947-70E740481C1C}">
+                <a14:useLocalDpi xmlns:a14="http://schemas.microsoft.com/office/drawing/2010/main" val="0"/>
+              </a:ext>
+            </a:extLst>
+          </a:blip>
+          <a:stretch>
+            <a:fillRect/>
+          </a:stretch>
+        </p:blipFill>
+        <p:spPr>
+          <a:xfrm>
+            <a:off x="0" y="4375150"/>
+            <a:ext cx="12192000" cy="2482850"/>
+          </a:xfrm>
+          <a:prstGeom prst="rect">
+            <a:avLst/>
+          </a:prstGeom>
+        </p:spPr>
+      </p:pic>
+      <p:sp>
+        <p:nvSpPr>
+          <p:cNvPr id="2" name="Title 1"/>
+          <p:cNvSpPr>
+            <a:spLocks noGrp="1"/>
+          </p:cNvSpPr>
+          <p:nvPr>
+            <p:ph type="title"/>
+          </p:nvPr>
+        </p:nvSpPr>
+        <p:spPr>
+          <a:xfrm>
+            <a:off x="685800" y="753532"/>
+            <a:ext cx="10820400" cy="2802467"/>
+          </a:xfrm>
+        </p:spPr>
+        <p:txBody>
+          <a:bodyPr anchor="ctr"/>
+          <a:lstStyle>
+            <a:lvl1pPr algn="l">
+              <a:defRPr sz="3200"/>
+            </a:lvl1pPr>
+          </a:lstStyle>
+          <a:p>
+            <a:r>
+              <a:rPr lang="en-US"/>
+              <a:t>Click to edit Master title style</a:t>
+            </a:r>
+            <a:endParaRPr lang="en-US" dirty="0"/>
+          </a:p>
+        </p:txBody>
+      </p:sp>
+      <p:sp>
+        <p:nvSpPr>
+          <p:cNvPr id="4" name="Text Placeholder 3"/>
+          <p:cNvSpPr>
+            <a:spLocks noGrp="1"/>
+          </p:cNvSpPr>
+          <p:nvPr>
+            <p:ph type="body" sz="half" idx="2"/>
+          </p:nvPr>
+        </p:nvSpPr>
+        <p:spPr>
+          <a:xfrm>
+            <a:off x="1024467" y="3649133"/>
+            <a:ext cx="10130516" cy="999067"/>
+          </a:xfrm>
+        </p:spPr>
+        <p:txBody>
+          <a:bodyPr anchor="ctr"/>
+          <a:lstStyle>
+            <a:lvl1pPr marL="0" indent="0">
+              <a:buNone/>
+              <a:defRPr sz="1600"/>
+            </a:lvl1pPr>
+            <a:lvl2pPr marL="457200" indent="0">
+              <a:buNone/>
+              <a:defRPr sz="1400"/>
+            </a:lvl2pPr>
+            <a:lvl3pPr marL="914400" indent="0">
+              <a:buNone/>
+              <a:defRPr sz="1200"/>
+            </a:lvl3pPr>
+            <a:lvl4pPr marL="1371600" indent="0">
+              <a:buNone/>
+              <a:defRPr sz="1000"/>
+            </a:lvl4pPr>
+            <a:lvl5pPr marL="1828800" indent="0">
+              <a:buNone/>
+              <a:defRPr sz="1000"/>
+            </a:lvl5pPr>
+            <a:lvl6pPr marL="2286000" indent="0">
+              <a:buNone/>
+              <a:defRPr sz="1000"/>
+            </a:lvl6pPr>
+            <a:lvl7pPr marL="2743200" indent="0">
+              <a:buNone/>
+              <a:defRPr sz="1000"/>
+            </a:lvl7pPr>
+            <a:lvl8pPr marL="3200400" indent="0">
+              <a:buNone/>
+              <a:defRPr sz="1000"/>
+            </a:lvl8pPr>
+            <a:lvl9pPr marL="3657600" indent="0">
+              <a:buNone/>
+              <a:defRPr sz="1000"/>
+            </a:lvl9pPr>
+          </a:lstStyle>
+          <a:p>
+            <a:pPr lvl="0"/>
+            <a:r>
+              <a:rPr lang="en-US"/>
+              <a:t>Click to edit Master text styles</a:t>
+            </a:r>
+          </a:p>
+        </p:txBody>
+      </p:sp>
+      <p:sp>
+        <p:nvSpPr>
+          <p:cNvPr id="5" name="Date Placeholder 4"/>
+          <p:cNvSpPr>
+            <a:spLocks noGrp="1"/>
+          </p:cNvSpPr>
+          <p:nvPr>
+            <p:ph type="dt" sz="half" idx="10"/>
+          </p:nvPr>
+        </p:nvSpPr>
+        <p:spPr>
+          <a:xfrm>
+            <a:off x="7814452" y="381000"/>
+            <a:ext cx="2910840" cy="365125"/>
+          </a:xfrm>
+        </p:spPr>
+        <p:txBody>
+          <a:bodyPr/>
+          <a:lstStyle>
+            <a:lvl1pPr algn="r">
+              <a:defRPr/>
+            </a:lvl1pPr>
+          </a:lstStyle>
+          <a:p>
+            <a:fld id="{70C62A42-C283-41B3-99EF-D3E8EE93DF1C}" type="datetimeFigureOut">
+              <a:rPr lang="en-US" smtClean="0"/>
+              <a:t>5/17/2022</a:t>
+            </a:fld>
+            <a:endParaRPr lang="en-US"/>
+          </a:p>
+        </p:txBody>
+      </p:sp>
+      <p:sp>
+        <p:nvSpPr>
+          <p:cNvPr id="6" name="Footer Placeholder 5"/>
+          <p:cNvSpPr>
+            <a:spLocks noGrp="1"/>
+          </p:cNvSpPr>
+          <p:nvPr>
+            <p:ph type="ftr" sz="quarter" idx="11"/>
+          </p:nvPr>
+        </p:nvSpPr>
+        <p:spPr>
+          <a:xfrm>
+            <a:off x="685800" y="379941"/>
+            <a:ext cx="6991492" cy="365125"/>
+          </a:xfrm>
+        </p:spPr>
+        <p:txBody>
+          <a:bodyPr/>
+          <a:lstStyle/>
+          <a:p>
+            <a:endParaRPr lang="en-US"/>
+          </a:p>
+        </p:txBody>
+      </p:sp>
+      <p:sp>
+        <p:nvSpPr>
+          <p:cNvPr id="7" name="Slide Number Placeholder 6"/>
+          <p:cNvSpPr>
+            <a:spLocks noGrp="1"/>
+          </p:cNvSpPr>
+          <p:nvPr>
+            <p:ph type="sldNum" sz="quarter" idx="12"/>
+          </p:nvPr>
+        </p:nvSpPr>
+        <p:spPr>
+          <a:xfrm>
+            <a:off x="10862452" y="381000"/>
+            <a:ext cx="643748" cy="365125"/>
+          </a:xfrm>
+        </p:spPr>
+        <p:txBody>
+          <a:bodyPr/>
+          <a:lstStyle/>
+          <a:p>
+            <a:fld id="{BDB54E02-59CD-43DC-A1FD-C38A30E1E6A0}" type="slidenum">
+              <a:rPr lang="en-US" smtClean="0"/>
+              <a:t>‹#›</a:t>
+            </a:fld>
+            <a:endParaRPr lang="en-US"/>
+          </a:p>
+        </p:txBody>
+      </p:sp>
+    </p:spTree>
+    <p:extLst>
+      <p:ext uri="{BB962C8B-B14F-4D97-AF65-F5344CB8AC3E}">
+        <p14:creationId xmlns:p14="http://schemas.microsoft.com/office/powerpoint/2010/main" val="611676913"/>
+      </p:ext>
+    </p:extLst>
+  </p:cSld>
+  <p:clrMapOvr>
+    <a:masterClrMapping/>
+  </p:clrMapOvr>
+</p:sldLayout>
+</file>
+
+<file path=ppt/slideLayouts/slideLayout12.xml><?xml version="1.0" encoding="utf-8"?>
+<p:sldLayout xmlns:a="http://schemas.openxmlformats.org/drawingml/2006/main" xmlns:r="http://schemas.openxmlformats.org/officeDocument/2006/relationships" xmlns:p="http://schemas.openxmlformats.org/presentationml/2006/main" showMasterSp="0" preserve="1">
+  <p:cSld name="Quote with Caption">
+    <p:spTree>
+      <p:nvGrpSpPr>
+        <p:cNvPr id="1" name=""/>
+        <p:cNvGrpSpPr/>
+        <p:nvPr/>
+      </p:nvGrpSpPr>
+      <p:grpSpPr>
+        <a:xfrm>
+          <a:off x="0" y="0"/>
+          <a:ext cx="0" cy="0"/>
+          <a:chOff x="0" y="0"/>
+          <a:chExt cx="0" cy="0"/>
+        </a:xfrm>
+      </p:grpSpPr>
+      <p:pic>
+        <p:nvPicPr>
+          <p:cNvPr id="11" name="Picture 10" descr="C2-HD-BTM.png"/>
+          <p:cNvPicPr>
+            <a:picLocks noChangeAspect="1"/>
+          </p:cNvPicPr>
+          <p:nvPr/>
+        </p:nvPicPr>
+        <p:blipFill>
+          <a:blip r:embed="rId2">
+            <a:extLst>
+              <a:ext uri="{28A0092B-C50C-407E-A947-70E740481C1C}">
+                <a14:useLocalDpi xmlns:a14="http://schemas.microsoft.com/office/drawing/2010/main" val="0"/>
+              </a:ext>
+            </a:extLst>
+          </a:blip>
+          <a:stretch>
+            <a:fillRect/>
+          </a:stretch>
+        </p:blipFill>
+        <p:spPr>
+          <a:xfrm>
+            <a:off x="0" y="4375150"/>
+            <a:ext cx="12192000" cy="2482850"/>
+          </a:xfrm>
+          <a:prstGeom prst="rect">
+            <a:avLst/>
+          </a:prstGeom>
+        </p:spPr>
+      </p:pic>
+      <p:sp>
+        <p:nvSpPr>
+          <p:cNvPr id="2" name="Title 1"/>
+          <p:cNvSpPr>
+            <a:spLocks noGrp="1"/>
+          </p:cNvSpPr>
+          <p:nvPr>
+            <p:ph type="title"/>
+          </p:nvPr>
+        </p:nvSpPr>
+        <p:spPr>
+          <a:xfrm>
+            <a:off x="1024467" y="753533"/>
+            <a:ext cx="10151533" cy="2604495"/>
+          </a:xfrm>
+        </p:spPr>
+        <p:txBody>
+          <a:bodyPr anchor="ctr"/>
+          <a:lstStyle>
+            <a:lvl1pPr algn="l">
+              <a:defRPr sz="3200"/>
+            </a:lvl1pPr>
+          </a:lstStyle>
+          <a:p>
+            <a:r>
+              <a:rPr lang="en-US"/>
+              <a:t>Click to edit Master title style</a:t>
+            </a:r>
+            <a:endParaRPr lang="en-US" dirty="0"/>
+          </a:p>
+        </p:txBody>
+      </p:sp>
+      <p:sp>
+        <p:nvSpPr>
+          <p:cNvPr id="12" name="Text Placeholder 3"/>
+          <p:cNvSpPr>
+            <a:spLocks noGrp="1"/>
+          </p:cNvSpPr>
+          <p:nvPr>
+            <p:ph type="body" sz="half" idx="13"/>
+          </p:nvPr>
+        </p:nvSpPr>
+        <p:spPr>
+          <a:xfrm>
+            <a:off x="1303865" y="3365556"/>
+            <a:ext cx="9592736" cy="444443"/>
+          </a:xfrm>
+        </p:spPr>
+        <p:txBody>
+          <a:bodyPr anchor="t">
+            <a:normAutofit/>
+          </a:bodyPr>
+          <a:lstStyle>
+            <a:lvl1pPr marL="0" indent="0">
+              <a:buNone/>
+              <a:defRPr sz="1400"/>
+            </a:lvl1pPr>
+            <a:lvl2pPr marL="457200" indent="0">
+              <a:buNone/>
+              <a:defRPr sz="1400"/>
+            </a:lvl2pPr>
+            <a:lvl3pPr marL="914400" indent="0">
+              <a:buNone/>
+              <a:defRPr sz="1200"/>
+            </a:lvl3pPr>
+            <a:lvl4pPr marL="1371600" indent="0">
+              <a:buNone/>
+              <a:defRPr sz="1000"/>
+            </a:lvl4pPr>
+            <a:lvl5pPr marL="1828800" indent="0">
+              <a:buNone/>
+              <a:defRPr sz="1000"/>
+            </a:lvl5pPr>
+            <a:lvl6pPr marL="2286000" indent="0">
+              <a:buNone/>
+              <a:defRPr sz="1000"/>
+            </a:lvl6pPr>
+            <a:lvl7pPr marL="2743200" indent="0">
+              <a:buNone/>
+              <a:defRPr sz="1000"/>
+            </a:lvl7pPr>
+            <a:lvl8pPr marL="3200400" indent="0">
+              <a:buNone/>
+              <a:defRPr sz="1000"/>
+            </a:lvl8pPr>
+            <a:lvl9pPr marL="3657600" indent="0">
+              <a:buNone/>
+              <a:defRPr sz="1000"/>
+            </a:lvl9pPr>
+          </a:lstStyle>
+          <a:p>
+            <a:pPr lvl="0"/>
+            <a:r>
+              <a:rPr lang="en-US"/>
+              <a:t>Click to edit Master text styles</a:t>
+            </a:r>
+          </a:p>
+        </p:txBody>
+      </p:sp>
+      <p:sp>
+        <p:nvSpPr>
+          <p:cNvPr id="4" name="Text Placeholder 3"/>
+          <p:cNvSpPr>
+            <a:spLocks noGrp="1"/>
+          </p:cNvSpPr>
+          <p:nvPr>
+            <p:ph type="body" sz="half" idx="2"/>
+          </p:nvPr>
+        </p:nvSpPr>
+        <p:spPr>
+          <a:xfrm>
+            <a:off x="1024467" y="3959862"/>
+            <a:ext cx="10151533" cy="679871"/>
+          </a:xfrm>
+        </p:spPr>
+        <p:txBody>
+          <a:bodyPr anchor="ctr">
+            <a:normAutofit/>
+          </a:bodyPr>
+          <a:lstStyle>
+            <a:lvl1pPr marL="0" indent="0">
+              <a:buNone/>
+              <a:defRPr sz="1600"/>
+            </a:lvl1pPr>
+            <a:lvl2pPr marL="457200" indent="0">
+              <a:buNone/>
+              <a:defRPr sz="1400"/>
+            </a:lvl2pPr>
+            <a:lvl3pPr marL="914400" indent="0">
+              <a:buNone/>
+              <a:defRPr sz="1200"/>
+            </a:lvl3pPr>
+            <a:lvl4pPr marL="1371600" indent="0">
+              <a:buNone/>
+              <a:defRPr sz="1000"/>
+            </a:lvl4pPr>
+            <a:lvl5pPr marL="1828800" indent="0">
+              <a:buNone/>
+              <a:defRPr sz="1000"/>
+            </a:lvl5pPr>
+            <a:lvl6pPr marL="2286000" indent="0">
+              <a:buNone/>
+              <a:defRPr sz="1000"/>
+            </a:lvl6pPr>
+            <a:lvl7pPr marL="2743200" indent="0">
+              <a:buNone/>
+              <a:defRPr sz="1000"/>
+            </a:lvl7pPr>
+            <a:lvl8pPr marL="3200400" indent="0">
+              <a:buNone/>
+              <a:defRPr sz="1000"/>
+            </a:lvl8pPr>
+            <a:lvl9pPr marL="3657600" indent="0">
+              <a:buNone/>
+              <a:defRPr sz="1000"/>
+            </a:lvl9pPr>
+          </a:lstStyle>
+          <a:p>
+            <a:pPr lvl="0"/>
+            <a:r>
+              <a:rPr lang="en-US"/>
+              <a:t>Click to edit Master text styles</a:t>
+            </a:r>
+          </a:p>
+        </p:txBody>
+      </p:sp>
+      <p:sp>
+        <p:nvSpPr>
+          <p:cNvPr id="5" name="Date Placeholder 4"/>
+          <p:cNvSpPr>
+            <a:spLocks noGrp="1"/>
+          </p:cNvSpPr>
+          <p:nvPr>
+            <p:ph type="dt" sz="half" idx="10"/>
+          </p:nvPr>
+        </p:nvSpPr>
+        <p:spPr>
+          <a:xfrm>
+            <a:off x="7814452" y="381000"/>
+            <a:ext cx="2910840" cy="365125"/>
+          </a:xfrm>
+        </p:spPr>
+        <p:txBody>
+          <a:bodyPr/>
+          <a:lstStyle>
+            <a:lvl1pPr algn="r">
+              <a:defRPr/>
+            </a:lvl1pPr>
+          </a:lstStyle>
+          <a:p>
+            <a:fld id="{70C62A42-C283-41B3-99EF-D3E8EE93DF1C}" type="datetimeFigureOut">
+              <a:rPr lang="en-US" smtClean="0"/>
+              <a:t>5/17/2022</a:t>
+            </a:fld>
+            <a:endParaRPr lang="en-US"/>
+          </a:p>
+        </p:txBody>
+      </p:sp>
+      <p:sp>
+        <p:nvSpPr>
+          <p:cNvPr id="6" name="Footer Placeholder 5"/>
+          <p:cNvSpPr>
+            <a:spLocks noGrp="1"/>
+          </p:cNvSpPr>
+          <p:nvPr>
+            <p:ph type="ftr" sz="quarter" idx="11"/>
+          </p:nvPr>
+        </p:nvSpPr>
+        <p:spPr>
+          <a:xfrm>
+            <a:off x="685800" y="379941"/>
+            <a:ext cx="6991492" cy="365125"/>
+          </a:xfrm>
+        </p:spPr>
+        <p:txBody>
+          <a:bodyPr/>
+          <a:lstStyle/>
+          <a:p>
+            <a:endParaRPr lang="en-US"/>
+          </a:p>
+        </p:txBody>
+      </p:sp>
+      <p:sp>
+        <p:nvSpPr>
+          <p:cNvPr id="7" name="Slide Number Placeholder 6"/>
+          <p:cNvSpPr>
+            <a:spLocks noGrp="1"/>
+          </p:cNvSpPr>
+          <p:nvPr>
+            <p:ph type="sldNum" sz="quarter" idx="12"/>
+          </p:nvPr>
+        </p:nvSpPr>
+        <p:spPr>
+          <a:xfrm>
+            <a:off x="10862452" y="381000"/>
+            <a:ext cx="643748" cy="365125"/>
+          </a:xfrm>
+        </p:spPr>
+        <p:txBody>
+          <a:bodyPr/>
+          <a:lstStyle/>
+          <a:p>
+            <a:fld id="{BDB54E02-59CD-43DC-A1FD-C38A30E1E6A0}" type="slidenum">
+              <a:rPr lang="en-US" smtClean="0"/>
+              <a:t>‹#›</a:t>
+            </a:fld>
+            <a:endParaRPr lang="en-US"/>
+          </a:p>
+        </p:txBody>
+      </p:sp>
+      <p:sp>
+        <p:nvSpPr>
+          <p:cNvPr id="9" name="TextBox 8"/>
+          <p:cNvSpPr txBox="1"/>
+          <p:nvPr/>
+        </p:nvSpPr>
+        <p:spPr>
+          <a:xfrm>
+            <a:off x="476250" y="933450"/>
+            <a:ext cx="609600" cy="584776"/>
+          </a:xfrm>
+          <a:prstGeom prst="rect">
+            <a:avLst/>
+          </a:prstGeom>
+        </p:spPr>
+        <p:txBody>
+          <a:bodyPr vert="horz" lIns="91440" tIns="45720" rIns="91440" bIns="45720" rtlCol="0" anchor="ctr">
+            <a:noAutofit/>
+          </a:bodyPr>
+          <a:lstStyle>
+            <a:lvl1pPr>
+              <a:spcBef>
+                <a:spcPct val="0"/>
+              </a:spcBef>
+              <a:buNone/>
+              <a:defRPr sz="3200" b="0" cap="all">
+                <a:ln w="3175" cmpd="sng">
+                  <a:noFill/>
+                </a:ln>
+                <a:effectLst>
+                  <a:glow rad="38100">
+                    <a:schemeClr val="bg1">
+                      <a:lumMod val="65000"/>
+                      <a:lumOff val="35000"/>
+                      <a:alpha val="40000"/>
+                    </a:schemeClr>
+                  </a:glow>
+                  <a:outerShdw blurRad="28575" dist="38100" dir="14040000" algn="tl" rotWithShape="0">
+                    <a:srgbClr val="000000">
+                      <a:alpha val="25000"/>
+                    </a:srgbClr>
+                  </a:outerShdw>
+                </a:effectLst>
+              </a:defRPr>
+            </a:lvl1pPr>
+            <a:lvl2pPr>
+              <a:defRPr>
+                <a:solidFill>
+                  <a:schemeClr val="tx2"/>
+                </a:solidFill>
+              </a:defRPr>
+            </a:lvl2pPr>
+            <a:lvl3pPr>
+              <a:defRPr>
+                <a:solidFill>
+                  <a:schemeClr val="tx2"/>
+                </a:solidFill>
+              </a:defRPr>
+            </a:lvl3pPr>
+            <a:lvl4pPr>
+              <a:defRPr>
+                <a:solidFill>
+                  <a:schemeClr val="tx2"/>
+                </a:solidFill>
+              </a:defRPr>
+            </a:lvl4pPr>
+            <a:lvl5pPr>
+              <a:defRPr>
+                <a:solidFill>
+                  <a:schemeClr val="tx2"/>
+                </a:solidFill>
+              </a:defRPr>
+            </a:lvl5pPr>
+            <a:lvl6pPr>
+              <a:defRPr>
+                <a:solidFill>
+                  <a:schemeClr val="tx2"/>
+                </a:solidFill>
+              </a:defRPr>
+            </a:lvl6pPr>
+            <a:lvl7pPr>
+              <a:defRPr>
+                <a:solidFill>
+                  <a:schemeClr val="tx2"/>
+                </a:solidFill>
+              </a:defRPr>
+            </a:lvl7pPr>
+            <a:lvl8pPr>
+              <a:defRPr>
+                <a:solidFill>
+                  <a:schemeClr val="tx2"/>
+                </a:solidFill>
+              </a:defRPr>
+            </a:lvl8pPr>
+            <a:lvl9pPr>
+              <a:defRPr>
+                <a:solidFill>
+                  <a:schemeClr val="tx2"/>
+                </a:solidFill>
+              </a:defRPr>
+            </a:lvl9pPr>
+          </a:lstStyle>
+          <a:p>
+            <a:pPr lvl="0"/>
+            <a:r>
+              <a:rPr lang="en-US" sz="8000" dirty="0">
+                <a:solidFill>
+                  <a:schemeClr val="tx1"/>
+                </a:solidFill>
+                <a:effectLst/>
+              </a:rPr>
+              <a:t>“</a:t>
+            </a:r>
+          </a:p>
+        </p:txBody>
+      </p:sp>
+      <p:sp>
+        <p:nvSpPr>
+          <p:cNvPr id="10" name="TextBox 9"/>
+          <p:cNvSpPr txBox="1"/>
+          <p:nvPr/>
+        </p:nvSpPr>
+        <p:spPr>
+          <a:xfrm>
+            <a:off x="10984230" y="2701290"/>
+            <a:ext cx="609600" cy="584776"/>
+          </a:xfrm>
+          <a:prstGeom prst="rect">
+            <a:avLst/>
+          </a:prstGeom>
+        </p:spPr>
+        <p:txBody>
+          <a:bodyPr vert="horz" lIns="91440" tIns="45720" rIns="91440" bIns="45720" rtlCol="0" anchor="ctr">
+            <a:noAutofit/>
+          </a:bodyPr>
+          <a:lstStyle>
+            <a:lvl1pPr>
+              <a:spcBef>
+                <a:spcPct val="0"/>
+              </a:spcBef>
+              <a:buNone/>
+              <a:defRPr sz="3200" b="0" cap="all">
+                <a:ln w="3175" cmpd="sng">
+                  <a:noFill/>
+                </a:ln>
+                <a:effectLst>
+                  <a:glow rad="38100">
+                    <a:schemeClr val="bg1">
+                      <a:lumMod val="65000"/>
+                      <a:lumOff val="35000"/>
+                      <a:alpha val="40000"/>
+                    </a:schemeClr>
+                  </a:glow>
+                  <a:outerShdw blurRad="28575" dist="38100" dir="14040000" algn="tl" rotWithShape="0">
+                    <a:srgbClr val="000000">
+                      <a:alpha val="25000"/>
+                    </a:srgbClr>
+                  </a:outerShdw>
+                </a:effectLst>
+              </a:defRPr>
+            </a:lvl1pPr>
+            <a:lvl2pPr>
+              <a:defRPr>
+                <a:solidFill>
+                  <a:schemeClr val="tx2"/>
+                </a:solidFill>
+              </a:defRPr>
+            </a:lvl2pPr>
+            <a:lvl3pPr>
+              <a:defRPr>
+                <a:solidFill>
+                  <a:schemeClr val="tx2"/>
+                </a:solidFill>
+              </a:defRPr>
+            </a:lvl3pPr>
+            <a:lvl4pPr>
+              <a:defRPr>
+                <a:solidFill>
+                  <a:schemeClr val="tx2"/>
+                </a:solidFill>
+              </a:defRPr>
+            </a:lvl4pPr>
+            <a:lvl5pPr>
+              <a:defRPr>
+                <a:solidFill>
+                  <a:schemeClr val="tx2"/>
+                </a:solidFill>
+              </a:defRPr>
+            </a:lvl5pPr>
+            <a:lvl6pPr>
+              <a:defRPr>
+                <a:solidFill>
+                  <a:schemeClr val="tx2"/>
+                </a:solidFill>
+              </a:defRPr>
+            </a:lvl6pPr>
+            <a:lvl7pPr>
+              <a:defRPr>
+                <a:solidFill>
+                  <a:schemeClr val="tx2"/>
+                </a:solidFill>
+              </a:defRPr>
+            </a:lvl7pPr>
+            <a:lvl8pPr>
+              <a:defRPr>
+                <a:solidFill>
+                  <a:schemeClr val="tx2"/>
+                </a:solidFill>
+              </a:defRPr>
+            </a:lvl8pPr>
+            <a:lvl9pPr>
+              <a:defRPr>
+                <a:solidFill>
+                  <a:schemeClr val="tx2"/>
+                </a:solidFill>
+              </a:defRPr>
+            </a:lvl9pPr>
+          </a:lstStyle>
+          <a:p>
+            <a:pPr lvl="0" algn="r"/>
+            <a:r>
+              <a:rPr lang="en-US" sz="8000" dirty="0">
+                <a:solidFill>
+                  <a:schemeClr val="tx1"/>
+                </a:solidFill>
+                <a:effectLst/>
+              </a:rPr>
+              <a:t>”</a:t>
+            </a:r>
+          </a:p>
+        </p:txBody>
+      </p:sp>
+    </p:spTree>
+    <p:extLst>
+      <p:ext uri="{BB962C8B-B14F-4D97-AF65-F5344CB8AC3E}">
+        <p14:creationId xmlns:p14="http://schemas.microsoft.com/office/powerpoint/2010/main" val="3453163409"/>
+      </p:ext>
+    </p:extLst>
+  </p:cSld>
+  <p:clrMapOvr>
+    <a:masterClrMapping/>
+  </p:clrMapOvr>
+</p:sldLayout>
+</file>
+
+<file path=ppt/slideLayouts/slideLayout13.xml><?xml version="1.0" encoding="utf-8"?>
+<p:sldLayout xmlns:a="http://schemas.openxmlformats.org/drawingml/2006/main" xmlns:r="http://schemas.openxmlformats.org/officeDocument/2006/relationships" xmlns:p="http://schemas.openxmlformats.org/presentationml/2006/main" showMasterSp="0" preserve="1">
+  <p:cSld name="Name Card">
+    <p:spTree>
+      <p:nvGrpSpPr>
+        <p:cNvPr id="1" name=""/>
+        <p:cNvGrpSpPr/>
+        <p:nvPr/>
+      </p:nvGrpSpPr>
+      <p:grpSpPr>
+        <a:xfrm>
+          <a:off x="0" y="0"/>
+          <a:ext cx="0" cy="0"/>
+          <a:chOff x="0" y="0"/>
+          <a:chExt cx="0" cy="0"/>
+        </a:xfrm>
+      </p:grpSpPr>
+      <p:pic>
+        <p:nvPicPr>
+          <p:cNvPr id="8" name="Picture 7" descr="C2-HD-BTM.png"/>
+          <p:cNvPicPr>
+            <a:picLocks noChangeAspect="1"/>
+          </p:cNvPicPr>
+          <p:nvPr/>
+        </p:nvPicPr>
+        <p:blipFill>
+          <a:blip r:embed="rId2">
+            <a:extLst>
+              <a:ext uri="{28A0092B-C50C-407E-A947-70E740481C1C}">
+                <a14:useLocalDpi xmlns:a14="http://schemas.microsoft.com/office/drawing/2010/main" val="0"/>
+              </a:ext>
+            </a:extLst>
+          </a:blip>
+          <a:stretch>
+            <a:fillRect/>
+          </a:stretch>
+        </p:blipFill>
+        <p:spPr>
+          <a:xfrm>
+            <a:off x="0" y="4375150"/>
+            <a:ext cx="12192000" cy="2482850"/>
+          </a:xfrm>
+          <a:prstGeom prst="rect">
+            <a:avLst/>
+          </a:prstGeom>
+        </p:spPr>
+      </p:pic>
+      <p:sp>
+        <p:nvSpPr>
+          <p:cNvPr id="2" name="Title 1"/>
+          <p:cNvSpPr>
+            <a:spLocks noGrp="1"/>
+          </p:cNvSpPr>
+          <p:nvPr>
+            <p:ph type="title"/>
+          </p:nvPr>
+        </p:nvSpPr>
+        <p:spPr>
+          <a:xfrm>
+            <a:off x="1024495" y="1124701"/>
+            <a:ext cx="10146186" cy="2511835"/>
+          </a:xfrm>
+        </p:spPr>
+        <p:txBody>
+          <a:bodyPr anchor="b"/>
+          <a:lstStyle>
+            <a:lvl1pPr algn="l">
+              <a:defRPr sz="3200"/>
+            </a:lvl1pPr>
+          </a:lstStyle>
+          <a:p>
+            <a:r>
+              <a:rPr lang="en-US"/>
+              <a:t>Click to edit Master title style</a:t>
+            </a:r>
+            <a:endParaRPr lang="en-US" dirty="0"/>
+          </a:p>
+        </p:txBody>
+      </p:sp>
+      <p:sp>
+        <p:nvSpPr>
+          <p:cNvPr id="4" name="Text Placeholder 3"/>
+          <p:cNvSpPr>
+            <a:spLocks noGrp="1"/>
+          </p:cNvSpPr>
+          <p:nvPr>
+            <p:ph type="body" sz="half" idx="2"/>
+          </p:nvPr>
+        </p:nvSpPr>
+        <p:spPr>
+          <a:xfrm>
+            <a:off x="1024467" y="3648315"/>
+            <a:ext cx="10144654" cy="999885"/>
+          </a:xfrm>
+        </p:spPr>
+        <p:txBody>
+          <a:bodyPr anchor="t"/>
+          <a:lstStyle>
+            <a:lvl1pPr marL="0" indent="0">
+              <a:buNone/>
+              <a:defRPr sz="1600"/>
+            </a:lvl1pPr>
+            <a:lvl2pPr marL="457200" indent="0">
+              <a:buNone/>
+              <a:defRPr sz="1400"/>
+            </a:lvl2pPr>
+            <a:lvl3pPr marL="914400" indent="0">
+              <a:buNone/>
+              <a:defRPr sz="1200"/>
+            </a:lvl3pPr>
+            <a:lvl4pPr marL="1371600" indent="0">
+              <a:buNone/>
+              <a:defRPr sz="1000"/>
+            </a:lvl4pPr>
+            <a:lvl5pPr marL="1828800" indent="0">
+              <a:buNone/>
+              <a:defRPr sz="1000"/>
+            </a:lvl5pPr>
+            <a:lvl6pPr marL="2286000" indent="0">
+              <a:buNone/>
+              <a:defRPr sz="1000"/>
+            </a:lvl6pPr>
+            <a:lvl7pPr marL="2743200" indent="0">
+              <a:buNone/>
+              <a:defRPr sz="1000"/>
+            </a:lvl7pPr>
+            <a:lvl8pPr marL="3200400" indent="0">
+              <a:buNone/>
+              <a:defRPr sz="1000"/>
+            </a:lvl8pPr>
+            <a:lvl9pPr marL="3657600" indent="0">
+              <a:buNone/>
+              <a:defRPr sz="1000"/>
+            </a:lvl9pPr>
+          </a:lstStyle>
+          <a:p>
+            <a:pPr lvl="0"/>
+            <a:r>
+              <a:rPr lang="en-US"/>
+              <a:t>Click to edit Master text styles</a:t>
+            </a:r>
+          </a:p>
+        </p:txBody>
+      </p:sp>
+      <p:sp>
+        <p:nvSpPr>
+          <p:cNvPr id="5" name="Date Placeholder 4"/>
+          <p:cNvSpPr>
+            <a:spLocks noGrp="1"/>
+          </p:cNvSpPr>
+          <p:nvPr>
+            <p:ph type="dt" sz="half" idx="10"/>
+          </p:nvPr>
+        </p:nvSpPr>
+        <p:spPr>
+          <a:xfrm>
+            <a:off x="7814452" y="378883"/>
+            <a:ext cx="2910840" cy="365125"/>
+          </a:xfrm>
+        </p:spPr>
+        <p:txBody>
+          <a:bodyPr/>
+          <a:lstStyle>
+            <a:lvl1pPr algn="r">
+              <a:defRPr/>
+            </a:lvl1pPr>
+          </a:lstStyle>
+          <a:p>
+            <a:fld id="{70C62A42-C283-41B3-99EF-D3E8EE93DF1C}" type="datetimeFigureOut">
+              <a:rPr lang="en-US" smtClean="0"/>
+              <a:t>5/17/2022</a:t>
+            </a:fld>
+            <a:endParaRPr lang="en-US"/>
+          </a:p>
+        </p:txBody>
+      </p:sp>
+      <p:sp>
+        <p:nvSpPr>
+          <p:cNvPr id="6" name="Footer Placeholder 5"/>
+          <p:cNvSpPr>
+            <a:spLocks noGrp="1"/>
+          </p:cNvSpPr>
+          <p:nvPr>
+            <p:ph type="ftr" sz="quarter" idx="11"/>
+          </p:nvPr>
+        </p:nvSpPr>
+        <p:spPr>
+          <a:xfrm>
+            <a:off x="685800" y="378883"/>
+            <a:ext cx="6991492" cy="365125"/>
+          </a:xfrm>
+        </p:spPr>
+        <p:txBody>
+          <a:bodyPr/>
+          <a:lstStyle/>
+          <a:p>
+            <a:endParaRPr lang="en-US"/>
+          </a:p>
+        </p:txBody>
+      </p:sp>
+      <p:sp>
+        <p:nvSpPr>
+          <p:cNvPr id="7" name="Slide Number Placeholder 6"/>
+          <p:cNvSpPr>
+            <a:spLocks noGrp="1"/>
+          </p:cNvSpPr>
+          <p:nvPr>
+            <p:ph type="sldNum" sz="quarter" idx="12"/>
+          </p:nvPr>
+        </p:nvSpPr>
+        <p:spPr>
+          <a:xfrm>
+            <a:off x="10862452" y="381000"/>
+            <a:ext cx="643748" cy="365125"/>
+          </a:xfrm>
+        </p:spPr>
+        <p:txBody>
+          <a:bodyPr/>
+          <a:lstStyle/>
+          <a:p>
+            <a:fld id="{BDB54E02-59CD-43DC-A1FD-C38A30E1E6A0}" type="slidenum">
+              <a:rPr lang="en-US" smtClean="0"/>
+              <a:t>‹#›</a:t>
+            </a:fld>
+            <a:endParaRPr lang="en-US"/>
+          </a:p>
+        </p:txBody>
+      </p:sp>
+    </p:spTree>
+    <p:extLst>
+      <p:ext uri="{BB962C8B-B14F-4D97-AF65-F5344CB8AC3E}">
+        <p14:creationId xmlns:p14="http://schemas.microsoft.com/office/powerpoint/2010/main" val="246799567"/>
+      </p:ext>
+    </p:extLst>
+  </p:cSld>
+  <p:clrMapOvr>
+    <a:masterClrMapping/>
+  </p:clrMapOvr>
+</p:sldLayout>
+</file>
+
+<file path=ppt/slideLayouts/slideLayout14.xml><?xml version="1.0" encoding="utf-8"?>
+<p:sldLayout xmlns:a="http://schemas.openxmlformats.org/drawingml/2006/main" xmlns:r="http://schemas.openxmlformats.org/officeDocument/2006/relationships" xmlns:p="http://schemas.openxmlformats.org/presentationml/2006/main" preserve="1">
+  <p:cSld name="3 Column">
+    <p:spTree>
+      <p:nvGrpSpPr>
+        <p:cNvPr id="1" name=""/>
+        <p:cNvGrpSpPr/>
+        <p:nvPr/>
+      </p:nvGrpSpPr>
+      <p:grpSpPr>
+        <a:xfrm>
+          <a:off x="0" y="0"/>
+          <a:ext cx="0" cy="0"/>
+          <a:chOff x="0" y="0"/>
+          <a:chExt cx="0" cy="0"/>
+        </a:xfrm>
+      </p:grpSpPr>
+      <p:sp>
+        <p:nvSpPr>
+          <p:cNvPr id="15" name="Title 1"/>
+          <p:cNvSpPr>
+            <a:spLocks noGrp="1"/>
+          </p:cNvSpPr>
+          <p:nvPr>
+            <p:ph type="title"/>
+          </p:nvPr>
+        </p:nvSpPr>
+        <p:spPr>
+          <a:xfrm>
+            <a:off x="2895600" y="761999"/>
+            <a:ext cx="8610599" cy="1303867"/>
+          </a:xfrm>
+        </p:spPr>
+        <p:txBody>
+          <a:bodyPr/>
+          <a:lstStyle/>
+          <a:p>
+            <a:r>
+              <a:rPr lang="en-US"/>
+              <a:t>Click to edit Master title style</a:t>
+            </a:r>
+            <a:endParaRPr lang="en-US" dirty="0"/>
+          </a:p>
+        </p:txBody>
+      </p:sp>
+      <p:sp>
+        <p:nvSpPr>
+          <p:cNvPr id="7" name="Text Placeholder 2"/>
+          <p:cNvSpPr>
+            <a:spLocks noGrp="1"/>
+          </p:cNvSpPr>
+          <p:nvPr>
+            <p:ph type="body" idx="1"/>
+          </p:nvPr>
+        </p:nvSpPr>
+        <p:spPr>
+          <a:xfrm>
+            <a:off x="685800" y="2202080"/>
+            <a:ext cx="3456432" cy="617320"/>
+          </a:xfrm>
+        </p:spPr>
+        <p:txBody>
+          <a:bodyPr anchor="b">
+            <a:noAutofit/>
+          </a:bodyPr>
+          <a:lstStyle>
+            <a:lvl1pPr marL="0" indent="0">
+              <a:buNone/>
+              <a:defRPr sz="2400" b="0">
+                <a:solidFill>
+                  <a:schemeClr val="tx1"/>
+                </a:solidFill>
+              </a:defRPr>
+            </a:lvl1pPr>
+            <a:lvl2pPr marL="457200" indent="0">
+              <a:buNone/>
+              <a:defRPr sz="2000" b="1"/>
+            </a:lvl2pPr>
+            <a:lvl3pPr marL="914400" indent="0">
+              <a:buNone/>
+              <a:defRPr sz="1800" b="1"/>
+            </a:lvl3pPr>
+            <a:lvl4pPr marL="1371600" indent="0">
+              <a:buNone/>
+              <a:defRPr sz="1600" b="1"/>
+            </a:lvl4pPr>
+            <a:lvl5pPr marL="1828800" indent="0">
+              <a:buNone/>
+              <a:defRPr sz="1600" b="1"/>
+            </a:lvl5pPr>
+            <a:lvl6pPr marL="2286000" indent="0">
+              <a:buNone/>
+              <a:defRPr sz="1600" b="1"/>
+            </a:lvl6pPr>
+            <a:lvl7pPr marL="2743200" indent="0">
+              <a:buNone/>
+              <a:defRPr sz="1600" b="1"/>
+            </a:lvl7pPr>
+            <a:lvl8pPr marL="3200400" indent="0">
+              <a:buNone/>
+              <a:defRPr sz="1600" b="1"/>
+            </a:lvl8pPr>
+            <a:lvl9pPr marL="3657600" indent="0">
+              <a:buNone/>
+              <a:defRPr sz="1600" b="1"/>
+            </a:lvl9pPr>
+          </a:lstStyle>
+          <a:p>
+            <a:pPr lvl="0"/>
+            <a:r>
+              <a:rPr lang="en-US"/>
+              <a:t>Click to edit Master text styles</a:t>
+            </a:r>
+          </a:p>
+        </p:txBody>
+      </p:sp>
+      <p:sp>
+        <p:nvSpPr>
+          <p:cNvPr id="8" name="Text Placeholder 3"/>
+          <p:cNvSpPr>
+            <a:spLocks noGrp="1"/>
+          </p:cNvSpPr>
+          <p:nvPr>
+            <p:ph type="body" sz="half" idx="15"/>
+          </p:nvPr>
+        </p:nvSpPr>
+        <p:spPr>
+          <a:xfrm>
+            <a:off x="685799" y="2904565"/>
+            <a:ext cx="3456432" cy="3314132"/>
+          </a:xfrm>
+        </p:spPr>
+        <p:txBody>
+          <a:bodyPr anchor="t">
+            <a:normAutofit/>
+          </a:bodyPr>
+          <a:lstStyle>
+            <a:lvl1pPr marL="0" indent="0">
+              <a:buNone/>
+              <a:defRPr sz="1400"/>
+            </a:lvl1pPr>
+            <a:lvl2pPr marL="457200" indent="0">
+              <a:buNone/>
+              <a:defRPr sz="1200"/>
+            </a:lvl2pPr>
+            <a:lvl3pPr marL="914400" indent="0">
+              <a:buNone/>
+              <a:defRPr sz="1000"/>
+            </a:lvl3pPr>
+            <a:lvl4pPr marL="1371600" indent="0">
+              <a:buNone/>
+              <a:defRPr sz="900"/>
+            </a:lvl4pPr>
+            <a:lvl5pPr marL="1828800" indent="0">
+              <a:buNone/>
+              <a:defRPr sz="900"/>
+            </a:lvl5pPr>
+            <a:lvl6pPr marL="2286000" indent="0">
+              <a:buNone/>
+              <a:defRPr sz="900"/>
+            </a:lvl6pPr>
+            <a:lvl7pPr marL="2743200" indent="0">
+              <a:buNone/>
+              <a:defRPr sz="900"/>
+            </a:lvl7pPr>
+            <a:lvl8pPr marL="3200400" indent="0">
+              <a:buNone/>
+              <a:defRPr sz="900"/>
+            </a:lvl8pPr>
+            <a:lvl9pPr marL="3657600" indent="0">
+              <a:buNone/>
+              <a:defRPr sz="900"/>
+            </a:lvl9pPr>
+          </a:lstStyle>
+          <a:p>
+            <a:pPr lvl="0"/>
+            <a:r>
+              <a:rPr lang="en-US"/>
+              <a:t>Click to edit Master text styles</a:t>
+            </a:r>
+          </a:p>
+        </p:txBody>
+      </p:sp>
+      <p:sp>
+        <p:nvSpPr>
+          <p:cNvPr id="9" name="Text Placeholder 4"/>
+          <p:cNvSpPr>
+            <a:spLocks noGrp="1"/>
+          </p:cNvSpPr>
+          <p:nvPr>
+            <p:ph type="body" sz="quarter" idx="3"/>
+          </p:nvPr>
+        </p:nvSpPr>
+        <p:spPr>
+          <a:xfrm>
+            <a:off x="4368800" y="2201333"/>
+            <a:ext cx="3456432" cy="626534"/>
+          </a:xfrm>
+        </p:spPr>
+        <p:txBody>
+          <a:bodyPr anchor="b">
+            <a:noAutofit/>
+          </a:bodyPr>
+          <a:lstStyle>
+            <a:lvl1pPr marL="0" indent="0">
+              <a:buNone/>
+              <a:defRPr sz="2400" b="0">
+                <a:solidFill>
+                  <a:schemeClr val="tx1"/>
+                </a:solidFill>
+              </a:defRPr>
+            </a:lvl1pPr>
+            <a:lvl2pPr marL="457200" indent="0">
+              <a:buNone/>
+              <a:defRPr sz="2000" b="1"/>
+            </a:lvl2pPr>
+            <a:lvl3pPr marL="914400" indent="0">
+              <a:buNone/>
+              <a:defRPr sz="1800" b="1"/>
+            </a:lvl3pPr>
+            <a:lvl4pPr marL="1371600" indent="0">
+              <a:buNone/>
+              <a:defRPr sz="1600" b="1"/>
+            </a:lvl4pPr>
+            <a:lvl5pPr marL="1828800" indent="0">
+              <a:buNone/>
+              <a:defRPr sz="1600" b="1"/>
+            </a:lvl5pPr>
+            <a:lvl6pPr marL="2286000" indent="0">
+              <a:buNone/>
+              <a:defRPr sz="1600" b="1"/>
+            </a:lvl6pPr>
+            <a:lvl7pPr marL="2743200" indent="0">
+              <a:buNone/>
+              <a:defRPr sz="1600" b="1"/>
+            </a:lvl7pPr>
+            <a:lvl8pPr marL="3200400" indent="0">
+              <a:buNone/>
+              <a:defRPr sz="1600" b="1"/>
+            </a:lvl8pPr>
+            <a:lvl9pPr marL="3657600" indent="0">
+              <a:buNone/>
+              <a:defRPr sz="1600" b="1"/>
+            </a:lvl9pPr>
+          </a:lstStyle>
+          <a:p>
+            <a:pPr lvl="0"/>
+            <a:r>
+              <a:rPr lang="en-US"/>
+              <a:t>Click to edit Master text styles</a:t>
+            </a:r>
+          </a:p>
+        </p:txBody>
+      </p:sp>
+      <p:sp>
+        <p:nvSpPr>
+          <p:cNvPr id="10" name="Text Placeholder 3"/>
+          <p:cNvSpPr>
+            <a:spLocks noGrp="1"/>
+          </p:cNvSpPr>
+          <p:nvPr>
+            <p:ph type="body" sz="half" idx="16"/>
+          </p:nvPr>
+        </p:nvSpPr>
+        <p:spPr>
+          <a:xfrm>
+            <a:off x="4366858" y="2904067"/>
+            <a:ext cx="3456432" cy="3314618"/>
+          </a:xfrm>
+        </p:spPr>
+        <p:txBody>
+          <a:bodyPr anchor="t">
+            <a:normAutofit/>
+          </a:bodyPr>
+          <a:lstStyle>
+            <a:lvl1pPr marL="0" indent="0">
+              <a:buNone/>
+              <a:defRPr sz="1400"/>
+            </a:lvl1pPr>
+            <a:lvl2pPr marL="457200" indent="0">
+              <a:buNone/>
+              <a:defRPr sz="1200"/>
+            </a:lvl2pPr>
+            <a:lvl3pPr marL="914400" indent="0">
+              <a:buNone/>
+              <a:defRPr sz="1000"/>
+            </a:lvl3pPr>
+            <a:lvl4pPr marL="1371600" indent="0">
+              <a:buNone/>
+              <a:defRPr sz="900"/>
+            </a:lvl4pPr>
+            <a:lvl5pPr marL="1828800" indent="0">
+              <a:buNone/>
+              <a:defRPr sz="900"/>
+            </a:lvl5pPr>
+            <a:lvl6pPr marL="2286000" indent="0">
+              <a:buNone/>
+              <a:defRPr sz="900"/>
+            </a:lvl6pPr>
+            <a:lvl7pPr marL="2743200" indent="0">
+              <a:buNone/>
+              <a:defRPr sz="900"/>
+            </a:lvl7pPr>
+            <a:lvl8pPr marL="3200400" indent="0">
+              <a:buNone/>
+              <a:defRPr sz="900"/>
+            </a:lvl8pPr>
+            <a:lvl9pPr marL="3657600" indent="0">
+              <a:buNone/>
+              <a:defRPr sz="900"/>
+            </a:lvl9pPr>
+          </a:lstStyle>
+          <a:p>
+            <a:pPr lvl="0"/>
+            <a:r>
+              <a:rPr lang="en-US"/>
+              <a:t>Click to edit Master text styles</a:t>
+            </a:r>
+          </a:p>
+        </p:txBody>
+      </p:sp>
+      <p:sp>
+        <p:nvSpPr>
+          <p:cNvPr id="11" name="Text Placeholder 4"/>
+          <p:cNvSpPr>
+            <a:spLocks noGrp="1"/>
+          </p:cNvSpPr>
+          <p:nvPr>
+            <p:ph type="body" sz="quarter" idx="13"/>
+          </p:nvPr>
+        </p:nvSpPr>
+        <p:spPr>
+          <a:xfrm>
+            <a:off x="8051800" y="2192866"/>
+            <a:ext cx="3456432" cy="626534"/>
+          </a:xfrm>
+        </p:spPr>
+        <p:txBody>
+          <a:bodyPr anchor="b">
+            <a:noAutofit/>
+          </a:bodyPr>
+          <a:lstStyle>
+            <a:lvl1pPr marL="0" indent="0">
+              <a:buNone/>
+              <a:defRPr sz="2400" b="0">
+                <a:solidFill>
+                  <a:schemeClr val="tx1"/>
+                </a:solidFill>
+              </a:defRPr>
+            </a:lvl1pPr>
+            <a:lvl2pPr marL="457200" indent="0">
+              <a:buNone/>
+              <a:defRPr sz="2000" b="1"/>
+            </a:lvl2pPr>
+            <a:lvl3pPr marL="914400" indent="0">
+              <a:buNone/>
+              <a:defRPr sz="1800" b="1"/>
+            </a:lvl3pPr>
+            <a:lvl4pPr marL="1371600" indent="0">
+              <a:buNone/>
+              <a:defRPr sz="1600" b="1"/>
+            </a:lvl4pPr>
+            <a:lvl5pPr marL="1828800" indent="0">
+              <a:buNone/>
+              <a:defRPr sz="1600" b="1"/>
+            </a:lvl5pPr>
+            <a:lvl6pPr marL="2286000" indent="0">
+              <a:buNone/>
+              <a:defRPr sz="1600" b="1"/>
+            </a:lvl6pPr>
+            <a:lvl7pPr marL="2743200" indent="0">
+              <a:buNone/>
+              <a:defRPr sz="1600" b="1"/>
+            </a:lvl7pPr>
+            <a:lvl8pPr marL="3200400" indent="0">
+              <a:buNone/>
+              <a:defRPr sz="1600" b="1"/>
+            </a:lvl8pPr>
+            <a:lvl9pPr marL="3657600" indent="0">
+              <a:buNone/>
+              <a:defRPr sz="1600" b="1"/>
+            </a:lvl9pPr>
+          </a:lstStyle>
+          <a:p>
+            <a:pPr lvl="0"/>
+            <a:r>
+              <a:rPr lang="en-US"/>
+              <a:t>Click to edit Master text styles</a:t>
+            </a:r>
+          </a:p>
+        </p:txBody>
+      </p:sp>
+      <p:sp>
+        <p:nvSpPr>
+          <p:cNvPr id="12" name="Text Placeholder 3"/>
+          <p:cNvSpPr>
+            <a:spLocks noGrp="1"/>
+          </p:cNvSpPr>
+          <p:nvPr>
+            <p:ph type="body" sz="half" idx="17"/>
+          </p:nvPr>
+        </p:nvSpPr>
+        <p:spPr>
+          <a:xfrm>
+            <a:off x="8051801" y="2904565"/>
+            <a:ext cx="3456432" cy="3314132"/>
+          </a:xfrm>
+        </p:spPr>
+        <p:txBody>
+          <a:bodyPr anchor="t">
+            <a:normAutofit/>
+          </a:bodyPr>
+          <a:lstStyle>
+            <a:lvl1pPr marL="0" indent="0">
+              <a:buNone/>
+              <a:defRPr sz="1400"/>
+            </a:lvl1pPr>
+            <a:lvl2pPr marL="457200" indent="0">
+              <a:buNone/>
+              <a:defRPr sz="1200"/>
+            </a:lvl2pPr>
+            <a:lvl3pPr marL="914400" indent="0">
+              <a:buNone/>
+              <a:defRPr sz="1000"/>
+            </a:lvl3pPr>
+            <a:lvl4pPr marL="1371600" indent="0">
+              <a:buNone/>
+              <a:defRPr sz="900"/>
+            </a:lvl4pPr>
+            <a:lvl5pPr marL="1828800" indent="0">
+              <a:buNone/>
+              <a:defRPr sz="900"/>
+            </a:lvl5pPr>
+            <a:lvl6pPr marL="2286000" indent="0">
+              <a:buNone/>
+              <a:defRPr sz="900"/>
+            </a:lvl6pPr>
+            <a:lvl7pPr marL="2743200" indent="0">
+              <a:buNone/>
+              <a:defRPr sz="900"/>
+            </a:lvl7pPr>
+            <a:lvl8pPr marL="3200400" indent="0">
+              <a:buNone/>
+              <a:defRPr sz="900"/>
+            </a:lvl8pPr>
+            <a:lvl9pPr marL="3657600" indent="0">
+              <a:buNone/>
+              <a:defRPr sz="900"/>
+            </a:lvl9pPr>
+          </a:lstStyle>
+          <a:p>
+            <a:pPr lvl="0"/>
+            <a:r>
+              <a:rPr lang="en-US"/>
+              <a:t>Click to edit Master text styles</a:t>
+            </a:r>
+          </a:p>
+        </p:txBody>
+      </p:sp>
+      <p:sp>
+        <p:nvSpPr>
+          <p:cNvPr id="3" name="Date Placeholder 2"/>
+          <p:cNvSpPr>
+            <a:spLocks noGrp="1"/>
+          </p:cNvSpPr>
+          <p:nvPr>
+            <p:ph type="dt" sz="half" idx="10"/>
+          </p:nvPr>
+        </p:nvSpPr>
+        <p:spPr/>
+        <p:txBody>
+          <a:bodyPr/>
+          <a:lstStyle/>
+          <a:p>
+            <a:fld id="{70C62A42-C283-41B3-99EF-D3E8EE93DF1C}" type="datetimeFigureOut">
+              <a:rPr lang="en-US" smtClean="0"/>
+              <a:t>5/17/2022</a:t>
+            </a:fld>
+            <a:endParaRPr lang="en-US"/>
+          </a:p>
+        </p:txBody>
+      </p:sp>
+      <p:sp>
+        <p:nvSpPr>
+          <p:cNvPr id="4" name="Footer Placeholder 3"/>
+          <p:cNvSpPr>
+            <a:spLocks noGrp="1"/>
+          </p:cNvSpPr>
+          <p:nvPr>
+            <p:ph type="ftr" sz="quarter" idx="11"/>
+          </p:nvPr>
+        </p:nvSpPr>
+        <p:spPr/>
+        <p:txBody>
+          <a:bodyPr/>
+          <a:lstStyle/>
+          <a:p>
+            <a:endParaRPr lang="en-US"/>
+          </a:p>
+        </p:txBody>
+      </p:sp>
+      <p:sp>
+        <p:nvSpPr>
+          <p:cNvPr id="5" name="Slide Number Placeholder 4"/>
+          <p:cNvSpPr>
+            <a:spLocks noGrp="1"/>
+          </p:cNvSpPr>
+          <p:nvPr>
+            <p:ph type="sldNum" sz="quarter" idx="12"/>
+          </p:nvPr>
+        </p:nvSpPr>
+        <p:spPr/>
+        <p:txBody>
+          <a:bodyPr/>
+          <a:lstStyle/>
+          <a:p>
+            <a:fld id="{BDB54E02-59CD-43DC-A1FD-C38A30E1E6A0}" type="slidenum">
+              <a:rPr lang="en-US" smtClean="0"/>
+              <a:t>‹#›</a:t>
+            </a:fld>
+            <a:endParaRPr lang="en-US"/>
+          </a:p>
+        </p:txBody>
+      </p:sp>
+    </p:spTree>
+    <p:extLst>
+      <p:ext uri="{BB962C8B-B14F-4D97-AF65-F5344CB8AC3E}">
+        <p14:creationId xmlns:p14="http://schemas.microsoft.com/office/powerpoint/2010/main" val="3038455461"/>
+      </p:ext>
+    </p:extLst>
+  </p:cSld>
+  <p:clrMapOvr>
+    <a:masterClrMapping/>
+  </p:clrMapOvr>
+</p:sldLayout>
+</file>
+
+<file path=ppt/slideLayouts/slideLayout15.xml><?xml version="1.0" encoding="utf-8"?>
+<p:sldLayout xmlns:a="http://schemas.openxmlformats.org/drawingml/2006/main" xmlns:r="http://schemas.openxmlformats.org/officeDocument/2006/relationships" xmlns:p="http://schemas.openxmlformats.org/presentationml/2006/main" preserve="1">
+  <p:cSld name="3 Picture Column">
+    <p:spTree>
+      <p:nvGrpSpPr>
+        <p:cNvPr id="1" name=""/>
+        <p:cNvGrpSpPr/>
+        <p:nvPr/>
+      </p:nvGrpSpPr>
+      <p:grpSpPr>
+        <a:xfrm>
+          <a:off x="0" y="0"/>
+          <a:ext cx="0" cy="0"/>
+          <a:chOff x="0" y="0"/>
+          <a:chExt cx="0" cy="0"/>
+        </a:xfrm>
+      </p:grpSpPr>
+      <p:sp>
+        <p:nvSpPr>
+          <p:cNvPr id="30" name="Title 1"/>
+          <p:cNvSpPr>
+            <a:spLocks noGrp="1"/>
+          </p:cNvSpPr>
+          <p:nvPr>
+            <p:ph type="title"/>
+          </p:nvPr>
+        </p:nvSpPr>
+        <p:spPr>
+          <a:xfrm>
+            <a:off x="2895600" y="762000"/>
+            <a:ext cx="8610599" cy="1295400"/>
+          </a:xfrm>
+        </p:spPr>
+        <p:txBody>
+          <a:bodyPr/>
+          <a:lstStyle/>
+          <a:p>
+            <a:r>
+              <a:rPr lang="en-US"/>
+              <a:t>Click to edit Master title style</a:t>
+            </a:r>
+            <a:endParaRPr lang="en-US" dirty="0"/>
+          </a:p>
+        </p:txBody>
+      </p:sp>
+      <p:sp>
+        <p:nvSpPr>
+          <p:cNvPr id="19" name="Text Placeholder 2"/>
+          <p:cNvSpPr>
+            <a:spLocks noGrp="1"/>
+          </p:cNvSpPr>
+          <p:nvPr>
+            <p:ph type="body" idx="1"/>
+          </p:nvPr>
+        </p:nvSpPr>
+        <p:spPr>
+          <a:xfrm>
+            <a:off x="688618" y="4191000"/>
+            <a:ext cx="3451582" cy="682765"/>
+          </a:xfrm>
+        </p:spPr>
+        <p:txBody>
+          <a:bodyPr anchor="b">
+            <a:noAutofit/>
+          </a:bodyPr>
+          <a:lstStyle>
+            <a:lvl1pPr marL="0" indent="0">
+              <a:buNone/>
+              <a:defRPr sz="2400" b="0">
+                <a:solidFill>
+                  <a:schemeClr val="tx1"/>
+                </a:solidFill>
+              </a:defRPr>
+            </a:lvl1pPr>
+            <a:lvl2pPr marL="457200" indent="0">
+              <a:buNone/>
+              <a:defRPr sz="2000" b="1"/>
+            </a:lvl2pPr>
+            <a:lvl3pPr marL="914400" indent="0">
+              <a:buNone/>
+              <a:defRPr sz="1800" b="1"/>
+            </a:lvl3pPr>
+            <a:lvl4pPr marL="1371600" indent="0">
+              <a:buNone/>
+              <a:defRPr sz="1600" b="1"/>
+            </a:lvl4pPr>
+            <a:lvl5pPr marL="1828800" indent="0">
+              <a:buNone/>
+              <a:defRPr sz="1600" b="1"/>
+            </a:lvl5pPr>
+            <a:lvl6pPr marL="2286000" indent="0">
+              <a:buNone/>
+              <a:defRPr sz="1600" b="1"/>
+            </a:lvl6pPr>
+            <a:lvl7pPr marL="2743200" indent="0">
+              <a:buNone/>
+              <a:defRPr sz="1600" b="1"/>
+            </a:lvl7pPr>
+            <a:lvl8pPr marL="3200400" indent="0">
+              <a:buNone/>
+              <a:defRPr sz="1600" b="1"/>
+            </a:lvl8pPr>
+            <a:lvl9pPr marL="3657600" indent="0">
+              <a:buNone/>
+              <a:defRPr sz="1600" b="1"/>
+            </a:lvl9pPr>
+          </a:lstStyle>
+          <a:p>
+            <a:pPr lvl="0"/>
+            <a:r>
+              <a:rPr lang="en-US"/>
+              <a:t>Click to edit Master text styles</a:t>
+            </a:r>
+          </a:p>
+        </p:txBody>
+      </p:sp>
+      <p:sp>
+        <p:nvSpPr>
+          <p:cNvPr id="20" name="Picture Placeholder 2"/>
+          <p:cNvSpPr>
+            <a:spLocks noGrp="1" noChangeAspect="1"/>
+          </p:cNvSpPr>
+          <p:nvPr>
+            <p:ph type="pic" idx="15"/>
+          </p:nvPr>
+        </p:nvSpPr>
+        <p:spPr>
+          <a:xfrm>
+            <a:off x="688618" y="2362200"/>
+            <a:ext cx="3451582" cy="1524000"/>
+          </a:xfrm>
+          <a:prstGeom prst="roundRect">
+            <a:avLst>
+              <a:gd name="adj" fmla="val 0"/>
+            </a:avLst>
+          </a:prstGeom>
+          <a:effectLst>
+            <a:outerShdw blurRad="50800" dist="50800" dir="5400000" algn="tl" rotWithShape="0">
+              <a:srgbClr val="000000">
+                <a:alpha val="43000"/>
+              </a:srgbClr>
+            </a:outerShdw>
+          </a:effectLst>
+        </p:spPr>
+        <p:txBody>
+          <a:bodyPr anchor="t">
+            <a:normAutofit/>
+          </a:bodyPr>
+          <a:lstStyle>
+            <a:lvl1pPr marL="0" indent="0" algn="ctr">
+              <a:buNone/>
+              <a:defRPr sz="1600"/>
+            </a:lvl1pPr>
+            <a:lvl2pPr marL="457200" indent="0">
+              <a:buNone/>
+              <a:defRPr sz="1600"/>
+            </a:lvl2pPr>
+            <a:lvl3pPr marL="914400" indent="0">
+              <a:buNone/>
+              <a:defRPr sz="1600"/>
+            </a:lvl3pPr>
+            <a:lvl4pPr marL="1371600" indent="0">
+              <a:buNone/>
+              <a:defRPr sz="1600"/>
+            </a:lvl4pPr>
+            <a:lvl5pPr marL="1828800" indent="0">
+              <a:buNone/>
+              <a:defRPr sz="1600"/>
+            </a:lvl5pPr>
+            <a:lvl6pPr marL="2286000" indent="0">
+              <a:buNone/>
+              <a:defRPr sz="1600"/>
+            </a:lvl6pPr>
+            <a:lvl7pPr marL="2743200" indent="0">
+              <a:buNone/>
+              <a:defRPr sz="1600"/>
+            </a:lvl7pPr>
+            <a:lvl8pPr marL="3200400" indent="0">
+              <a:buNone/>
+              <a:defRPr sz="1600"/>
+            </a:lvl8pPr>
+            <a:lvl9pPr marL="3657600" indent="0">
+              <a:buNone/>
+              <a:defRPr sz="1600"/>
+            </a:lvl9pPr>
+          </a:lstStyle>
+          <a:p>
+            <a:r>
+              <a:rPr lang="en-US"/>
+              <a:t>Click icon to add picture</a:t>
+            </a:r>
+            <a:endParaRPr lang="en-US" dirty="0"/>
+          </a:p>
+        </p:txBody>
+      </p:sp>
+      <p:sp>
+        <p:nvSpPr>
+          <p:cNvPr id="21" name="Text Placeholder 3"/>
+          <p:cNvSpPr>
+            <a:spLocks noGrp="1"/>
+          </p:cNvSpPr>
+          <p:nvPr>
+            <p:ph type="body" sz="half" idx="18"/>
+          </p:nvPr>
+        </p:nvSpPr>
+        <p:spPr>
+          <a:xfrm>
+            <a:off x="688618" y="4873764"/>
+            <a:ext cx="3451582" cy="1344921"/>
+          </a:xfrm>
+        </p:spPr>
+        <p:txBody>
+          <a:bodyPr anchor="t">
+            <a:normAutofit/>
+          </a:bodyPr>
+          <a:lstStyle>
+            <a:lvl1pPr marL="0" indent="0">
+              <a:buNone/>
+              <a:defRPr sz="1400"/>
+            </a:lvl1pPr>
+            <a:lvl2pPr marL="457200" indent="0">
+              <a:buNone/>
+              <a:defRPr sz="1200"/>
+            </a:lvl2pPr>
+            <a:lvl3pPr marL="914400" indent="0">
+              <a:buNone/>
+              <a:defRPr sz="1000"/>
+            </a:lvl3pPr>
+            <a:lvl4pPr marL="1371600" indent="0">
+              <a:buNone/>
+              <a:defRPr sz="900"/>
+            </a:lvl4pPr>
+            <a:lvl5pPr marL="1828800" indent="0">
+              <a:buNone/>
+              <a:defRPr sz="900"/>
+            </a:lvl5pPr>
+            <a:lvl6pPr marL="2286000" indent="0">
+              <a:buNone/>
+              <a:defRPr sz="900"/>
+            </a:lvl6pPr>
+            <a:lvl7pPr marL="2743200" indent="0">
+              <a:buNone/>
+              <a:defRPr sz="900"/>
+            </a:lvl7pPr>
+            <a:lvl8pPr marL="3200400" indent="0">
+              <a:buNone/>
+              <a:defRPr sz="900"/>
+            </a:lvl8pPr>
+            <a:lvl9pPr marL="3657600" indent="0">
+              <a:buNone/>
+              <a:defRPr sz="900"/>
+            </a:lvl9pPr>
+          </a:lstStyle>
+          <a:p>
+            <a:pPr lvl="0"/>
+            <a:r>
+              <a:rPr lang="en-US"/>
+              <a:t>Click to edit Master text styles</a:t>
+            </a:r>
+          </a:p>
+        </p:txBody>
+      </p:sp>
+      <p:sp>
+        <p:nvSpPr>
+          <p:cNvPr id="22" name="Text Placeholder 4"/>
+          <p:cNvSpPr>
+            <a:spLocks noGrp="1"/>
+          </p:cNvSpPr>
+          <p:nvPr>
+            <p:ph type="body" sz="quarter" idx="3"/>
+          </p:nvPr>
+        </p:nvSpPr>
+        <p:spPr>
+          <a:xfrm>
+            <a:off x="4374263" y="4191000"/>
+            <a:ext cx="3448935" cy="682765"/>
+          </a:xfrm>
+        </p:spPr>
+        <p:txBody>
+          <a:bodyPr anchor="b">
+            <a:noAutofit/>
+          </a:bodyPr>
+          <a:lstStyle>
+            <a:lvl1pPr marL="0" indent="0">
+              <a:buNone/>
+              <a:defRPr sz="2400" b="0">
+                <a:solidFill>
+                  <a:schemeClr val="tx1"/>
+                </a:solidFill>
+              </a:defRPr>
+            </a:lvl1pPr>
+            <a:lvl2pPr marL="457200" indent="0">
+              <a:buNone/>
+              <a:defRPr sz="2000" b="1"/>
+            </a:lvl2pPr>
+            <a:lvl3pPr marL="914400" indent="0">
+              <a:buNone/>
+              <a:defRPr sz="1800" b="1"/>
+            </a:lvl3pPr>
+            <a:lvl4pPr marL="1371600" indent="0">
+              <a:buNone/>
+              <a:defRPr sz="1600" b="1"/>
+            </a:lvl4pPr>
+            <a:lvl5pPr marL="1828800" indent="0">
+              <a:buNone/>
+              <a:defRPr sz="1600" b="1"/>
+            </a:lvl5pPr>
+            <a:lvl6pPr marL="2286000" indent="0">
+              <a:buNone/>
+              <a:defRPr sz="1600" b="1"/>
+            </a:lvl6pPr>
+            <a:lvl7pPr marL="2743200" indent="0">
+              <a:buNone/>
+              <a:defRPr sz="1600" b="1"/>
+            </a:lvl7pPr>
+            <a:lvl8pPr marL="3200400" indent="0">
+              <a:buNone/>
+              <a:defRPr sz="1600" b="1"/>
+            </a:lvl8pPr>
+            <a:lvl9pPr marL="3657600" indent="0">
+              <a:buNone/>
+              <a:defRPr sz="1600" b="1"/>
+            </a:lvl9pPr>
+          </a:lstStyle>
+          <a:p>
+            <a:pPr lvl="0"/>
+            <a:r>
+              <a:rPr lang="en-US"/>
+              <a:t>Click to edit Master text styles</a:t>
+            </a:r>
+          </a:p>
+        </p:txBody>
+      </p:sp>
+      <p:sp>
+        <p:nvSpPr>
+          <p:cNvPr id="23" name="Picture Placeholder 2"/>
+          <p:cNvSpPr>
+            <a:spLocks noGrp="1" noChangeAspect="1"/>
+          </p:cNvSpPr>
+          <p:nvPr>
+            <p:ph type="pic" idx="21"/>
+          </p:nvPr>
+        </p:nvSpPr>
+        <p:spPr>
+          <a:xfrm>
+            <a:off x="4374263" y="2362200"/>
+            <a:ext cx="3448936" cy="1524000"/>
+          </a:xfrm>
+          <a:prstGeom prst="roundRect">
+            <a:avLst>
+              <a:gd name="adj" fmla="val 0"/>
+            </a:avLst>
+          </a:prstGeom>
+          <a:effectLst>
+            <a:outerShdw blurRad="50800" dist="50800" dir="5400000" algn="tl" rotWithShape="0">
+              <a:srgbClr val="000000">
+                <a:alpha val="43000"/>
+              </a:srgbClr>
+            </a:outerShdw>
+          </a:effectLst>
+        </p:spPr>
+        <p:txBody>
+          <a:bodyPr anchor="t">
+            <a:normAutofit/>
+          </a:bodyPr>
+          <a:lstStyle>
+            <a:lvl1pPr marL="0" indent="0" algn="ctr">
+              <a:buNone/>
+              <a:defRPr sz="1600"/>
+            </a:lvl1pPr>
+            <a:lvl2pPr marL="457200" indent="0">
+              <a:buNone/>
+              <a:defRPr sz="1600"/>
+            </a:lvl2pPr>
+            <a:lvl3pPr marL="914400" indent="0">
+              <a:buNone/>
+              <a:defRPr sz="1600"/>
+            </a:lvl3pPr>
+            <a:lvl4pPr marL="1371600" indent="0">
+              <a:buNone/>
+              <a:defRPr sz="1600"/>
+            </a:lvl4pPr>
+            <a:lvl5pPr marL="1828800" indent="0">
+              <a:buNone/>
+              <a:defRPr sz="1600"/>
+            </a:lvl5pPr>
+            <a:lvl6pPr marL="2286000" indent="0">
+              <a:buNone/>
+              <a:defRPr sz="1600"/>
+            </a:lvl6pPr>
+            <a:lvl7pPr marL="2743200" indent="0">
+              <a:buNone/>
+              <a:defRPr sz="1600"/>
+            </a:lvl7pPr>
+            <a:lvl8pPr marL="3200400" indent="0">
+              <a:buNone/>
+              <a:defRPr sz="1600"/>
+            </a:lvl8pPr>
+            <a:lvl9pPr marL="3657600" indent="0">
+              <a:buNone/>
+              <a:defRPr sz="1600"/>
+            </a:lvl9pPr>
+          </a:lstStyle>
+          <a:p>
+            <a:r>
+              <a:rPr lang="en-US"/>
+              <a:t>Click icon to add picture</a:t>
+            </a:r>
+            <a:endParaRPr lang="en-US" dirty="0"/>
+          </a:p>
+        </p:txBody>
+      </p:sp>
+      <p:sp>
+        <p:nvSpPr>
+          <p:cNvPr id="24" name="Text Placeholder 3"/>
+          <p:cNvSpPr>
+            <a:spLocks noGrp="1"/>
+          </p:cNvSpPr>
+          <p:nvPr>
+            <p:ph type="body" sz="half" idx="19"/>
+          </p:nvPr>
+        </p:nvSpPr>
+        <p:spPr>
+          <a:xfrm>
+            <a:off x="4374264" y="4873763"/>
+            <a:ext cx="3448935" cy="1344921"/>
+          </a:xfrm>
+        </p:spPr>
+        <p:txBody>
+          <a:bodyPr anchor="t">
+            <a:normAutofit/>
+          </a:bodyPr>
+          <a:lstStyle>
+            <a:lvl1pPr marL="0" indent="0">
+              <a:buNone/>
+              <a:defRPr sz="1400"/>
+            </a:lvl1pPr>
+            <a:lvl2pPr marL="457200" indent="0">
+              <a:buNone/>
+              <a:defRPr sz="1200"/>
+            </a:lvl2pPr>
+            <a:lvl3pPr marL="914400" indent="0">
+              <a:buNone/>
+              <a:defRPr sz="1000"/>
+            </a:lvl3pPr>
+            <a:lvl4pPr marL="1371600" indent="0">
+              <a:buNone/>
+              <a:defRPr sz="900"/>
+            </a:lvl4pPr>
+            <a:lvl5pPr marL="1828800" indent="0">
+              <a:buNone/>
+              <a:defRPr sz="900"/>
+            </a:lvl5pPr>
+            <a:lvl6pPr marL="2286000" indent="0">
+              <a:buNone/>
+              <a:defRPr sz="900"/>
+            </a:lvl6pPr>
+            <a:lvl7pPr marL="2743200" indent="0">
+              <a:buNone/>
+              <a:defRPr sz="900"/>
+            </a:lvl7pPr>
+            <a:lvl8pPr marL="3200400" indent="0">
+              <a:buNone/>
+              <a:defRPr sz="900"/>
+            </a:lvl8pPr>
+            <a:lvl9pPr marL="3657600" indent="0">
+              <a:buNone/>
+              <a:defRPr sz="900"/>
+            </a:lvl9pPr>
+          </a:lstStyle>
+          <a:p>
+            <a:pPr lvl="0"/>
+            <a:r>
+              <a:rPr lang="en-US"/>
+              <a:t>Click to edit Master text styles</a:t>
+            </a:r>
+          </a:p>
+        </p:txBody>
+      </p:sp>
+      <p:sp>
+        <p:nvSpPr>
+          <p:cNvPr id="25" name="Text Placeholder 4"/>
+          <p:cNvSpPr>
+            <a:spLocks noGrp="1"/>
+          </p:cNvSpPr>
+          <p:nvPr>
+            <p:ph type="body" sz="quarter" idx="13"/>
+          </p:nvPr>
+        </p:nvSpPr>
+        <p:spPr>
+          <a:xfrm>
+            <a:off x="8049731" y="4191000"/>
+            <a:ext cx="3456469" cy="682765"/>
+          </a:xfrm>
+        </p:spPr>
+        <p:txBody>
+          <a:bodyPr anchor="b">
+            <a:noAutofit/>
+          </a:bodyPr>
+          <a:lstStyle>
+            <a:lvl1pPr marL="0" indent="0">
+              <a:buNone/>
+              <a:defRPr sz="2400" b="0">
+                <a:solidFill>
+                  <a:schemeClr val="tx1"/>
+                </a:solidFill>
+              </a:defRPr>
+            </a:lvl1pPr>
+            <a:lvl2pPr marL="457200" indent="0">
+              <a:buNone/>
+              <a:defRPr sz="2000" b="1"/>
+            </a:lvl2pPr>
+            <a:lvl3pPr marL="914400" indent="0">
+              <a:buNone/>
+              <a:defRPr sz="1800" b="1"/>
+            </a:lvl3pPr>
+            <a:lvl4pPr marL="1371600" indent="0">
+              <a:buNone/>
+              <a:defRPr sz="1600" b="1"/>
+            </a:lvl4pPr>
+            <a:lvl5pPr marL="1828800" indent="0">
+              <a:buNone/>
+              <a:defRPr sz="1600" b="1"/>
+            </a:lvl5pPr>
+            <a:lvl6pPr marL="2286000" indent="0">
+              <a:buNone/>
+              <a:defRPr sz="1600" b="1"/>
+            </a:lvl6pPr>
+            <a:lvl7pPr marL="2743200" indent="0">
+              <a:buNone/>
+              <a:defRPr sz="1600" b="1"/>
+            </a:lvl7pPr>
+            <a:lvl8pPr marL="3200400" indent="0">
+              <a:buNone/>
+              <a:defRPr sz="1600" b="1"/>
+            </a:lvl8pPr>
+            <a:lvl9pPr marL="3657600" indent="0">
+              <a:buNone/>
+              <a:defRPr sz="1600" b="1"/>
+            </a:lvl9pPr>
+          </a:lstStyle>
+          <a:p>
+            <a:pPr lvl="0"/>
+            <a:r>
+              <a:rPr lang="en-US"/>
+              <a:t>Click to edit Master text styles</a:t>
+            </a:r>
+          </a:p>
+        </p:txBody>
+      </p:sp>
+      <p:sp>
+        <p:nvSpPr>
+          <p:cNvPr id="26" name="Picture Placeholder 2"/>
+          <p:cNvSpPr>
+            <a:spLocks noGrp="1" noChangeAspect="1"/>
+          </p:cNvSpPr>
+          <p:nvPr>
+            <p:ph type="pic" idx="22"/>
+          </p:nvPr>
+        </p:nvSpPr>
+        <p:spPr>
+          <a:xfrm>
+            <a:off x="8049855" y="2362200"/>
+            <a:ext cx="3447878" cy="1524000"/>
+          </a:xfrm>
+          <a:prstGeom prst="roundRect">
+            <a:avLst>
+              <a:gd name="adj" fmla="val 0"/>
+            </a:avLst>
+          </a:prstGeom>
+          <a:effectLst>
+            <a:outerShdw blurRad="50800" dist="50800" dir="5400000" algn="tl" rotWithShape="0">
+              <a:srgbClr val="000000">
+                <a:alpha val="43000"/>
+              </a:srgbClr>
+            </a:outerShdw>
+          </a:effectLst>
+        </p:spPr>
+        <p:txBody>
+          <a:bodyPr anchor="t">
+            <a:normAutofit/>
+          </a:bodyPr>
+          <a:lstStyle>
+            <a:lvl1pPr marL="0" indent="0" algn="ctr">
+              <a:buNone/>
+              <a:defRPr sz="1600"/>
+            </a:lvl1pPr>
+            <a:lvl2pPr marL="457200" indent="0">
+              <a:buNone/>
+              <a:defRPr sz="1600"/>
+            </a:lvl2pPr>
+            <a:lvl3pPr marL="914400" indent="0">
+              <a:buNone/>
+              <a:defRPr sz="1600"/>
+            </a:lvl3pPr>
+            <a:lvl4pPr marL="1371600" indent="0">
+              <a:buNone/>
+              <a:defRPr sz="1600"/>
+            </a:lvl4pPr>
+            <a:lvl5pPr marL="1828800" indent="0">
+              <a:buNone/>
+              <a:defRPr sz="1600"/>
+            </a:lvl5pPr>
+            <a:lvl6pPr marL="2286000" indent="0">
+              <a:buNone/>
+              <a:defRPr sz="1600"/>
+            </a:lvl6pPr>
+            <a:lvl7pPr marL="2743200" indent="0">
+              <a:buNone/>
+              <a:defRPr sz="1600"/>
+            </a:lvl7pPr>
+            <a:lvl8pPr marL="3200400" indent="0">
+              <a:buNone/>
+              <a:defRPr sz="1600"/>
+            </a:lvl8pPr>
+            <a:lvl9pPr marL="3657600" indent="0">
+              <a:buNone/>
+              <a:defRPr sz="1600"/>
+            </a:lvl9pPr>
+          </a:lstStyle>
+          <a:p>
+            <a:r>
+              <a:rPr lang="en-US"/>
+              <a:t>Click icon to add picture</a:t>
+            </a:r>
+            <a:endParaRPr lang="en-US" dirty="0"/>
+          </a:p>
+        </p:txBody>
+      </p:sp>
+      <p:sp>
+        <p:nvSpPr>
+          <p:cNvPr id="27" name="Text Placeholder 3"/>
+          <p:cNvSpPr>
+            <a:spLocks noGrp="1"/>
+          </p:cNvSpPr>
+          <p:nvPr>
+            <p:ph type="body" sz="half" idx="20"/>
+          </p:nvPr>
+        </p:nvSpPr>
+        <p:spPr>
+          <a:xfrm>
+            <a:off x="8049731" y="4873761"/>
+            <a:ext cx="3452445" cy="1344921"/>
+          </a:xfrm>
+        </p:spPr>
+        <p:txBody>
+          <a:bodyPr anchor="t">
+            <a:normAutofit/>
+          </a:bodyPr>
+          <a:lstStyle>
+            <a:lvl1pPr marL="0" indent="0">
+              <a:buNone/>
+              <a:defRPr sz="1400"/>
+            </a:lvl1pPr>
+            <a:lvl2pPr marL="457200" indent="0">
+              <a:buNone/>
+              <a:defRPr sz="1200"/>
+            </a:lvl2pPr>
+            <a:lvl3pPr marL="914400" indent="0">
+              <a:buNone/>
+              <a:defRPr sz="1000"/>
+            </a:lvl3pPr>
+            <a:lvl4pPr marL="1371600" indent="0">
+              <a:buNone/>
+              <a:defRPr sz="900"/>
+            </a:lvl4pPr>
+            <a:lvl5pPr marL="1828800" indent="0">
+              <a:buNone/>
+              <a:defRPr sz="900"/>
+            </a:lvl5pPr>
+            <a:lvl6pPr marL="2286000" indent="0">
+              <a:buNone/>
+              <a:defRPr sz="900"/>
+            </a:lvl6pPr>
+            <a:lvl7pPr marL="2743200" indent="0">
+              <a:buNone/>
+              <a:defRPr sz="900"/>
+            </a:lvl7pPr>
+            <a:lvl8pPr marL="3200400" indent="0">
+              <a:buNone/>
+              <a:defRPr sz="900"/>
+            </a:lvl8pPr>
+            <a:lvl9pPr marL="3657600" indent="0">
+              <a:buNone/>
+              <a:defRPr sz="900"/>
+            </a:lvl9pPr>
+          </a:lstStyle>
+          <a:p>
+            <a:pPr lvl="0"/>
+            <a:r>
+              <a:rPr lang="en-US"/>
+              <a:t>Click to edit Master text styles</a:t>
+            </a:r>
+          </a:p>
+        </p:txBody>
+      </p:sp>
+      <p:sp>
+        <p:nvSpPr>
+          <p:cNvPr id="3" name="Date Placeholder 2"/>
+          <p:cNvSpPr>
+            <a:spLocks noGrp="1"/>
+          </p:cNvSpPr>
+          <p:nvPr>
+            <p:ph type="dt" sz="half" idx="10"/>
+          </p:nvPr>
+        </p:nvSpPr>
+        <p:spPr/>
+        <p:txBody>
+          <a:bodyPr/>
+          <a:lstStyle/>
+          <a:p>
+            <a:fld id="{70C62A42-C283-41B3-99EF-D3E8EE93DF1C}" type="datetimeFigureOut">
+              <a:rPr lang="en-US" smtClean="0"/>
+              <a:t>5/17/2022</a:t>
+            </a:fld>
+            <a:endParaRPr lang="en-US"/>
+          </a:p>
+        </p:txBody>
+      </p:sp>
+      <p:sp>
+        <p:nvSpPr>
+          <p:cNvPr id="4" name="Footer Placeholder 3"/>
+          <p:cNvSpPr>
+            <a:spLocks noGrp="1"/>
+          </p:cNvSpPr>
+          <p:nvPr>
+            <p:ph type="ftr" sz="quarter" idx="11"/>
+          </p:nvPr>
+        </p:nvSpPr>
+        <p:spPr/>
+        <p:txBody>
+          <a:bodyPr/>
+          <a:lstStyle/>
+          <a:p>
+            <a:endParaRPr lang="en-US"/>
+          </a:p>
+        </p:txBody>
+      </p:sp>
+      <p:sp>
+        <p:nvSpPr>
+          <p:cNvPr id="5" name="Slide Number Placeholder 4"/>
+          <p:cNvSpPr>
+            <a:spLocks noGrp="1"/>
+          </p:cNvSpPr>
+          <p:nvPr>
+            <p:ph type="sldNum" sz="quarter" idx="12"/>
+          </p:nvPr>
+        </p:nvSpPr>
+        <p:spPr/>
+        <p:txBody>
+          <a:bodyPr/>
+          <a:lstStyle/>
+          <a:p>
+            <a:fld id="{BDB54E02-59CD-43DC-A1FD-C38A30E1E6A0}" type="slidenum">
+              <a:rPr lang="en-US" smtClean="0"/>
+              <a:t>‹#›</a:t>
+            </a:fld>
+            <a:endParaRPr lang="en-US"/>
+          </a:p>
+        </p:txBody>
+      </p:sp>
+    </p:spTree>
+    <p:extLst>
+      <p:ext uri="{BB962C8B-B14F-4D97-AF65-F5344CB8AC3E}">
+        <p14:creationId xmlns:p14="http://schemas.microsoft.com/office/powerpoint/2010/main" val="906293270"/>
+      </p:ext>
+    </p:extLst>
+  </p:cSld>
+  <p:clrMapOvr>
+    <a:masterClrMapping/>
+  </p:clrMapOvr>
+</p:sldLayout>
+</file>
+
+<file path=ppt/slideLayouts/slideLayout16.xml><?xml version="1.0" encoding="utf-8"?>
 <p:sldLayout xmlns:a="http://schemas.openxmlformats.org/drawingml/2006/main" xmlns:r="http://schemas.openxmlformats.org/officeDocument/2006/relationships" xmlns:p="http://schemas.openxmlformats.org/presentationml/2006/main" type="vertTx" preserve="1">
   <p:cSld name="Title and Vertical Text">
     <p:spTree>
@@ -352,13 +2971,7 @@
       </p:grpSpPr>
       <p:sp>
         <p:nvSpPr>
-          <p:cNvPr id="2" name="Title 1">
-            <a:extLst>
-              <a:ext uri="{FF2B5EF4-FFF2-40B4-BE49-F238E27FC236}">
-                <a16:creationId xmlns:a16="http://schemas.microsoft.com/office/drawing/2014/main" id="{3C804983-C93F-F230-A40C-36D46AAC8781}"/>
-              </a:ext>
-            </a:extLst>
-          </p:cNvPr>
+          <p:cNvPr id="2" name="Title 1"/>
           <p:cNvSpPr>
             <a:spLocks noGrp="1"/>
           </p:cNvSpPr>
@@ -375,18 +2988,13 @@
               <a:rPr lang="en-US"/>
               <a:t>Click to edit Master title style</a:t>
             </a:r>
-          </a:p>
-        </p:txBody>
-      </p:sp>
-      <p:sp>
-        <p:nvSpPr>
-          <p:cNvPr id="3" name="Vertical Text Placeholder 2">
-            <a:extLst>
-              <a:ext uri="{FF2B5EF4-FFF2-40B4-BE49-F238E27FC236}">
-                <a16:creationId xmlns:a16="http://schemas.microsoft.com/office/drawing/2014/main" id="{97B20CF7-A7F7-0EE8-87C3-29D0E0D6FC9D}"/>
-              </a:ext>
-            </a:extLst>
-          </p:cNvPr>
+            <a:endParaRPr lang="en-US" dirty="0"/>
+          </a:p>
+        </p:txBody>
+      </p:sp>
+      <p:sp>
+        <p:nvSpPr>
+          <p:cNvPr id="3" name="Vertical Text Placeholder 2"/>
           <p:cNvSpPr>
             <a:spLocks noGrp="1"/>
           </p:cNvSpPr>
@@ -394,7 +3002,12 @@
             <p:ph type="body" orient="vert" idx="1"/>
           </p:nvPr>
         </p:nvSpPr>
-        <p:spPr/>
+        <p:spPr>
+          <a:xfrm>
+            <a:off x="685800" y="2194559"/>
+            <a:ext cx="10820400" cy="4024125"/>
+          </a:xfrm>
+        </p:spPr>
         <p:txBody>
           <a:bodyPr vert="eaVert"/>
           <a:lstStyle/>
@@ -432,18 +3045,13 @@
               <a:rPr lang="en-US"/>
               <a:t>Fifth level</a:t>
             </a:r>
-          </a:p>
-        </p:txBody>
-      </p:sp>
-      <p:sp>
-        <p:nvSpPr>
-          <p:cNvPr id="4" name="Date Placeholder 3">
-            <a:extLst>
-              <a:ext uri="{FF2B5EF4-FFF2-40B4-BE49-F238E27FC236}">
-                <a16:creationId xmlns:a16="http://schemas.microsoft.com/office/drawing/2014/main" id="{93BD3E40-3775-46F7-B8D0-146D6AB452D4}"/>
-              </a:ext>
-            </a:extLst>
-          </p:cNvPr>
+            <a:endParaRPr lang="en-US" dirty="0"/>
+          </a:p>
+        </p:txBody>
+      </p:sp>
+      <p:sp>
+        <p:nvSpPr>
+          <p:cNvPr id="4" name="Date Placeholder 3"/>
           <p:cNvSpPr>
             <a:spLocks noGrp="1"/>
           </p:cNvSpPr>
@@ -458,7 +3066,7 @@
           <a:p>
             <a:fld id="{70C62A42-C283-41B3-99EF-D3E8EE93DF1C}" type="datetimeFigureOut">
               <a:rPr lang="en-US" smtClean="0"/>
-              <a:t>5/13/2022</a:t>
+              <a:t>5/17/2022</a:t>
             </a:fld>
             <a:endParaRPr lang="en-US"/>
           </a:p>
@@ -466,13 +3074,7 @@
       </p:sp>
       <p:sp>
         <p:nvSpPr>
-          <p:cNvPr id="5" name="Footer Placeholder 4">
-            <a:extLst>
-              <a:ext uri="{FF2B5EF4-FFF2-40B4-BE49-F238E27FC236}">
-                <a16:creationId xmlns:a16="http://schemas.microsoft.com/office/drawing/2014/main" id="{A5E05144-8B79-2A2B-A7DF-9AB7DD689EA4}"/>
-              </a:ext>
-            </a:extLst>
-          </p:cNvPr>
+          <p:cNvPr id="5" name="Footer Placeholder 4"/>
           <p:cNvSpPr>
             <a:spLocks noGrp="1"/>
           </p:cNvSpPr>
@@ -491,13 +3093,7 @@
       </p:sp>
       <p:sp>
         <p:nvSpPr>
-          <p:cNvPr id="6" name="Slide Number Placeholder 5">
-            <a:extLst>
-              <a:ext uri="{FF2B5EF4-FFF2-40B4-BE49-F238E27FC236}">
-                <a16:creationId xmlns:a16="http://schemas.microsoft.com/office/drawing/2014/main" id="{B1B06406-04F2-F49D-431E-4BF03B70EF02}"/>
-              </a:ext>
-            </a:extLst>
-          </p:cNvPr>
+          <p:cNvPr id="6" name="Slide Number Placeholder 5"/>
           <p:cNvSpPr>
             <a:spLocks noGrp="1"/>
           </p:cNvSpPr>
@@ -521,7 +3117,7 @@
     </p:spTree>
     <p:extLst>
       <p:ext uri="{BB962C8B-B14F-4D97-AF65-F5344CB8AC3E}">
-        <p14:creationId xmlns:p14="http://schemas.microsoft.com/office/powerpoint/2010/main" val="1758846723"/>
+        <p14:creationId xmlns:p14="http://schemas.microsoft.com/office/powerpoint/2010/main" val="730367355"/>
       </p:ext>
     </p:extLst>
   </p:cSld>
@@ -531,8 +3127,8 @@
 </p:sldLayout>
 </file>
 
-<file path=ppt/slideLayouts/slideLayout11.xml><?xml version="1.0" encoding="utf-8"?>
-<p:sldLayout xmlns:a="http://schemas.openxmlformats.org/drawingml/2006/main" xmlns:r="http://schemas.openxmlformats.org/officeDocument/2006/relationships" xmlns:p="http://schemas.openxmlformats.org/presentationml/2006/main" type="vertTitleAndTx" preserve="1">
+<file path=ppt/slideLayouts/slideLayout17.xml><?xml version="1.0" encoding="utf-8"?>
+<p:sldLayout xmlns:a="http://schemas.openxmlformats.org/drawingml/2006/main" xmlns:r="http://schemas.openxmlformats.org/officeDocument/2006/relationships" xmlns:p="http://schemas.openxmlformats.org/presentationml/2006/main" showMasterSp="0" type="vertTitleAndTx" preserve="1">
   <p:cSld name="Vertical Title and Text">
     <p:spTree>
       <p:nvGrpSpPr>
@@ -548,15 +3144,39 @@
           <a:chExt cx="0" cy="0"/>
         </a:xfrm>
       </p:grpSpPr>
-      <p:sp>
-        <p:nvSpPr>
-          <p:cNvPr id="2" name="Vertical Title 1">
+      <p:pic>
+        <p:nvPicPr>
+          <p:cNvPr id="9" name="Picture 8" descr="C2-HD-BTM.png"/>
+          <p:cNvPicPr>
+            <a:picLocks noChangeAspect="1"/>
+          </p:cNvPicPr>
+          <p:nvPr/>
+        </p:nvPicPr>
+        <p:blipFill>
+          <a:blip r:embed="rId2">
             <a:extLst>
-              <a:ext uri="{FF2B5EF4-FFF2-40B4-BE49-F238E27FC236}">
-                <a16:creationId xmlns:a16="http://schemas.microsoft.com/office/drawing/2014/main" id="{995F967B-4D3F-53CF-D75A-3DE321F601DB}"/>
+              <a:ext uri="{28A0092B-C50C-407E-A947-70E740481C1C}">
+                <a14:useLocalDpi xmlns:a14="http://schemas.microsoft.com/office/drawing/2010/main" val="0"/>
               </a:ext>
             </a:extLst>
-          </p:cNvPr>
+          </a:blip>
+          <a:stretch>
+            <a:fillRect/>
+          </a:stretch>
+        </p:blipFill>
+        <p:spPr>
+          <a:xfrm>
+            <a:off x="0" y="4375150"/>
+            <a:ext cx="12192000" cy="2482850"/>
+          </a:xfrm>
+          <a:prstGeom prst="rect">
+            <a:avLst/>
+          </a:prstGeom>
+        </p:spPr>
+      </p:pic>
+      <p:sp>
+        <p:nvSpPr>
+          <p:cNvPr id="2" name="Vertical Title 1"/>
           <p:cNvSpPr>
             <a:spLocks noGrp="1"/>
           </p:cNvSpPr>
@@ -566,30 +3186,29 @@
         </p:nvSpPr>
         <p:spPr>
           <a:xfrm>
-            <a:off x="8724900" y="365125"/>
-            <a:ext cx="2628900" cy="5811838"/>
+            <a:off x="9448800" y="745066"/>
+            <a:ext cx="2057400" cy="3903133"/>
           </a:xfrm>
         </p:spPr>
         <p:txBody>
           <a:bodyPr vert="eaVert"/>
-          <a:lstStyle/>
+          <a:lstStyle>
+            <a:lvl1pPr algn="l">
+              <a:defRPr/>
+            </a:lvl1pPr>
+          </a:lstStyle>
           <a:p>
             <a:r>
               <a:rPr lang="en-US"/>
               <a:t>Click to edit Master title style</a:t>
             </a:r>
-          </a:p>
-        </p:txBody>
-      </p:sp>
-      <p:sp>
-        <p:nvSpPr>
-          <p:cNvPr id="3" name="Vertical Text Placeholder 2">
-            <a:extLst>
-              <a:ext uri="{FF2B5EF4-FFF2-40B4-BE49-F238E27FC236}">
-                <a16:creationId xmlns:a16="http://schemas.microsoft.com/office/drawing/2014/main" id="{42F89531-791A-1F78-2175-B63C40C94A73}"/>
-              </a:ext>
-            </a:extLst>
-          </p:cNvPr>
+            <a:endParaRPr lang="en-US" dirty="0"/>
+          </a:p>
+        </p:txBody>
+      </p:sp>
+      <p:sp>
+        <p:nvSpPr>
+          <p:cNvPr id="3" name="Vertical Text Placeholder 2"/>
           <p:cNvSpPr>
             <a:spLocks noGrp="1"/>
           </p:cNvSpPr>
@@ -599,8 +3218,8 @@
         </p:nvSpPr>
         <p:spPr>
           <a:xfrm>
-            <a:off x="838200" y="365125"/>
-            <a:ext cx="7734300" cy="5811838"/>
+            <a:off x="1024466" y="745067"/>
+            <a:ext cx="8204201" cy="3903133"/>
           </a:xfrm>
         </p:spPr>
         <p:txBody>
@@ -640,18 +3259,13 @@
               <a:rPr lang="en-US"/>
               <a:t>Fifth level</a:t>
             </a:r>
-          </a:p>
-        </p:txBody>
-      </p:sp>
-      <p:sp>
-        <p:nvSpPr>
-          <p:cNvPr id="4" name="Date Placeholder 3">
-            <a:extLst>
-              <a:ext uri="{FF2B5EF4-FFF2-40B4-BE49-F238E27FC236}">
-                <a16:creationId xmlns:a16="http://schemas.microsoft.com/office/drawing/2014/main" id="{D4FCA818-DDB9-6876-A9D0-16467D58A48C}"/>
-              </a:ext>
-            </a:extLst>
-          </p:cNvPr>
+            <a:endParaRPr lang="en-US" dirty="0"/>
+          </a:p>
+        </p:txBody>
+      </p:sp>
+      <p:sp>
+        <p:nvSpPr>
+          <p:cNvPr id="4" name="Date Placeholder 3"/>
           <p:cNvSpPr>
             <a:spLocks noGrp="1"/>
           </p:cNvSpPr>
@@ -659,14 +3273,23 @@
             <p:ph type="dt" sz="half" idx="10"/>
           </p:nvPr>
         </p:nvSpPr>
-        <p:spPr/>
-        <p:txBody>
-          <a:bodyPr/>
-          <a:lstStyle/>
+        <p:spPr>
+          <a:xfrm>
+            <a:off x="7814452" y="379941"/>
+            <a:ext cx="2910840" cy="365125"/>
+          </a:xfrm>
+        </p:spPr>
+        <p:txBody>
+          <a:bodyPr/>
+          <a:lstStyle>
+            <a:lvl1pPr algn="r">
+              <a:defRPr/>
+            </a:lvl1pPr>
+          </a:lstStyle>
           <a:p>
             <a:fld id="{70C62A42-C283-41B3-99EF-D3E8EE93DF1C}" type="datetimeFigureOut">
               <a:rPr lang="en-US" smtClean="0"/>
-              <a:t>5/13/2022</a:t>
+              <a:t>5/17/2022</a:t>
             </a:fld>
             <a:endParaRPr lang="en-US"/>
           </a:p>
@@ -674,13 +3297,7 @@
       </p:sp>
       <p:sp>
         <p:nvSpPr>
-          <p:cNvPr id="5" name="Footer Placeholder 4">
-            <a:extLst>
-              <a:ext uri="{FF2B5EF4-FFF2-40B4-BE49-F238E27FC236}">
-                <a16:creationId xmlns:a16="http://schemas.microsoft.com/office/drawing/2014/main" id="{C9F160B6-65ED-1A7C-AA9F-759F0D84B273}"/>
-              </a:ext>
-            </a:extLst>
-          </p:cNvPr>
+          <p:cNvPr id="5" name="Footer Placeholder 4"/>
           <p:cNvSpPr>
             <a:spLocks noGrp="1"/>
           </p:cNvSpPr>
@@ -688,7 +3305,12 @@
             <p:ph type="ftr" sz="quarter" idx="11"/>
           </p:nvPr>
         </p:nvSpPr>
-        <p:spPr/>
+        <p:spPr>
+          <a:xfrm>
+            <a:off x="685800" y="381000"/>
+            <a:ext cx="6991492" cy="365125"/>
+          </a:xfrm>
+        </p:spPr>
         <p:txBody>
           <a:bodyPr/>
           <a:lstStyle/>
@@ -699,13 +3321,7 @@
       </p:sp>
       <p:sp>
         <p:nvSpPr>
-          <p:cNvPr id="6" name="Slide Number Placeholder 5">
-            <a:extLst>
-              <a:ext uri="{FF2B5EF4-FFF2-40B4-BE49-F238E27FC236}">
-                <a16:creationId xmlns:a16="http://schemas.microsoft.com/office/drawing/2014/main" id="{0C0D52E1-159B-CE5A-9731-8DC27765A9B8}"/>
-              </a:ext>
-            </a:extLst>
-          </p:cNvPr>
+          <p:cNvPr id="6" name="Slide Number Placeholder 5"/>
           <p:cNvSpPr>
             <a:spLocks noGrp="1"/>
           </p:cNvSpPr>
@@ -713,7 +3329,12 @@
             <p:ph type="sldNum" sz="quarter" idx="12"/>
           </p:nvPr>
         </p:nvSpPr>
-        <p:spPr/>
+        <p:spPr>
+          <a:xfrm>
+            <a:off x="10862452" y="381000"/>
+            <a:ext cx="643748" cy="365125"/>
+          </a:xfrm>
+        </p:spPr>
         <p:txBody>
           <a:bodyPr/>
           <a:lstStyle/>
@@ -729,7 +3350,7 @@
     </p:spTree>
     <p:extLst>
       <p:ext uri="{BB962C8B-B14F-4D97-AF65-F5344CB8AC3E}">
-        <p14:creationId xmlns:p14="http://schemas.microsoft.com/office/powerpoint/2010/main" val="2588582448"/>
+        <p14:creationId xmlns:p14="http://schemas.microsoft.com/office/powerpoint/2010/main" val="1316500565"/>
       </p:ext>
     </p:extLst>
   </p:cSld>
@@ -758,13 +3379,7 @@
       </p:grpSpPr>
       <p:sp>
         <p:nvSpPr>
-          <p:cNvPr id="2" name="Title 1">
-            <a:extLst>
-              <a:ext uri="{FF2B5EF4-FFF2-40B4-BE49-F238E27FC236}">
-                <a16:creationId xmlns:a16="http://schemas.microsoft.com/office/drawing/2014/main" id="{574CFCD5-CA70-2353-010C-A8C521777377}"/>
-              </a:ext>
-            </a:extLst>
-          </p:cNvPr>
+          <p:cNvPr id="2" name="Title 1"/>
           <p:cNvSpPr>
             <a:spLocks noGrp="1"/>
           </p:cNvSpPr>
@@ -781,18 +3396,13 @@
               <a:rPr lang="en-US"/>
               <a:t>Click to edit Master title style</a:t>
             </a:r>
-          </a:p>
-        </p:txBody>
-      </p:sp>
-      <p:sp>
-        <p:nvSpPr>
-          <p:cNvPr id="3" name="Content Placeholder 2">
-            <a:extLst>
-              <a:ext uri="{FF2B5EF4-FFF2-40B4-BE49-F238E27FC236}">
-                <a16:creationId xmlns:a16="http://schemas.microsoft.com/office/drawing/2014/main" id="{70542457-C8A8-83F6-0E50-F3ABC19A7F71}"/>
-              </a:ext>
-            </a:extLst>
-          </p:cNvPr>
+            <a:endParaRPr lang="en-US" dirty="0"/>
+          </a:p>
+        </p:txBody>
+      </p:sp>
+      <p:sp>
+        <p:nvSpPr>
+          <p:cNvPr id="3" name="Content Placeholder 2"/>
           <p:cNvSpPr>
             <a:spLocks noGrp="1"/>
           </p:cNvSpPr>
@@ -838,18 +3448,13 @@
               <a:rPr lang="en-US"/>
               <a:t>Fifth level</a:t>
             </a:r>
-          </a:p>
-        </p:txBody>
-      </p:sp>
-      <p:sp>
-        <p:nvSpPr>
-          <p:cNvPr id="4" name="Date Placeholder 3">
-            <a:extLst>
-              <a:ext uri="{FF2B5EF4-FFF2-40B4-BE49-F238E27FC236}">
-                <a16:creationId xmlns:a16="http://schemas.microsoft.com/office/drawing/2014/main" id="{F435259D-17E1-D3E9-94F3-63A7F40353CD}"/>
-              </a:ext>
-            </a:extLst>
-          </p:cNvPr>
+            <a:endParaRPr lang="en-US" dirty="0"/>
+          </a:p>
+        </p:txBody>
+      </p:sp>
+      <p:sp>
+        <p:nvSpPr>
+          <p:cNvPr id="4" name="Date Placeholder 3"/>
           <p:cNvSpPr>
             <a:spLocks noGrp="1"/>
           </p:cNvSpPr>
@@ -864,7 +3469,7 @@
           <a:p>
             <a:fld id="{70C62A42-C283-41B3-99EF-D3E8EE93DF1C}" type="datetimeFigureOut">
               <a:rPr lang="en-US" smtClean="0"/>
-              <a:t>5/13/2022</a:t>
+              <a:t>5/17/2022</a:t>
             </a:fld>
             <a:endParaRPr lang="en-US"/>
           </a:p>
@@ -872,13 +3477,7 @@
       </p:sp>
       <p:sp>
         <p:nvSpPr>
-          <p:cNvPr id="5" name="Footer Placeholder 4">
-            <a:extLst>
-              <a:ext uri="{FF2B5EF4-FFF2-40B4-BE49-F238E27FC236}">
-                <a16:creationId xmlns:a16="http://schemas.microsoft.com/office/drawing/2014/main" id="{FCD89700-D097-5215-1522-540CD6ED6F6C}"/>
-              </a:ext>
-            </a:extLst>
-          </p:cNvPr>
+          <p:cNvPr id="5" name="Footer Placeholder 4"/>
           <p:cNvSpPr>
             <a:spLocks noGrp="1"/>
           </p:cNvSpPr>
@@ -897,13 +3496,7 @@
       </p:sp>
       <p:sp>
         <p:nvSpPr>
-          <p:cNvPr id="6" name="Slide Number Placeholder 5">
-            <a:extLst>
-              <a:ext uri="{FF2B5EF4-FFF2-40B4-BE49-F238E27FC236}">
-                <a16:creationId xmlns:a16="http://schemas.microsoft.com/office/drawing/2014/main" id="{278FBA31-AB45-1209-4E8E-23CD1722B768}"/>
-              </a:ext>
-            </a:extLst>
-          </p:cNvPr>
+          <p:cNvPr id="6" name="Slide Number Placeholder 5"/>
           <p:cNvSpPr>
             <a:spLocks noGrp="1"/>
           </p:cNvSpPr>
@@ -927,7 +3520,7 @@
     </p:spTree>
     <p:extLst>
       <p:ext uri="{BB962C8B-B14F-4D97-AF65-F5344CB8AC3E}">
-        <p14:creationId xmlns:p14="http://schemas.microsoft.com/office/powerpoint/2010/main" val="3507668681"/>
+        <p14:creationId xmlns:p14="http://schemas.microsoft.com/office/powerpoint/2010/main" val="2992452910"/>
       </p:ext>
     </p:extLst>
   </p:cSld>
@@ -938,7 +3531,7 @@
 </file>
 
 <file path=ppt/slideLayouts/slideLayout3.xml><?xml version="1.0" encoding="utf-8"?>
-<p:sldLayout xmlns:a="http://schemas.openxmlformats.org/drawingml/2006/main" xmlns:r="http://schemas.openxmlformats.org/officeDocument/2006/relationships" xmlns:p="http://schemas.openxmlformats.org/presentationml/2006/main" type="secHead" preserve="1">
+<p:sldLayout xmlns:a="http://schemas.openxmlformats.org/drawingml/2006/main" xmlns:r="http://schemas.openxmlformats.org/officeDocument/2006/relationships" xmlns:p="http://schemas.openxmlformats.org/presentationml/2006/main" showMasterSp="0" type="secHead" preserve="1">
   <p:cSld name="Section Header">
     <p:spTree>
       <p:nvGrpSpPr>
@@ -954,15 +3547,39 @@
           <a:chExt cx="0" cy="0"/>
         </a:xfrm>
       </p:grpSpPr>
-      <p:sp>
-        <p:nvSpPr>
-          <p:cNvPr id="2" name="Title 1">
+      <p:pic>
+        <p:nvPicPr>
+          <p:cNvPr id="8" name="Picture 7" descr="C2-HD-BTM.png"/>
+          <p:cNvPicPr>
+            <a:picLocks noChangeAspect="1"/>
+          </p:cNvPicPr>
+          <p:nvPr/>
+        </p:nvPicPr>
+        <p:blipFill>
+          <a:blip r:embed="rId2">
             <a:extLst>
-              <a:ext uri="{FF2B5EF4-FFF2-40B4-BE49-F238E27FC236}">
-                <a16:creationId xmlns:a16="http://schemas.microsoft.com/office/drawing/2014/main" id="{1CBF68E5-F3B9-8A69-DD9A-A6C03C647EB1}"/>
+              <a:ext uri="{28A0092B-C50C-407E-A947-70E740481C1C}">
+                <a14:useLocalDpi xmlns:a14="http://schemas.microsoft.com/office/drawing/2010/main" val="0"/>
               </a:ext>
             </a:extLst>
-          </p:cNvPr>
+          </a:blip>
+          <a:stretch>
+            <a:fillRect/>
+          </a:stretch>
+        </p:blipFill>
+        <p:spPr>
+          <a:xfrm>
+            <a:off x="0" y="4375150"/>
+            <a:ext cx="12192000" cy="2482850"/>
+          </a:xfrm>
+          <a:prstGeom prst="rect">
+            <a:avLst/>
+          </a:prstGeom>
+        </p:spPr>
+      </p:pic>
+      <p:sp>
+        <p:nvSpPr>
+          <p:cNvPr id="2" name="Title 1"/>
           <p:cNvSpPr>
             <a:spLocks noGrp="1"/>
           </p:cNvSpPr>
@@ -972,15 +3589,17 @@
         </p:nvSpPr>
         <p:spPr>
           <a:xfrm>
-            <a:off x="831850" y="1709738"/>
-            <a:ext cx="10515600" cy="2852737"/>
-          </a:xfrm>
-        </p:spPr>
-        <p:txBody>
-          <a:bodyPr anchor="b"/>
+            <a:off x="685800" y="753533"/>
+            <a:ext cx="10820399" cy="2801935"/>
+          </a:xfrm>
+        </p:spPr>
+        <p:txBody>
+          <a:bodyPr anchor="b">
+            <a:normAutofit/>
+          </a:bodyPr>
           <a:lstStyle>
-            <a:lvl1pPr>
-              <a:defRPr sz="6000"/>
+            <a:lvl1pPr algn="r">
+              <a:defRPr sz="4000"/>
             </a:lvl1pPr>
           </a:lstStyle>
           <a:p>
@@ -988,18 +3607,13 @@
               <a:rPr lang="en-US"/>
               <a:t>Click to edit Master title style</a:t>
             </a:r>
-          </a:p>
-        </p:txBody>
-      </p:sp>
-      <p:sp>
-        <p:nvSpPr>
-          <p:cNvPr id="3" name="Text Placeholder 2">
-            <a:extLst>
-              <a:ext uri="{FF2B5EF4-FFF2-40B4-BE49-F238E27FC236}">
-                <a16:creationId xmlns:a16="http://schemas.microsoft.com/office/drawing/2014/main" id="{ECE62D16-CF0E-AFD7-8804-CE68F0DF4B38}"/>
-              </a:ext>
-            </a:extLst>
-          </p:cNvPr>
+            <a:endParaRPr lang="en-US" dirty="0"/>
+          </a:p>
+        </p:txBody>
+      </p:sp>
+      <p:sp>
+        <p:nvSpPr>
+          <p:cNvPr id="3" name="Text Placeholder 2"/>
           <p:cNvSpPr>
             <a:spLocks noGrp="1"/>
           </p:cNvSpPr>
@@ -1009,16 +3623,18 @@
         </p:nvSpPr>
         <p:spPr>
           <a:xfrm>
-            <a:off x="831850" y="4589463"/>
-            <a:ext cx="10515600" cy="1500187"/>
-          </a:xfrm>
-        </p:spPr>
-        <p:txBody>
-          <a:bodyPr/>
+            <a:off x="1024467" y="3641725"/>
+            <a:ext cx="10490200" cy="955675"/>
+          </a:xfrm>
+        </p:spPr>
+        <p:txBody>
+          <a:bodyPr>
+            <a:normAutofit/>
+          </a:bodyPr>
           <a:lstStyle>
-            <a:lvl1pPr marL="0" indent="0">
-              <a:buNone/>
-              <a:defRPr sz="2400">
+            <a:lvl1pPr marL="0" indent="0" algn="r">
+              <a:buNone/>
+              <a:defRPr sz="2200">
                 <a:solidFill>
                   <a:schemeClr val="tx1">
                     <a:tint val="75000"/>
@@ -1118,13 +3734,7 @@
       </p:sp>
       <p:sp>
         <p:nvSpPr>
-          <p:cNvPr id="4" name="Date Placeholder 3">
-            <a:extLst>
-              <a:ext uri="{FF2B5EF4-FFF2-40B4-BE49-F238E27FC236}">
-                <a16:creationId xmlns:a16="http://schemas.microsoft.com/office/drawing/2014/main" id="{3FE18DB2-318A-D0A9-196A-339BAF733D3F}"/>
-              </a:ext>
-            </a:extLst>
-          </p:cNvPr>
+          <p:cNvPr id="4" name="Date Placeholder 3"/>
           <p:cNvSpPr>
             <a:spLocks noGrp="1"/>
           </p:cNvSpPr>
@@ -1132,14 +3742,23 @@
             <p:ph type="dt" sz="half" idx="10"/>
           </p:nvPr>
         </p:nvSpPr>
-        <p:spPr/>
-        <p:txBody>
-          <a:bodyPr/>
-          <a:lstStyle/>
+        <p:spPr>
+          <a:xfrm>
+            <a:off x="7814452" y="381000"/>
+            <a:ext cx="2910840" cy="365125"/>
+          </a:xfrm>
+        </p:spPr>
+        <p:txBody>
+          <a:bodyPr/>
+          <a:lstStyle>
+            <a:lvl1pPr algn="r">
+              <a:defRPr/>
+            </a:lvl1pPr>
+          </a:lstStyle>
           <a:p>
             <a:fld id="{70C62A42-C283-41B3-99EF-D3E8EE93DF1C}" type="datetimeFigureOut">
               <a:rPr lang="en-US" smtClean="0"/>
-              <a:t>5/13/2022</a:t>
+              <a:t>5/17/2022</a:t>
             </a:fld>
             <a:endParaRPr lang="en-US"/>
           </a:p>
@@ -1147,13 +3766,7 @@
       </p:sp>
       <p:sp>
         <p:nvSpPr>
-          <p:cNvPr id="5" name="Footer Placeholder 4">
-            <a:extLst>
-              <a:ext uri="{FF2B5EF4-FFF2-40B4-BE49-F238E27FC236}">
-                <a16:creationId xmlns:a16="http://schemas.microsoft.com/office/drawing/2014/main" id="{7FAE0A56-3C51-116E-8D73-549CAE1B679C}"/>
-              </a:ext>
-            </a:extLst>
-          </p:cNvPr>
+          <p:cNvPr id="5" name="Footer Placeholder 4"/>
           <p:cNvSpPr>
             <a:spLocks noGrp="1"/>
           </p:cNvSpPr>
@@ -1161,7 +3774,12 @@
             <p:ph type="ftr" sz="quarter" idx="11"/>
           </p:nvPr>
         </p:nvSpPr>
-        <p:spPr/>
+        <p:spPr>
+          <a:xfrm>
+            <a:off x="685800" y="381001"/>
+            <a:ext cx="6991492" cy="364065"/>
+          </a:xfrm>
+        </p:spPr>
         <p:txBody>
           <a:bodyPr/>
           <a:lstStyle/>
@@ -1172,13 +3790,7 @@
       </p:sp>
       <p:sp>
         <p:nvSpPr>
-          <p:cNvPr id="6" name="Slide Number Placeholder 5">
-            <a:extLst>
-              <a:ext uri="{FF2B5EF4-FFF2-40B4-BE49-F238E27FC236}">
-                <a16:creationId xmlns:a16="http://schemas.microsoft.com/office/drawing/2014/main" id="{26DB103F-9D43-B44A-84D4-7D54891D65BF}"/>
-              </a:ext>
-            </a:extLst>
-          </p:cNvPr>
+          <p:cNvPr id="6" name="Slide Number Placeholder 5"/>
           <p:cNvSpPr>
             <a:spLocks noGrp="1"/>
           </p:cNvSpPr>
@@ -1186,7 +3798,12 @@
             <p:ph type="sldNum" sz="quarter" idx="12"/>
           </p:nvPr>
         </p:nvSpPr>
-        <p:spPr/>
+        <p:spPr>
+          <a:xfrm>
+            <a:off x="10862452" y="381000"/>
+            <a:ext cx="643748" cy="365125"/>
+          </a:xfrm>
+        </p:spPr>
         <p:txBody>
           <a:bodyPr/>
           <a:lstStyle/>
@@ -1202,7 +3819,7 @@
     </p:spTree>
     <p:extLst>
       <p:ext uri="{BB962C8B-B14F-4D97-AF65-F5344CB8AC3E}">
-        <p14:creationId xmlns:p14="http://schemas.microsoft.com/office/powerpoint/2010/main" val="1088897343"/>
+        <p14:creationId xmlns:p14="http://schemas.microsoft.com/office/powerpoint/2010/main" val="4013665901"/>
       </p:ext>
     </p:extLst>
   </p:cSld>
@@ -1231,13 +3848,7 @@
       </p:grpSpPr>
       <p:sp>
         <p:nvSpPr>
-          <p:cNvPr id="2" name="Title 1">
-            <a:extLst>
-              <a:ext uri="{FF2B5EF4-FFF2-40B4-BE49-F238E27FC236}">
-                <a16:creationId xmlns:a16="http://schemas.microsoft.com/office/drawing/2014/main" id="{2775DCF2-5D82-5C86-93E8-9BC0072716C9}"/>
-              </a:ext>
-            </a:extLst>
-          </p:cNvPr>
+          <p:cNvPr id="2" name="Title 1"/>
           <p:cNvSpPr>
             <a:spLocks noGrp="1"/>
           </p:cNvSpPr>
@@ -1254,18 +3865,13 @@
               <a:rPr lang="en-US"/>
               <a:t>Click to edit Master title style</a:t>
             </a:r>
-          </a:p>
-        </p:txBody>
-      </p:sp>
-      <p:sp>
-        <p:nvSpPr>
-          <p:cNvPr id="3" name="Content Placeholder 2">
-            <a:extLst>
-              <a:ext uri="{FF2B5EF4-FFF2-40B4-BE49-F238E27FC236}">
-                <a16:creationId xmlns:a16="http://schemas.microsoft.com/office/drawing/2014/main" id="{5BC00B71-1F6F-B243-1693-5E7C599F50D0}"/>
-              </a:ext>
-            </a:extLst>
-          </p:cNvPr>
+            <a:endParaRPr lang="en-US" dirty="0"/>
+          </a:p>
+        </p:txBody>
+      </p:sp>
+      <p:sp>
+        <p:nvSpPr>
+          <p:cNvPr id="3" name="Content Placeholder 2"/>
           <p:cNvSpPr>
             <a:spLocks noGrp="1"/>
           </p:cNvSpPr>
@@ -1275,8 +3881,8 @@
         </p:nvSpPr>
         <p:spPr>
           <a:xfrm>
-            <a:off x="838200" y="1825625"/>
-            <a:ext cx="5181600" cy="4351338"/>
+            <a:off x="685800" y="2194559"/>
+            <a:ext cx="5334000" cy="4024125"/>
           </a:xfrm>
         </p:spPr>
         <p:txBody>
@@ -1316,18 +3922,13 @@
               <a:rPr lang="en-US"/>
               <a:t>Fifth level</a:t>
             </a:r>
-          </a:p>
-        </p:txBody>
-      </p:sp>
-      <p:sp>
-        <p:nvSpPr>
-          <p:cNvPr id="4" name="Content Placeholder 3">
-            <a:extLst>
-              <a:ext uri="{FF2B5EF4-FFF2-40B4-BE49-F238E27FC236}">
-                <a16:creationId xmlns:a16="http://schemas.microsoft.com/office/drawing/2014/main" id="{7EEC4E9D-7AA5-A6EC-3618-16660CF3461F}"/>
-              </a:ext>
-            </a:extLst>
-          </p:cNvPr>
+            <a:endParaRPr lang="en-US" dirty="0"/>
+          </a:p>
+        </p:txBody>
+      </p:sp>
+      <p:sp>
+        <p:nvSpPr>
+          <p:cNvPr id="4" name="Content Placeholder 3"/>
           <p:cNvSpPr>
             <a:spLocks noGrp="1"/>
           </p:cNvSpPr>
@@ -1337,8 +3938,8 @@
         </p:nvSpPr>
         <p:spPr>
           <a:xfrm>
-            <a:off x="6172200" y="1825625"/>
-            <a:ext cx="5181600" cy="4351338"/>
+            <a:off x="6172200" y="2194559"/>
+            <a:ext cx="5334000" cy="4024125"/>
           </a:xfrm>
         </p:spPr>
         <p:txBody>
@@ -1378,18 +3979,13 @@
               <a:rPr lang="en-US"/>
               <a:t>Fifth level</a:t>
             </a:r>
-          </a:p>
-        </p:txBody>
-      </p:sp>
-      <p:sp>
-        <p:nvSpPr>
-          <p:cNvPr id="5" name="Date Placeholder 4">
-            <a:extLst>
-              <a:ext uri="{FF2B5EF4-FFF2-40B4-BE49-F238E27FC236}">
-                <a16:creationId xmlns:a16="http://schemas.microsoft.com/office/drawing/2014/main" id="{D51992E3-4808-D9C6-C001-3CFEE2AF7BEC}"/>
-              </a:ext>
-            </a:extLst>
-          </p:cNvPr>
+            <a:endParaRPr lang="en-US" dirty="0"/>
+          </a:p>
+        </p:txBody>
+      </p:sp>
+      <p:sp>
+        <p:nvSpPr>
+          <p:cNvPr id="5" name="Date Placeholder 4"/>
           <p:cNvSpPr>
             <a:spLocks noGrp="1"/>
           </p:cNvSpPr>
@@ -1404,7 +4000,7 @@
           <a:p>
             <a:fld id="{70C62A42-C283-41B3-99EF-D3E8EE93DF1C}" type="datetimeFigureOut">
               <a:rPr lang="en-US" smtClean="0"/>
-              <a:t>5/13/2022</a:t>
+              <a:t>5/17/2022</a:t>
             </a:fld>
             <a:endParaRPr lang="en-US"/>
           </a:p>
@@ -1412,13 +4008,7 @@
       </p:sp>
       <p:sp>
         <p:nvSpPr>
-          <p:cNvPr id="6" name="Footer Placeholder 5">
-            <a:extLst>
-              <a:ext uri="{FF2B5EF4-FFF2-40B4-BE49-F238E27FC236}">
-                <a16:creationId xmlns:a16="http://schemas.microsoft.com/office/drawing/2014/main" id="{9BA4E746-A34C-E048-0E00-4813AC5E6C68}"/>
-              </a:ext>
-            </a:extLst>
-          </p:cNvPr>
+          <p:cNvPr id="6" name="Footer Placeholder 5"/>
           <p:cNvSpPr>
             <a:spLocks noGrp="1"/>
           </p:cNvSpPr>
@@ -1437,13 +4027,7 @@
       </p:sp>
       <p:sp>
         <p:nvSpPr>
-          <p:cNvPr id="7" name="Slide Number Placeholder 6">
-            <a:extLst>
-              <a:ext uri="{FF2B5EF4-FFF2-40B4-BE49-F238E27FC236}">
-                <a16:creationId xmlns:a16="http://schemas.microsoft.com/office/drawing/2014/main" id="{AC093FE6-E7DD-1779-6E2B-23D919B82D79}"/>
-              </a:ext>
-            </a:extLst>
-          </p:cNvPr>
+          <p:cNvPr id="7" name="Slide Number Placeholder 6"/>
           <p:cNvSpPr>
             <a:spLocks noGrp="1"/>
           </p:cNvSpPr>
@@ -1467,7 +4051,7 @@
     </p:spTree>
     <p:extLst>
       <p:ext uri="{BB962C8B-B14F-4D97-AF65-F5344CB8AC3E}">
-        <p14:creationId xmlns:p14="http://schemas.microsoft.com/office/powerpoint/2010/main" val="3760269890"/>
+        <p14:creationId xmlns:p14="http://schemas.microsoft.com/office/powerpoint/2010/main" val="559799493"/>
       </p:ext>
     </p:extLst>
   </p:cSld>
@@ -1496,13 +4080,7 @@
       </p:grpSpPr>
       <p:sp>
         <p:nvSpPr>
-          <p:cNvPr id="2" name="Title 1">
-            <a:extLst>
-              <a:ext uri="{FF2B5EF4-FFF2-40B4-BE49-F238E27FC236}">
-                <a16:creationId xmlns:a16="http://schemas.microsoft.com/office/drawing/2014/main" id="{197AFD4A-B587-E80A-BAFB-F7D4C8E589A4}"/>
-              </a:ext>
-            </a:extLst>
-          </p:cNvPr>
+          <p:cNvPr id="2" name="Title 1"/>
           <p:cNvSpPr>
             <a:spLocks noGrp="1"/>
           </p:cNvSpPr>
@@ -1512,8 +4090,8 @@
         </p:nvSpPr>
         <p:spPr>
           <a:xfrm>
-            <a:off x="839788" y="365125"/>
-            <a:ext cx="10515600" cy="1325563"/>
+            <a:off x="2895600" y="762000"/>
+            <a:ext cx="8610600" cy="1295400"/>
           </a:xfrm>
         </p:spPr>
         <p:txBody>
@@ -1524,18 +4102,13 @@
               <a:rPr lang="en-US"/>
               <a:t>Click to edit Master title style</a:t>
             </a:r>
-          </a:p>
-        </p:txBody>
-      </p:sp>
-      <p:sp>
-        <p:nvSpPr>
-          <p:cNvPr id="3" name="Text Placeholder 2">
-            <a:extLst>
-              <a:ext uri="{FF2B5EF4-FFF2-40B4-BE49-F238E27FC236}">
-                <a16:creationId xmlns:a16="http://schemas.microsoft.com/office/drawing/2014/main" id="{0A912F44-9154-52C2-16B3-712B535AACE7}"/>
-              </a:ext>
-            </a:extLst>
-          </p:cNvPr>
+            <a:endParaRPr lang="en-US" dirty="0"/>
+          </a:p>
+        </p:txBody>
+      </p:sp>
+      <p:sp>
+        <p:nvSpPr>
+          <p:cNvPr id="3" name="Text Placeholder 2"/>
           <p:cNvSpPr>
             <a:spLocks noGrp="1"/>
           </p:cNvSpPr>
@@ -1545,16 +4118,22 @@
         </p:nvSpPr>
         <p:spPr>
           <a:xfrm>
-            <a:off x="839788" y="1681163"/>
-            <a:ext cx="5157787" cy="823912"/>
-          </a:xfrm>
-        </p:spPr>
-        <p:txBody>
-          <a:bodyPr anchor="b"/>
+            <a:off x="914409" y="2183802"/>
+            <a:ext cx="5079991" cy="823912"/>
+          </a:xfrm>
+        </p:spPr>
+        <p:txBody>
+          <a:bodyPr anchor="b">
+            <a:normAutofit/>
+          </a:bodyPr>
           <a:lstStyle>
             <a:lvl1pPr marL="0" indent="0">
               <a:buNone/>
-              <a:defRPr sz="2400" b="1"/>
+              <a:defRPr sz="2800" b="0">
+                <a:solidFill>
+                  <a:schemeClr val="tx1"/>
+                </a:solidFill>
+              </a:defRPr>
             </a:lvl1pPr>
             <a:lvl2pPr marL="457200" indent="0">
               <a:buNone/>
@@ -1600,13 +4179,7 @@
       </p:sp>
       <p:sp>
         <p:nvSpPr>
-          <p:cNvPr id="4" name="Content Placeholder 3">
-            <a:extLst>
-              <a:ext uri="{FF2B5EF4-FFF2-40B4-BE49-F238E27FC236}">
-                <a16:creationId xmlns:a16="http://schemas.microsoft.com/office/drawing/2014/main" id="{F0A36E89-4AAC-EC9C-B28C-5BA92DFCA554}"/>
-              </a:ext>
-            </a:extLst>
-          </p:cNvPr>
+          <p:cNvPr id="4" name="Content Placeholder 3"/>
           <p:cNvSpPr>
             <a:spLocks noGrp="1"/>
           </p:cNvSpPr>
@@ -1616,8 +4189,8 @@
         </p:nvSpPr>
         <p:spPr>
           <a:xfrm>
-            <a:off x="839788" y="2505075"/>
-            <a:ext cx="5157787" cy="3684588"/>
+            <a:off x="685800" y="3132666"/>
+            <a:ext cx="5311775" cy="3086019"/>
           </a:xfrm>
         </p:spPr>
         <p:txBody>
@@ -1657,18 +4230,13 @@
               <a:rPr lang="en-US"/>
               <a:t>Fifth level</a:t>
             </a:r>
-          </a:p>
-        </p:txBody>
-      </p:sp>
-      <p:sp>
-        <p:nvSpPr>
-          <p:cNvPr id="5" name="Text Placeholder 4">
-            <a:extLst>
-              <a:ext uri="{FF2B5EF4-FFF2-40B4-BE49-F238E27FC236}">
-                <a16:creationId xmlns:a16="http://schemas.microsoft.com/office/drawing/2014/main" id="{1F272763-A304-16FD-8775-4FDE4AFACF31}"/>
-              </a:ext>
-            </a:extLst>
-          </p:cNvPr>
+            <a:endParaRPr lang="en-US" dirty="0"/>
+          </a:p>
+        </p:txBody>
+      </p:sp>
+      <p:sp>
+        <p:nvSpPr>
+          <p:cNvPr id="5" name="Text Placeholder 4"/>
           <p:cNvSpPr>
             <a:spLocks noGrp="1"/>
           </p:cNvSpPr>
@@ -1678,16 +4246,22 @@
         </p:nvSpPr>
         <p:spPr>
           <a:xfrm>
-            <a:off x="6172200" y="1681163"/>
-            <a:ext cx="5183188" cy="823912"/>
-          </a:xfrm>
-        </p:spPr>
-        <p:txBody>
-          <a:bodyPr anchor="b"/>
+            <a:off x="6400800" y="2183802"/>
+            <a:ext cx="5105400" cy="823912"/>
+          </a:xfrm>
+        </p:spPr>
+        <p:txBody>
+          <a:bodyPr anchor="b">
+            <a:normAutofit/>
+          </a:bodyPr>
           <a:lstStyle>
             <a:lvl1pPr marL="0" indent="0">
               <a:buNone/>
-              <a:defRPr sz="2400" b="1"/>
+              <a:defRPr sz="2800" b="0">
+                <a:solidFill>
+                  <a:schemeClr val="tx1"/>
+                </a:solidFill>
+              </a:defRPr>
             </a:lvl1pPr>
             <a:lvl2pPr marL="457200" indent="0">
               <a:buNone/>
@@ -1733,13 +4307,7 @@
       </p:sp>
       <p:sp>
         <p:nvSpPr>
-          <p:cNvPr id="6" name="Content Placeholder 5">
-            <a:extLst>
-              <a:ext uri="{FF2B5EF4-FFF2-40B4-BE49-F238E27FC236}">
-                <a16:creationId xmlns:a16="http://schemas.microsoft.com/office/drawing/2014/main" id="{8F0C4201-78B6-FEAE-BD15-53BD1B01BDF7}"/>
-              </a:ext>
-            </a:extLst>
-          </p:cNvPr>
+          <p:cNvPr id="6" name="Content Placeholder 5"/>
           <p:cNvSpPr>
             <a:spLocks noGrp="1"/>
           </p:cNvSpPr>
@@ -1749,8 +4317,8 @@
         </p:nvSpPr>
         <p:spPr>
           <a:xfrm>
-            <a:off x="6172200" y="2505075"/>
-            <a:ext cx="5183188" cy="3684588"/>
+            <a:off x="6172200" y="3132666"/>
+            <a:ext cx="5334000" cy="3086019"/>
           </a:xfrm>
         </p:spPr>
         <p:txBody>
@@ -1790,18 +4358,13 @@
               <a:rPr lang="en-US"/>
               <a:t>Fifth level</a:t>
             </a:r>
-          </a:p>
-        </p:txBody>
-      </p:sp>
-      <p:sp>
-        <p:nvSpPr>
-          <p:cNvPr id="7" name="Date Placeholder 6">
-            <a:extLst>
-              <a:ext uri="{FF2B5EF4-FFF2-40B4-BE49-F238E27FC236}">
-                <a16:creationId xmlns:a16="http://schemas.microsoft.com/office/drawing/2014/main" id="{5A9F8D2B-A0BC-39B0-A135-D387B09A0358}"/>
-              </a:ext>
-            </a:extLst>
-          </p:cNvPr>
+            <a:endParaRPr lang="en-US" dirty="0"/>
+          </a:p>
+        </p:txBody>
+      </p:sp>
+      <p:sp>
+        <p:nvSpPr>
+          <p:cNvPr id="7" name="Date Placeholder 6"/>
           <p:cNvSpPr>
             <a:spLocks noGrp="1"/>
           </p:cNvSpPr>
@@ -1816,7 +4379,7 @@
           <a:p>
             <a:fld id="{70C62A42-C283-41B3-99EF-D3E8EE93DF1C}" type="datetimeFigureOut">
               <a:rPr lang="en-US" smtClean="0"/>
-              <a:t>5/13/2022</a:t>
+              <a:t>5/17/2022</a:t>
             </a:fld>
             <a:endParaRPr lang="en-US"/>
           </a:p>
@@ -1824,13 +4387,7 @@
       </p:sp>
       <p:sp>
         <p:nvSpPr>
-          <p:cNvPr id="8" name="Footer Placeholder 7">
-            <a:extLst>
-              <a:ext uri="{FF2B5EF4-FFF2-40B4-BE49-F238E27FC236}">
-                <a16:creationId xmlns:a16="http://schemas.microsoft.com/office/drawing/2014/main" id="{D519B44C-E6BF-A754-A5F4-AAEC1AE4635C}"/>
-              </a:ext>
-            </a:extLst>
-          </p:cNvPr>
+          <p:cNvPr id="8" name="Footer Placeholder 7"/>
           <p:cNvSpPr>
             <a:spLocks noGrp="1"/>
           </p:cNvSpPr>
@@ -1849,13 +4406,7 @@
       </p:sp>
       <p:sp>
         <p:nvSpPr>
-          <p:cNvPr id="9" name="Slide Number Placeholder 8">
-            <a:extLst>
-              <a:ext uri="{FF2B5EF4-FFF2-40B4-BE49-F238E27FC236}">
-                <a16:creationId xmlns:a16="http://schemas.microsoft.com/office/drawing/2014/main" id="{A61F9372-B139-3CA6-7F17-3F638ABD5909}"/>
-              </a:ext>
-            </a:extLst>
-          </p:cNvPr>
+          <p:cNvPr id="9" name="Slide Number Placeholder 8"/>
           <p:cNvSpPr>
             <a:spLocks noGrp="1"/>
           </p:cNvSpPr>
@@ -1879,7 +4430,7 @@
     </p:spTree>
     <p:extLst>
       <p:ext uri="{BB962C8B-B14F-4D97-AF65-F5344CB8AC3E}">
-        <p14:creationId xmlns:p14="http://schemas.microsoft.com/office/powerpoint/2010/main" val="3097193465"/>
+        <p14:creationId xmlns:p14="http://schemas.microsoft.com/office/powerpoint/2010/main" val="2928601618"/>
       </p:ext>
     </p:extLst>
   </p:cSld>
@@ -1908,13 +4459,7 @@
       </p:grpSpPr>
       <p:sp>
         <p:nvSpPr>
-          <p:cNvPr id="2" name="Title 1">
-            <a:extLst>
-              <a:ext uri="{FF2B5EF4-FFF2-40B4-BE49-F238E27FC236}">
-                <a16:creationId xmlns:a16="http://schemas.microsoft.com/office/drawing/2014/main" id="{AA06B819-6692-9875-FD72-E7DA725E5B05}"/>
-              </a:ext>
-            </a:extLst>
-          </p:cNvPr>
+          <p:cNvPr id="2" name="Title 1"/>
           <p:cNvSpPr>
             <a:spLocks noGrp="1"/>
           </p:cNvSpPr>
@@ -1931,18 +4476,13 @@
               <a:rPr lang="en-US"/>
               <a:t>Click to edit Master title style</a:t>
             </a:r>
-          </a:p>
-        </p:txBody>
-      </p:sp>
-      <p:sp>
-        <p:nvSpPr>
-          <p:cNvPr id="3" name="Date Placeholder 2">
-            <a:extLst>
-              <a:ext uri="{FF2B5EF4-FFF2-40B4-BE49-F238E27FC236}">
-                <a16:creationId xmlns:a16="http://schemas.microsoft.com/office/drawing/2014/main" id="{946D011D-D4B1-027C-4FE3-6EC07AC26D53}"/>
-              </a:ext>
-            </a:extLst>
-          </p:cNvPr>
+            <a:endParaRPr lang="en-US" dirty="0"/>
+          </a:p>
+        </p:txBody>
+      </p:sp>
+      <p:sp>
+        <p:nvSpPr>
+          <p:cNvPr id="3" name="Date Placeholder 2"/>
           <p:cNvSpPr>
             <a:spLocks noGrp="1"/>
           </p:cNvSpPr>
@@ -1957,7 +4497,7 @@
           <a:p>
             <a:fld id="{70C62A42-C283-41B3-99EF-D3E8EE93DF1C}" type="datetimeFigureOut">
               <a:rPr lang="en-US" smtClean="0"/>
-              <a:t>5/13/2022</a:t>
+              <a:t>5/17/2022</a:t>
             </a:fld>
             <a:endParaRPr lang="en-US"/>
           </a:p>
@@ -1965,13 +4505,7 @@
       </p:sp>
       <p:sp>
         <p:nvSpPr>
-          <p:cNvPr id="4" name="Footer Placeholder 3">
-            <a:extLst>
-              <a:ext uri="{FF2B5EF4-FFF2-40B4-BE49-F238E27FC236}">
-                <a16:creationId xmlns:a16="http://schemas.microsoft.com/office/drawing/2014/main" id="{16612B1E-D0B6-C80D-64C7-61E0FE8778B7}"/>
-              </a:ext>
-            </a:extLst>
-          </p:cNvPr>
+          <p:cNvPr id="4" name="Footer Placeholder 3"/>
           <p:cNvSpPr>
             <a:spLocks noGrp="1"/>
           </p:cNvSpPr>
@@ -1990,13 +4524,7 @@
       </p:sp>
       <p:sp>
         <p:nvSpPr>
-          <p:cNvPr id="5" name="Slide Number Placeholder 4">
-            <a:extLst>
-              <a:ext uri="{FF2B5EF4-FFF2-40B4-BE49-F238E27FC236}">
-                <a16:creationId xmlns:a16="http://schemas.microsoft.com/office/drawing/2014/main" id="{106BB457-0FE4-3137-3262-A6069A378036}"/>
-              </a:ext>
-            </a:extLst>
-          </p:cNvPr>
+          <p:cNvPr id="5" name="Slide Number Placeholder 4"/>
           <p:cNvSpPr>
             <a:spLocks noGrp="1"/>
           </p:cNvSpPr>
@@ -2020,7 +4548,7 @@
     </p:spTree>
     <p:extLst>
       <p:ext uri="{BB962C8B-B14F-4D97-AF65-F5344CB8AC3E}">
-        <p14:creationId xmlns:p14="http://schemas.microsoft.com/office/powerpoint/2010/main" val="1603520571"/>
+        <p14:creationId xmlns:p14="http://schemas.microsoft.com/office/powerpoint/2010/main" val="3019842293"/>
       </p:ext>
     </p:extLst>
   </p:cSld>
@@ -2049,13 +4577,7 @@
       </p:grpSpPr>
       <p:sp>
         <p:nvSpPr>
-          <p:cNvPr id="2" name="Date Placeholder 1">
-            <a:extLst>
-              <a:ext uri="{FF2B5EF4-FFF2-40B4-BE49-F238E27FC236}">
-                <a16:creationId xmlns:a16="http://schemas.microsoft.com/office/drawing/2014/main" id="{359C3C0F-73F3-A824-E638-3B4634813B9F}"/>
-              </a:ext>
-            </a:extLst>
-          </p:cNvPr>
+          <p:cNvPr id="2" name="Date Placeholder 1"/>
           <p:cNvSpPr>
             <a:spLocks noGrp="1"/>
           </p:cNvSpPr>
@@ -2070,7 +4592,7 @@
           <a:p>
             <a:fld id="{70C62A42-C283-41B3-99EF-D3E8EE93DF1C}" type="datetimeFigureOut">
               <a:rPr lang="en-US" smtClean="0"/>
-              <a:t>5/13/2022</a:t>
+              <a:t>5/17/2022</a:t>
             </a:fld>
             <a:endParaRPr lang="en-US"/>
           </a:p>
@@ -2078,13 +4600,7 @@
       </p:sp>
       <p:sp>
         <p:nvSpPr>
-          <p:cNvPr id="3" name="Footer Placeholder 2">
-            <a:extLst>
-              <a:ext uri="{FF2B5EF4-FFF2-40B4-BE49-F238E27FC236}">
-                <a16:creationId xmlns:a16="http://schemas.microsoft.com/office/drawing/2014/main" id="{4D7F359A-81E9-09C9-BDAA-1EC30C055C44}"/>
-              </a:ext>
-            </a:extLst>
-          </p:cNvPr>
+          <p:cNvPr id="3" name="Footer Placeholder 2"/>
           <p:cNvSpPr>
             <a:spLocks noGrp="1"/>
           </p:cNvSpPr>
@@ -2103,13 +4619,7 @@
       </p:sp>
       <p:sp>
         <p:nvSpPr>
-          <p:cNvPr id="4" name="Slide Number Placeholder 3">
-            <a:extLst>
-              <a:ext uri="{FF2B5EF4-FFF2-40B4-BE49-F238E27FC236}">
-                <a16:creationId xmlns:a16="http://schemas.microsoft.com/office/drawing/2014/main" id="{1C8F401F-AFE0-E8B9-29D6-2DB43047FA8B}"/>
-              </a:ext>
-            </a:extLst>
-          </p:cNvPr>
+          <p:cNvPr id="4" name="Slide Number Placeholder 3"/>
           <p:cNvSpPr>
             <a:spLocks noGrp="1"/>
           </p:cNvSpPr>
@@ -2133,7 +4643,7 @@
     </p:spTree>
     <p:extLst>
       <p:ext uri="{BB962C8B-B14F-4D97-AF65-F5344CB8AC3E}">
-        <p14:creationId xmlns:p14="http://schemas.microsoft.com/office/powerpoint/2010/main" val="2869834451"/>
+        <p14:creationId xmlns:p14="http://schemas.microsoft.com/office/powerpoint/2010/main" val="93472062"/>
       </p:ext>
     </p:extLst>
   </p:cSld>
@@ -2162,13 +4672,7 @@
       </p:grpSpPr>
       <p:sp>
         <p:nvSpPr>
-          <p:cNvPr id="2" name="Title 1">
-            <a:extLst>
-              <a:ext uri="{FF2B5EF4-FFF2-40B4-BE49-F238E27FC236}">
-                <a16:creationId xmlns:a16="http://schemas.microsoft.com/office/drawing/2014/main" id="{7CDCDCFD-8701-9D1C-3B64-3067C74E62B2}"/>
-              </a:ext>
-            </a:extLst>
-          </p:cNvPr>
+          <p:cNvPr id="2" name="Title 1"/>
           <p:cNvSpPr>
             <a:spLocks noGrp="1"/>
           </p:cNvSpPr>
@@ -2178,14 +4682,14 @@
         </p:nvSpPr>
         <p:spPr>
           <a:xfrm>
-            <a:off x="839788" y="457200"/>
-            <a:ext cx="3932237" cy="1600200"/>
+            <a:off x="685800" y="1524000"/>
+            <a:ext cx="4114800" cy="1600200"/>
           </a:xfrm>
         </p:spPr>
         <p:txBody>
           <a:bodyPr anchor="b"/>
           <a:lstStyle>
-            <a:lvl1pPr>
+            <a:lvl1pPr algn="l">
               <a:defRPr sz="3200"/>
             </a:lvl1pPr>
           </a:lstStyle>
@@ -2194,18 +4698,13 @@
               <a:rPr lang="en-US"/>
               <a:t>Click to edit Master title style</a:t>
             </a:r>
-          </a:p>
-        </p:txBody>
-      </p:sp>
-      <p:sp>
-        <p:nvSpPr>
-          <p:cNvPr id="3" name="Content Placeholder 2">
-            <a:extLst>
-              <a:ext uri="{FF2B5EF4-FFF2-40B4-BE49-F238E27FC236}">
-                <a16:creationId xmlns:a16="http://schemas.microsoft.com/office/drawing/2014/main" id="{9C4322C6-D885-4C53-B3A6-05C43F8797B2}"/>
-              </a:ext>
-            </a:extLst>
-          </p:cNvPr>
+            <a:endParaRPr lang="en-US" dirty="0"/>
+          </a:p>
+        </p:txBody>
+      </p:sp>
+      <p:sp>
+        <p:nvSpPr>
+          <p:cNvPr id="3" name="Content Placeholder 2"/>
           <p:cNvSpPr>
             <a:spLocks noGrp="1"/>
           </p:cNvSpPr>
@@ -2215,41 +4714,13 @@
         </p:nvSpPr>
         <p:spPr>
           <a:xfrm>
-            <a:off x="5183188" y="987425"/>
-            <a:ext cx="6172200" cy="4873625"/>
-          </a:xfrm>
-        </p:spPr>
-        <p:txBody>
-          <a:bodyPr/>
-          <a:lstStyle>
-            <a:lvl1pPr>
-              <a:defRPr sz="3200"/>
-            </a:lvl1pPr>
-            <a:lvl2pPr>
-              <a:defRPr sz="2800"/>
-            </a:lvl2pPr>
-            <a:lvl3pPr>
-              <a:defRPr sz="2400"/>
-            </a:lvl3pPr>
-            <a:lvl4pPr>
-              <a:defRPr sz="2000"/>
-            </a:lvl4pPr>
-            <a:lvl5pPr>
-              <a:defRPr sz="2000"/>
-            </a:lvl5pPr>
-            <a:lvl6pPr>
-              <a:defRPr sz="2000"/>
-            </a:lvl6pPr>
-            <a:lvl7pPr>
-              <a:defRPr sz="2000"/>
-            </a:lvl7pPr>
-            <a:lvl8pPr>
-              <a:defRPr sz="2000"/>
-            </a:lvl8pPr>
-            <a:lvl9pPr>
-              <a:defRPr sz="2000"/>
-            </a:lvl9pPr>
-          </a:lstStyle>
+            <a:off x="4995582" y="746759"/>
+            <a:ext cx="6510618" cy="5471925"/>
+          </a:xfrm>
+        </p:spPr>
+        <p:txBody>
+          <a:bodyPr anchor="ctr"/>
+          <a:lstStyle/>
           <a:p>
             <a:pPr lvl="0"/>
             <a:r>
@@ -2284,18 +4755,13 @@
               <a:rPr lang="en-US"/>
               <a:t>Fifth level</a:t>
             </a:r>
-          </a:p>
-        </p:txBody>
-      </p:sp>
-      <p:sp>
-        <p:nvSpPr>
-          <p:cNvPr id="4" name="Text Placeholder 3">
-            <a:extLst>
-              <a:ext uri="{FF2B5EF4-FFF2-40B4-BE49-F238E27FC236}">
-                <a16:creationId xmlns:a16="http://schemas.microsoft.com/office/drawing/2014/main" id="{F3C7C224-1E3D-6773-4175-F284476A127E}"/>
-              </a:ext>
-            </a:extLst>
-          </p:cNvPr>
+            <a:endParaRPr lang="en-US" dirty="0"/>
+          </a:p>
+        </p:txBody>
+      </p:sp>
+      <p:sp>
+        <p:nvSpPr>
+          <p:cNvPr id="4" name="Text Placeholder 3"/>
           <p:cNvSpPr>
             <a:spLocks noGrp="1"/>
           </p:cNvSpPr>
@@ -2305,8 +4771,8 @@
         </p:nvSpPr>
         <p:spPr>
           <a:xfrm>
-            <a:off x="839788" y="2057400"/>
-            <a:ext cx="3932237" cy="3811588"/>
+            <a:off x="685800" y="3124199"/>
+            <a:ext cx="4114800" cy="3094485"/>
           </a:xfrm>
         </p:spPr>
         <p:txBody>
@@ -2360,13 +4826,7 @@
       </p:sp>
       <p:sp>
         <p:nvSpPr>
-          <p:cNvPr id="5" name="Date Placeholder 4">
-            <a:extLst>
-              <a:ext uri="{FF2B5EF4-FFF2-40B4-BE49-F238E27FC236}">
-                <a16:creationId xmlns:a16="http://schemas.microsoft.com/office/drawing/2014/main" id="{9BDE77F5-20E7-02F1-7C7E-76C7C4EEFEEA}"/>
-              </a:ext>
-            </a:extLst>
-          </p:cNvPr>
+          <p:cNvPr id="5" name="Date Placeholder 4"/>
           <p:cNvSpPr>
             <a:spLocks noGrp="1"/>
           </p:cNvSpPr>
@@ -2381,7 +4841,7 @@
           <a:p>
             <a:fld id="{70C62A42-C283-41B3-99EF-D3E8EE93DF1C}" type="datetimeFigureOut">
               <a:rPr lang="en-US" smtClean="0"/>
-              <a:t>5/13/2022</a:t>
+              <a:t>5/17/2022</a:t>
             </a:fld>
             <a:endParaRPr lang="en-US"/>
           </a:p>
@@ -2389,13 +4849,7 @@
       </p:sp>
       <p:sp>
         <p:nvSpPr>
-          <p:cNvPr id="6" name="Footer Placeholder 5">
-            <a:extLst>
-              <a:ext uri="{FF2B5EF4-FFF2-40B4-BE49-F238E27FC236}">
-                <a16:creationId xmlns:a16="http://schemas.microsoft.com/office/drawing/2014/main" id="{A64D65FA-4CDF-4873-E06D-C9FD3C402F4C}"/>
-              </a:ext>
-            </a:extLst>
-          </p:cNvPr>
+          <p:cNvPr id="6" name="Footer Placeholder 5"/>
           <p:cNvSpPr>
             <a:spLocks noGrp="1"/>
           </p:cNvSpPr>
@@ -2414,13 +4868,7 @@
       </p:sp>
       <p:sp>
         <p:nvSpPr>
-          <p:cNvPr id="7" name="Slide Number Placeholder 6">
-            <a:extLst>
-              <a:ext uri="{FF2B5EF4-FFF2-40B4-BE49-F238E27FC236}">
-                <a16:creationId xmlns:a16="http://schemas.microsoft.com/office/drawing/2014/main" id="{1C04E984-1165-7114-EDB7-B1226FF6D420}"/>
-              </a:ext>
-            </a:extLst>
-          </p:cNvPr>
+          <p:cNvPr id="7" name="Slide Number Placeholder 6"/>
           <p:cNvSpPr>
             <a:spLocks noGrp="1"/>
           </p:cNvSpPr>
@@ -2444,7 +4892,7 @@
     </p:spTree>
     <p:extLst>
       <p:ext uri="{BB962C8B-B14F-4D97-AF65-F5344CB8AC3E}">
-        <p14:creationId xmlns:p14="http://schemas.microsoft.com/office/powerpoint/2010/main" val="3116542921"/>
+        <p14:creationId xmlns:p14="http://schemas.microsoft.com/office/powerpoint/2010/main" val="3329743356"/>
       </p:ext>
     </p:extLst>
   </p:cSld>
@@ -2473,13 +4921,7 @@
       </p:grpSpPr>
       <p:sp>
         <p:nvSpPr>
-          <p:cNvPr id="2" name="Title 1">
-            <a:extLst>
-              <a:ext uri="{FF2B5EF4-FFF2-40B4-BE49-F238E27FC236}">
-                <a16:creationId xmlns:a16="http://schemas.microsoft.com/office/drawing/2014/main" id="{AECC18AD-FB24-765E-78D8-D142B7099566}"/>
-              </a:ext>
-            </a:extLst>
-          </p:cNvPr>
+          <p:cNvPr id="2" name="Title 1"/>
           <p:cNvSpPr>
             <a:spLocks noGrp="1"/>
           </p:cNvSpPr>
@@ -2489,14 +4931,14 @@
         </p:nvSpPr>
         <p:spPr>
           <a:xfrm>
-            <a:off x="839788" y="457200"/>
-            <a:ext cx="3932237" cy="1600200"/>
+            <a:off x="685800" y="1524000"/>
+            <a:ext cx="6873240" cy="1600200"/>
           </a:xfrm>
         </p:spPr>
         <p:txBody>
           <a:bodyPr anchor="b"/>
           <a:lstStyle>
-            <a:lvl1pPr>
+            <a:lvl1pPr algn="l">
               <a:defRPr sz="3200"/>
             </a:lvl1pPr>
           </a:lstStyle>
@@ -2505,20 +4947,15 @@
               <a:rPr lang="en-US"/>
               <a:t>Click to edit Master title style</a:t>
             </a:r>
-          </a:p>
-        </p:txBody>
-      </p:sp>
-      <p:sp>
-        <p:nvSpPr>
-          <p:cNvPr id="3" name="Picture Placeholder 2">
-            <a:extLst>
-              <a:ext uri="{FF2B5EF4-FFF2-40B4-BE49-F238E27FC236}">
-                <a16:creationId xmlns:a16="http://schemas.microsoft.com/office/drawing/2014/main" id="{821CDD7A-DA3A-E1B8-DEC4-B346F53A4A32}"/>
-              </a:ext>
-            </a:extLst>
-          </p:cNvPr>
-          <p:cNvSpPr>
-            <a:spLocks noGrp="1"/>
+            <a:endParaRPr lang="en-US" dirty="0"/>
+          </a:p>
+        </p:txBody>
+      </p:sp>
+      <p:sp>
+        <p:nvSpPr>
+          <p:cNvPr id="3" name="Picture Placeholder 2"/>
+          <p:cNvSpPr>
+            <a:spLocks noGrp="1" noChangeAspect="1"/>
           </p:cNvSpPr>
           <p:nvPr>
             <p:ph type="pic" idx="1"/>
@@ -2526,12 +4963,12 @@
         </p:nvSpPr>
         <p:spPr>
           <a:xfrm>
-            <a:off x="5183188" y="987425"/>
-            <a:ext cx="6172200" cy="4873625"/>
-          </a:xfrm>
-        </p:spPr>
-        <p:txBody>
-          <a:bodyPr/>
+            <a:off x="7861238" y="751241"/>
+            <a:ext cx="3644962" cy="5467443"/>
+          </a:xfrm>
+        </p:spPr>
+        <p:txBody>
+          <a:bodyPr anchor="t"/>
           <a:lstStyle>
             <a:lvl1pPr marL="0" indent="0">
               <a:buNone/>
@@ -2571,19 +5008,17 @@
             </a:lvl9pPr>
           </a:lstStyle>
           <a:p>
-            <a:endParaRPr lang="en-US"/>
-          </a:p>
-        </p:txBody>
-      </p:sp>
-      <p:sp>
-        <p:nvSpPr>
-          <p:cNvPr id="4" name="Text Placeholder 3">
-            <a:extLst>
-              <a:ext uri="{FF2B5EF4-FFF2-40B4-BE49-F238E27FC236}">
-                <a16:creationId xmlns:a16="http://schemas.microsoft.com/office/drawing/2014/main" id="{8224FBB4-CED8-2B6B-7780-A3193904496C}"/>
-              </a:ext>
-            </a:extLst>
-          </p:cNvPr>
+            <a:r>
+              <a:rPr lang="en-US"/>
+              <a:t>Click icon to add picture</a:t>
+            </a:r>
+            <a:endParaRPr lang="en-US" dirty="0"/>
+          </a:p>
+        </p:txBody>
+      </p:sp>
+      <p:sp>
+        <p:nvSpPr>
+          <p:cNvPr id="4" name="Text Placeholder 3"/>
           <p:cNvSpPr>
             <a:spLocks noGrp="1"/>
           </p:cNvSpPr>
@@ -2593,8 +5028,8 @@
         </p:nvSpPr>
         <p:spPr>
           <a:xfrm>
-            <a:off x="839788" y="2057400"/>
-            <a:ext cx="3932237" cy="3811588"/>
+            <a:off x="685800" y="3124199"/>
+            <a:ext cx="6873240" cy="3094485"/>
           </a:xfrm>
         </p:spPr>
         <p:txBody>
@@ -2648,13 +5083,7 @@
       </p:sp>
       <p:sp>
         <p:nvSpPr>
-          <p:cNvPr id="5" name="Date Placeholder 4">
-            <a:extLst>
-              <a:ext uri="{FF2B5EF4-FFF2-40B4-BE49-F238E27FC236}">
-                <a16:creationId xmlns:a16="http://schemas.microsoft.com/office/drawing/2014/main" id="{8CA34E59-5EBD-425D-33C2-2F83923BC1C2}"/>
-              </a:ext>
-            </a:extLst>
-          </p:cNvPr>
+          <p:cNvPr id="5" name="Date Placeholder 4"/>
           <p:cNvSpPr>
             <a:spLocks noGrp="1"/>
           </p:cNvSpPr>
@@ -2669,7 +5098,7 @@
           <a:p>
             <a:fld id="{70C62A42-C283-41B3-99EF-D3E8EE93DF1C}" type="datetimeFigureOut">
               <a:rPr lang="en-US" smtClean="0"/>
-              <a:t>5/13/2022</a:t>
+              <a:t>5/17/2022</a:t>
             </a:fld>
             <a:endParaRPr lang="en-US"/>
           </a:p>
@@ -2677,13 +5106,7 @@
       </p:sp>
       <p:sp>
         <p:nvSpPr>
-          <p:cNvPr id="6" name="Footer Placeholder 5">
-            <a:extLst>
-              <a:ext uri="{FF2B5EF4-FFF2-40B4-BE49-F238E27FC236}">
-                <a16:creationId xmlns:a16="http://schemas.microsoft.com/office/drawing/2014/main" id="{D5E6AB39-48B9-3E18-0114-885010C4702F}"/>
-              </a:ext>
-            </a:extLst>
-          </p:cNvPr>
+          <p:cNvPr id="6" name="Footer Placeholder 5"/>
           <p:cNvSpPr>
             <a:spLocks noGrp="1"/>
           </p:cNvSpPr>
@@ -2702,13 +5125,7 @@
       </p:sp>
       <p:sp>
         <p:nvSpPr>
-          <p:cNvPr id="7" name="Slide Number Placeholder 6">
-            <a:extLst>
-              <a:ext uri="{FF2B5EF4-FFF2-40B4-BE49-F238E27FC236}">
-                <a16:creationId xmlns:a16="http://schemas.microsoft.com/office/drawing/2014/main" id="{580B060E-5A59-BB5C-C32A-5E12BE876D89}"/>
-              </a:ext>
-            </a:extLst>
-          </p:cNvPr>
+          <p:cNvPr id="7" name="Slide Number Placeholder 6"/>
           <p:cNvSpPr>
             <a:spLocks noGrp="1"/>
           </p:cNvSpPr>
@@ -2732,7 +5149,7 @@
     </p:spTree>
     <p:extLst>
       <p:ext uri="{BB962C8B-B14F-4D97-AF65-F5344CB8AC3E}">
-        <p14:creationId xmlns:p14="http://schemas.microsoft.com/office/powerpoint/2010/main" val="1526257695"/>
+        <p14:creationId xmlns:p14="http://schemas.microsoft.com/office/powerpoint/2010/main" val="4179166164"/>
       </p:ext>
     </p:extLst>
   </p:cSld>
@@ -2764,31 +5181,55 @@
           <a:chExt cx="0" cy="0"/>
         </a:xfrm>
       </p:grpSpPr>
-      <p:sp>
-        <p:nvSpPr>
-          <p:cNvPr id="2" name="Title Placeholder 1">
+      <p:pic>
+        <p:nvPicPr>
+          <p:cNvPr id="8" name="Picture 7" descr="C2-HD-TOP.png"/>
+          <p:cNvPicPr>
+            <a:picLocks noChangeAspect="1"/>
+          </p:cNvPicPr>
+          <p:nvPr/>
+        </p:nvPicPr>
+        <p:blipFill>
+          <a:blip r:embed="rId19">
             <a:extLst>
-              <a:ext uri="{FF2B5EF4-FFF2-40B4-BE49-F238E27FC236}">
-                <a16:creationId xmlns:a16="http://schemas.microsoft.com/office/drawing/2014/main" id="{48D67C68-076D-BD72-A1D9-FE8BC713A00E}"/>
+              <a:ext uri="{28A0092B-C50C-407E-A947-70E740481C1C}">
+                <a14:useLocalDpi xmlns:a14="http://schemas.microsoft.com/office/drawing/2010/main" val="0"/>
               </a:ext>
             </a:extLst>
-          </p:cNvPr>
-          <p:cNvSpPr>
-            <a:spLocks noGrp="1"/>
-          </p:cNvSpPr>
-          <p:nvPr>
-            <p:ph type="title"/>
-          </p:nvPr>
-        </p:nvSpPr>
-        <p:spPr>
-          <a:xfrm>
-            <a:off x="838200" y="365125"/>
-            <a:ext cx="10515600" cy="1325563"/>
+          </a:blip>
+          <a:stretch>
+            <a:fillRect/>
+          </a:stretch>
+        </p:blipFill>
+        <p:spPr>
+          <a:xfrm>
+            <a:off x="0" y="0"/>
+            <a:ext cx="12192000" cy="1441450"/>
           </a:xfrm>
           <a:prstGeom prst="rect">
             <a:avLst/>
           </a:prstGeom>
         </p:spPr>
+      </p:pic>
+      <p:sp>
+        <p:nvSpPr>
+          <p:cNvPr id="2" name="Title Placeholder 1"/>
+          <p:cNvSpPr>
+            <a:spLocks noGrp="1"/>
+          </p:cNvSpPr>
+          <p:nvPr>
+            <p:ph type="title"/>
+          </p:nvPr>
+        </p:nvSpPr>
+        <p:spPr>
+          <a:xfrm>
+            <a:off x="2895600" y="764373"/>
+            <a:ext cx="8610600" cy="1293028"/>
+          </a:xfrm>
+          <a:prstGeom prst="rect">
+            <a:avLst/>
+          </a:prstGeom>
+        </p:spPr>
         <p:txBody>
           <a:bodyPr vert="horz" lIns="91440" tIns="45720" rIns="91440" bIns="45720" rtlCol="0" anchor="ctr">
             <a:normAutofit/>
@@ -2799,18 +5240,13 @@
               <a:rPr lang="en-US"/>
               <a:t>Click to edit Master title style</a:t>
             </a:r>
-          </a:p>
-        </p:txBody>
-      </p:sp>
-      <p:sp>
-        <p:nvSpPr>
-          <p:cNvPr id="3" name="Text Placeholder 2">
-            <a:extLst>
-              <a:ext uri="{FF2B5EF4-FFF2-40B4-BE49-F238E27FC236}">
-                <a16:creationId xmlns:a16="http://schemas.microsoft.com/office/drawing/2014/main" id="{DCDB900C-DEFB-0D73-15A7-FE3540E9E84A}"/>
-              </a:ext>
-            </a:extLst>
-          </p:cNvPr>
+            <a:endParaRPr lang="en-US" dirty="0"/>
+          </a:p>
+        </p:txBody>
+      </p:sp>
+      <p:sp>
+        <p:nvSpPr>
+          <p:cNvPr id="3" name="Text Placeholder 2"/>
           <p:cNvSpPr>
             <a:spLocks noGrp="1"/>
           </p:cNvSpPr>
@@ -2820,8 +5256,8 @@
         </p:nvSpPr>
         <p:spPr>
           <a:xfrm>
-            <a:off x="838200" y="1825625"/>
-            <a:ext cx="10515600" cy="4351338"/>
+            <a:off x="685800" y="2194560"/>
+            <a:ext cx="10820400" cy="4024125"/>
           </a:xfrm>
           <a:prstGeom prst="rect">
             <a:avLst/>
@@ -2866,18 +5302,13 @@
               <a:rPr lang="en-US"/>
               <a:t>Fifth level</a:t>
             </a:r>
-          </a:p>
-        </p:txBody>
-      </p:sp>
-      <p:sp>
-        <p:nvSpPr>
-          <p:cNvPr id="4" name="Date Placeholder 3">
-            <a:extLst>
-              <a:ext uri="{FF2B5EF4-FFF2-40B4-BE49-F238E27FC236}">
-                <a16:creationId xmlns:a16="http://schemas.microsoft.com/office/drawing/2014/main" id="{8DF1C983-F0C3-24B1-D1CB-825518E543F6}"/>
-              </a:ext>
-            </a:extLst>
-          </p:cNvPr>
+            <a:endParaRPr lang="en-US" dirty="0"/>
+          </a:p>
+        </p:txBody>
+      </p:sp>
+      <p:sp>
+        <p:nvSpPr>
+          <p:cNvPr id="4" name="Date Placeholder 3"/>
           <p:cNvSpPr>
             <a:spLocks noGrp="1"/>
           </p:cNvSpPr>
@@ -2887,8 +5318,8 @@
         </p:nvSpPr>
         <p:spPr>
           <a:xfrm>
-            <a:off x="838200" y="6356350"/>
-            <a:ext cx="2743200" cy="365125"/>
+            <a:off x="8595360" y="6356350"/>
+            <a:ext cx="2910840" cy="365125"/>
           </a:xfrm>
           <a:prstGeom prst="rect">
             <a:avLst/>
@@ -2897,8 +5328,8 @@
         <p:txBody>
           <a:bodyPr vert="horz" lIns="91440" tIns="45720" rIns="91440" bIns="45720" rtlCol="0" anchor="ctr"/>
           <a:lstStyle>
-            <a:lvl1pPr algn="l">
-              <a:defRPr sz="1200">
+            <a:lvl1pPr algn="r">
+              <a:defRPr sz="1050">
                 <a:solidFill>
                   <a:schemeClr val="tx1">
                     <a:tint val="75000"/>
@@ -2910,7 +5341,7 @@
           <a:p>
             <a:fld id="{70C62A42-C283-41B3-99EF-D3E8EE93DF1C}" type="datetimeFigureOut">
               <a:rPr lang="en-US" smtClean="0"/>
-              <a:t>5/13/2022</a:t>
+              <a:t>5/17/2022</a:t>
             </a:fld>
             <a:endParaRPr lang="en-US"/>
           </a:p>
@@ -2918,13 +5349,7 @@
       </p:sp>
       <p:sp>
         <p:nvSpPr>
-          <p:cNvPr id="5" name="Footer Placeholder 4">
-            <a:extLst>
-              <a:ext uri="{FF2B5EF4-FFF2-40B4-BE49-F238E27FC236}">
-                <a16:creationId xmlns:a16="http://schemas.microsoft.com/office/drawing/2014/main" id="{75F20605-D627-0979-8FA1-3D33DBA155EC}"/>
-              </a:ext>
-            </a:extLst>
-          </p:cNvPr>
+          <p:cNvPr id="5" name="Footer Placeholder 4"/>
           <p:cNvSpPr>
             <a:spLocks noGrp="1"/>
           </p:cNvSpPr>
@@ -2934,8 +5359,8 @@
         </p:nvSpPr>
         <p:spPr>
           <a:xfrm>
-            <a:off x="4038600" y="6356350"/>
-            <a:ext cx="4114800" cy="365125"/>
+            <a:off x="685800" y="6355845"/>
+            <a:ext cx="7772400" cy="365125"/>
           </a:xfrm>
           <a:prstGeom prst="rect">
             <a:avLst/>
@@ -2944,8 +5369,8 @@
         <p:txBody>
           <a:bodyPr vert="horz" lIns="91440" tIns="45720" rIns="91440" bIns="45720" rtlCol="0" anchor="ctr"/>
           <a:lstStyle>
-            <a:lvl1pPr algn="ctr">
-              <a:defRPr sz="1200">
+            <a:lvl1pPr algn="l">
+              <a:defRPr sz="1050">
                 <a:solidFill>
                   <a:schemeClr val="tx1">
                     <a:tint val="75000"/>
@@ -2961,13 +5386,7 @@
       </p:sp>
       <p:sp>
         <p:nvSpPr>
-          <p:cNvPr id="6" name="Slide Number Placeholder 5">
-            <a:extLst>
-              <a:ext uri="{FF2B5EF4-FFF2-40B4-BE49-F238E27FC236}">
-                <a16:creationId xmlns:a16="http://schemas.microsoft.com/office/drawing/2014/main" id="{B231F9B6-E67B-AC06-64D1-4ED34574ADBE}"/>
-              </a:ext>
-            </a:extLst>
-          </p:cNvPr>
+          <p:cNvPr id="6" name="Slide Number Placeholder 5"/>
           <p:cNvSpPr>
             <a:spLocks noGrp="1"/>
           </p:cNvSpPr>
@@ -2977,7 +5396,7 @@
         </p:nvSpPr>
         <p:spPr>
           <a:xfrm>
-            <a:off x="8610600" y="6356350"/>
+            <a:off x="8763000" y="381000"/>
             <a:ext cx="2743200" cy="365125"/>
           </a:xfrm>
           <a:prstGeom prst="rect">
@@ -2988,7 +5407,7 @@
           <a:bodyPr vert="horz" lIns="91440" tIns="45720" rIns="91440" bIns="45720" rtlCol="0" anchor="ctr"/>
           <a:lstStyle>
             <a:lvl1pPr algn="r">
-              <a:defRPr sz="1200">
+              <a:defRPr sz="1050">
                 <a:solidFill>
                   <a:schemeClr val="tx1">
                     <a:tint val="75000"/>
@@ -3009,27 +5428,33 @@
     </p:spTree>
     <p:extLst>
       <p:ext uri="{BB962C8B-B14F-4D97-AF65-F5344CB8AC3E}">
-        <p14:creationId xmlns:p14="http://schemas.microsoft.com/office/powerpoint/2010/main" val="3271480931"/>
+        <p14:creationId xmlns:p14="http://schemas.microsoft.com/office/powerpoint/2010/main" val="3043591964"/>
       </p:ext>
     </p:extLst>
   </p:cSld>
   <p:clrMap bg1="lt1" tx1="dk1" bg2="lt2" tx2="dk2" accent1="accent1" accent2="accent2" accent3="accent3" accent4="accent4" accent5="accent5" accent6="accent6" hlink="hlink" folHlink="folHlink"/>
   <p:sldLayoutIdLst>
-    <p:sldLayoutId id="2147483649" r:id="rId1"/>
-    <p:sldLayoutId id="2147483650" r:id="rId2"/>
-    <p:sldLayoutId id="2147483651" r:id="rId3"/>
-    <p:sldLayoutId id="2147483652" r:id="rId4"/>
-    <p:sldLayoutId id="2147483653" r:id="rId5"/>
-    <p:sldLayoutId id="2147483654" r:id="rId6"/>
-    <p:sldLayoutId id="2147483655" r:id="rId7"/>
-    <p:sldLayoutId id="2147483656" r:id="rId8"/>
-    <p:sldLayoutId id="2147483657" r:id="rId9"/>
-    <p:sldLayoutId id="2147483658" r:id="rId10"/>
-    <p:sldLayoutId id="2147483659" r:id="rId11"/>
+    <p:sldLayoutId id="2147483679" r:id="rId1"/>
+    <p:sldLayoutId id="2147483680" r:id="rId2"/>
+    <p:sldLayoutId id="2147483681" r:id="rId3"/>
+    <p:sldLayoutId id="2147483682" r:id="rId4"/>
+    <p:sldLayoutId id="2147483683" r:id="rId5"/>
+    <p:sldLayoutId id="2147483684" r:id="rId6"/>
+    <p:sldLayoutId id="2147483685" r:id="rId7"/>
+    <p:sldLayoutId id="2147483686" r:id="rId8"/>
+    <p:sldLayoutId id="2147483687" r:id="rId9"/>
+    <p:sldLayoutId id="2147483688" r:id="rId10"/>
+    <p:sldLayoutId id="2147483689" r:id="rId11"/>
+    <p:sldLayoutId id="2147483690" r:id="rId12"/>
+    <p:sldLayoutId id="2147483691" r:id="rId13"/>
+    <p:sldLayoutId id="2147483692" r:id="rId14"/>
+    <p:sldLayoutId id="2147483693" r:id="rId15"/>
+    <p:sldLayoutId id="2147483694" r:id="rId16"/>
+    <p:sldLayoutId id="2147483695" r:id="rId17"/>
   </p:sldLayoutIdLst>
   <p:txStyles>
     <p:titleStyle>
-      <a:lvl1pPr algn="l" defTabSz="914400" rtl="0" eaLnBrk="1" latinLnBrk="0" hangingPunct="1">
+      <a:lvl1pPr algn="r" defTabSz="914400" rtl="0" eaLnBrk="1" latinLnBrk="0" hangingPunct="1">
         <a:lnSpc>
           <a:spcPct val="90000"/>
         </a:lnSpc>
@@ -3037,7 +5462,7 @@
           <a:spcPct val="0"/>
         </a:spcBef>
         <a:buNone/>
-        <a:defRPr sz="4400" kern="1200">
+        <a:defRPr sz="4000" kern="1200" cap="all" baseline="0">
           <a:solidFill>
             <a:schemeClr val="tx1"/>
           </a:solidFill>
@@ -3057,7 +5482,7 @@
         </a:spcBef>
         <a:buFont typeface="Arial" panose="020B0604020202020204" pitchFamily="34" charset="0"/>
         <a:buChar char="•"/>
-        <a:defRPr sz="2800" kern="1200">
+        <a:defRPr sz="2200" kern="1200">
           <a:solidFill>
             <a:schemeClr val="tx1"/>
           </a:solidFill>
@@ -3075,7 +5500,7 @@
         </a:spcBef>
         <a:buFont typeface="Arial" panose="020B0604020202020204" pitchFamily="34" charset="0"/>
         <a:buChar char="•"/>
-        <a:defRPr sz="2400" kern="1200">
+        <a:defRPr sz="2000" kern="1200">
           <a:solidFill>
             <a:schemeClr val="tx1"/>
           </a:solidFill>
@@ -3093,7 +5518,7 @@
         </a:spcBef>
         <a:buFont typeface="Arial" panose="020B0604020202020204" pitchFamily="34" charset="0"/>
         <a:buChar char="•"/>
-        <a:defRPr sz="2000" kern="1200">
+        <a:defRPr sz="1800" kern="1200">
           <a:solidFill>
             <a:schemeClr val="tx1"/>
           </a:solidFill>
@@ -3111,7 +5536,7 @@
         </a:spcBef>
         <a:buFont typeface="Arial" panose="020B0604020202020204" pitchFamily="34" charset="0"/>
         <a:buChar char="•"/>
-        <a:defRPr sz="1800" kern="1200">
+        <a:defRPr sz="1600" kern="1200">
           <a:solidFill>
             <a:schemeClr val="tx1"/>
           </a:solidFill>
@@ -3129,7 +5554,7 @@
         </a:spcBef>
         <a:buFont typeface="Arial" panose="020B0604020202020204" pitchFamily="34" charset="0"/>
         <a:buChar char="•"/>
-        <a:defRPr sz="1800" kern="1200">
+        <a:defRPr sz="1600" kern="1200">
           <a:solidFill>
             <a:schemeClr val="tx1"/>
           </a:solidFill>
@@ -3147,7 +5572,7 @@
         </a:spcBef>
         <a:buFont typeface="Arial" panose="020B0604020202020204" pitchFamily="34" charset="0"/>
         <a:buChar char="•"/>
-        <a:defRPr sz="1800" kern="1200">
+        <a:defRPr sz="1600" kern="1200">
           <a:solidFill>
             <a:schemeClr val="tx1"/>
           </a:solidFill>
@@ -3165,7 +5590,7 @@
         </a:spcBef>
         <a:buFont typeface="Arial" panose="020B0604020202020204" pitchFamily="34" charset="0"/>
         <a:buChar char="•"/>
-        <a:defRPr sz="1800" kern="1200">
+        <a:defRPr sz="1600" kern="1200">
           <a:solidFill>
             <a:schemeClr val="tx1"/>
           </a:solidFill>
@@ -3183,7 +5608,7 @@
         </a:spcBef>
         <a:buFont typeface="Arial" panose="020B0604020202020204" pitchFamily="34" charset="0"/>
         <a:buChar char="•"/>
-        <a:defRPr sz="1800" kern="1200">
+        <a:defRPr sz="1600" kern="1200">
           <a:solidFill>
             <a:schemeClr val="tx1"/>
           </a:solidFill>
@@ -3201,7 +5626,7 @@
         </a:spcBef>
         <a:buFont typeface="Arial" panose="020B0604020202020204" pitchFamily="34" charset="0"/>
         <a:buChar char="•"/>
-        <a:defRPr sz="1800" kern="1200">
+        <a:defRPr sz="1600" kern="1200">
           <a:solidFill>
             <a:schemeClr val="tx1"/>
           </a:solidFill>
@@ -3313,6 +5738,14 @@
 <file path=ppt/slides/slide1.xml><?xml version="1.0" encoding="utf-8"?>
 <p:sld xmlns:a="http://schemas.openxmlformats.org/drawingml/2006/main" xmlns:r="http://schemas.openxmlformats.org/officeDocument/2006/relationships" xmlns:p="http://schemas.openxmlformats.org/presentationml/2006/main">
   <p:cSld>
+    <p:bg>
+      <p:bgPr>
+        <a:solidFill>
+          <a:schemeClr val="bg1"/>
+        </a:solidFill>
+        <a:effectLst/>
+      </p:bgPr>
+    </p:bg>
     <p:spTree>
       <p:nvGrpSpPr>
         <p:cNvPr id="1" name=""/>
@@ -3343,13 +5776,26 @@
             <p:ph type="ctrTitle"/>
           </p:nvPr>
         </p:nvSpPr>
-        <p:spPr/>
-        <p:txBody>
-          <a:bodyPr/>
-          <a:lstStyle/>
-          <a:p>
-            <a:r>
-              <a:rPr lang="en-US" sz="1800" b="1" dirty="0">
+        <p:spPr>
+          <a:xfrm>
+            <a:off x="636696" y="643464"/>
+            <a:ext cx="3761964" cy="3273061"/>
+          </a:xfrm>
+          <a:noFill/>
+          <a:ln w="19050">
+            <a:noFill/>
+            <a:prstDash val="dash"/>
+          </a:ln>
+        </p:spPr>
+        <p:txBody>
+          <a:bodyPr>
+            <a:normAutofit/>
+          </a:bodyPr>
+          <a:lstStyle/>
+          <a:p>
+            <a:pPr algn="r"/>
+            <a:r>
+              <a:rPr lang="en-US" sz="3700" b="1">
                 <a:effectLst/>
                 <a:latin typeface="Times New Roman" panose="02020603050405020304" pitchFamily="18" charset="0"/>
                 <a:ea typeface="Calibri" panose="020F0502020204030204" pitchFamily="34" charset="0"/>
@@ -3358,14 +5804,14 @@
               <a:t>Robotics And Employment Is Correct</a:t>
             </a:r>
             <a:br>
-              <a:rPr lang="en-US" sz="1800" dirty="0">
+              <a:rPr lang="en-US" sz="3700">
                 <a:effectLst/>
                 <a:latin typeface="Calibri" panose="020F0502020204030204" pitchFamily="34" charset="0"/>
                 <a:ea typeface="Calibri" panose="020F0502020204030204" pitchFamily="34" charset="0"/>
                 <a:cs typeface="Arial" panose="020B0604020202020204" pitchFamily="34" charset="0"/>
               </a:rPr>
             </a:br>
-            <a:endParaRPr lang="en-US" dirty="0"/>
+            <a:endParaRPr lang="en-US" sz="3700"/>
           </a:p>
         </p:txBody>
       </p:sp>
@@ -3385,15 +5831,24 @@
             <p:ph type="subTitle" idx="1"/>
           </p:nvPr>
         </p:nvSpPr>
-        <p:spPr/>
-        <p:txBody>
-          <a:bodyPr/>
-          <a:lstStyle/>
-          <a:p>
-            <a:pPr marL="0" marR="0" algn="ctr">
-              <a:lnSpc>
-                <a:spcPct val="107000"/>
-              </a:lnSpc>
+        <p:spPr>
+          <a:xfrm>
+            <a:off x="636695" y="3923151"/>
+            <a:ext cx="3761965" cy="2293885"/>
+          </a:xfrm>
+          <a:noFill/>
+          <a:ln w="19050">
+            <a:noFill/>
+            <a:prstDash val="dash"/>
+          </a:ln>
+        </p:spPr>
+        <p:txBody>
+          <a:bodyPr>
+            <a:normAutofit/>
+          </a:bodyPr>
+          <a:lstStyle/>
+          <a:p>
+            <a:pPr marL="0" marR="0" algn="r">
               <a:spcBef>
                 <a:spcPts val="0"/>
               </a:spcBef>
@@ -3402,15 +5857,15 @@
               </a:spcAft>
             </a:pPr>
             <a:r>
-              <a:rPr lang="en-US" sz="1800" dirty="0">
+              <a:rPr lang="en-US">
                 <a:effectLst/>
                 <a:latin typeface="Times New Roman" panose="02020603050405020304" pitchFamily="18" charset="0"/>
                 <a:ea typeface="Calibri" panose="020F0502020204030204" pitchFamily="34" charset="0"/>
                 <a:cs typeface="Arial" panose="020B0604020202020204" pitchFamily="34" charset="0"/>
               </a:rPr>
-              <a:t>Group members: </a:t>
-            </a:r>
-            <a:endParaRPr lang="en-US" sz="1800" dirty="0">
+              <a:t>Khalil Ibrahim Alsulaimani 439007816</a:t>
+            </a:r>
+            <a:endParaRPr lang="en-US">
               <a:effectLst/>
               <a:latin typeface="Calibri" panose="020F0502020204030204" pitchFamily="34" charset="0"/>
               <a:ea typeface="Calibri" panose="020F0502020204030204" pitchFamily="34" charset="0"/>
@@ -3418,10 +5873,7 @@
             </a:endParaRPr>
           </a:p>
           <a:p>
-            <a:pPr marL="0" marR="0" algn="ctr">
-              <a:lnSpc>
-                <a:spcPct val="107000"/>
-              </a:lnSpc>
+            <a:pPr marL="0" marR="0" algn="r">
               <a:spcBef>
                 <a:spcPts val="0"/>
               </a:spcBef>
@@ -3430,15 +5882,15 @@
               </a:spcAft>
             </a:pPr>
             <a:r>
-              <a:rPr lang="en-US" sz="1800" dirty="0">
+              <a:rPr lang="en-US">
                 <a:effectLst/>
                 <a:latin typeface="Times New Roman" panose="02020603050405020304" pitchFamily="18" charset="0"/>
                 <a:ea typeface="Calibri" panose="020F0502020204030204" pitchFamily="34" charset="0"/>
                 <a:cs typeface="Arial" panose="020B0604020202020204" pitchFamily="34" charset="0"/>
               </a:rPr>
-              <a:t>Khalil Ibrahim Alsulaimani 439007816</a:t>
-            </a:r>
-            <a:endParaRPr lang="en-US" sz="1800" dirty="0">
+              <a:t>Mosab Mohammed albishi 439008089</a:t>
+            </a:r>
+            <a:endParaRPr lang="en-US">
               <a:effectLst/>
               <a:latin typeface="Calibri" panose="020F0502020204030204" pitchFamily="34" charset="0"/>
               <a:ea typeface="Calibri" panose="020F0502020204030204" pitchFamily="34" charset="0"/>
@@ -3446,10 +5898,7 @@
             </a:endParaRPr>
           </a:p>
           <a:p>
-            <a:pPr marL="0" marR="0" algn="ctr">
-              <a:lnSpc>
-                <a:spcPct val="107000"/>
-              </a:lnSpc>
+            <a:pPr marL="0" marR="0" algn="r">
               <a:spcBef>
                 <a:spcPts val="0"/>
               </a:spcBef>
@@ -3458,15 +5907,15 @@
               </a:spcAft>
             </a:pPr>
             <a:r>
-              <a:rPr lang="en-US" sz="1800" dirty="0">
+              <a:rPr lang="en-US">
                 <a:effectLst/>
                 <a:latin typeface="Times New Roman" panose="02020603050405020304" pitchFamily="18" charset="0"/>
                 <a:ea typeface="Calibri" panose="020F0502020204030204" pitchFamily="34" charset="0"/>
                 <a:cs typeface="Arial" panose="020B0604020202020204" pitchFamily="34" charset="0"/>
               </a:rPr>
-              <a:t>Mosab Mohammed albishi 439008089</a:t>
-            </a:r>
-            <a:endParaRPr lang="en-US" sz="1800" dirty="0">
+              <a:t>Mohammed Ghazi Ahmed 439003899</a:t>
+            </a:r>
+            <a:endParaRPr lang="en-US">
               <a:effectLst/>
               <a:latin typeface="Calibri" panose="020F0502020204030204" pitchFamily="34" charset="0"/>
               <a:ea typeface="Calibri" panose="020F0502020204030204" pitchFamily="34" charset="0"/>
@@ -3474,10 +5923,50 @@
             </a:endParaRPr>
           </a:p>
           <a:p>
-            <a:endParaRPr lang="en-US" dirty="0"/>
-          </a:p>
-        </p:txBody>
-      </p:sp>
+            <a:pPr algn="r"/>
+            <a:endParaRPr lang="en-US"/>
+          </a:p>
+        </p:txBody>
+      </p:sp>
+      <p:pic>
+        <p:nvPicPr>
+          <p:cNvPr id="7" name="Graphic 6" descr="Robot">
+            <a:extLst>
+              <a:ext uri="{FF2B5EF4-FFF2-40B4-BE49-F238E27FC236}">
+                <a16:creationId xmlns:a16="http://schemas.microsoft.com/office/drawing/2014/main" id="{45A766E5-39CE-020F-8FE1-7777F507D415}"/>
+              </a:ext>
+            </a:extLst>
+          </p:cNvPr>
+          <p:cNvPicPr>
+            <a:picLocks noChangeAspect="1"/>
+          </p:cNvPicPr>
+          <p:nvPr/>
+        </p:nvPicPr>
+        <p:blipFill>
+          <a:blip r:embed="rId2">
+            <a:extLst>
+              <a:ext uri="{28A0092B-C50C-407E-A947-70E740481C1C}">
+                <a14:useLocalDpi xmlns:a14="http://schemas.microsoft.com/office/drawing/2010/main" val="0"/>
+              </a:ext>
+              <a:ext uri="{96DAC541-7B7A-43D3-8B79-37D633B846F1}">
+                <asvg:svgBlip xmlns:asvg="http://schemas.microsoft.com/office/drawing/2016/SVG/main" r:embed="rId3"/>
+              </a:ext>
+            </a:extLst>
+          </a:blip>
+          <a:stretch>
+            <a:fillRect/>
+          </a:stretch>
+        </p:blipFill>
+        <p:spPr>
+          <a:xfrm>
+            <a:off x="5618480" y="524562"/>
+            <a:ext cx="5115048" cy="5115048"/>
+          </a:xfrm>
+          <a:prstGeom prst="rect">
+            <a:avLst/>
+          </a:prstGeom>
+        </p:spPr>
+      </p:pic>
     </p:spTree>
     <p:extLst>
       <p:ext uri="{BB962C8B-B14F-4D97-AF65-F5344CB8AC3E}">
@@ -3557,7 +6046,84 @@
           <a:bodyPr/>
           <a:lstStyle/>
           <a:p>
-            <a:endParaRPr lang="en-US"/>
+            <a:pPr marL="0" marR="0" indent="457200">
+              <a:lnSpc>
+                <a:spcPct val="107000"/>
+              </a:lnSpc>
+              <a:spcBef>
+                <a:spcPts val="0"/>
+              </a:spcBef>
+              <a:spcAft>
+                <a:spcPts val="800"/>
+              </a:spcAft>
+            </a:pPr>
+            <a:r>
+              <a:rPr lang="en-US" sz="1800" dirty="0">
+                <a:effectLst/>
+                <a:latin typeface="Times New Roman" panose="02020603050405020304" pitchFamily="18" charset="0"/>
+                <a:ea typeface="Calibri" panose="020F0502020204030204" pitchFamily="34" charset="0"/>
+                <a:cs typeface="Arial" panose="020B0604020202020204" pitchFamily="34" charset="0"/>
+              </a:rPr>
+              <a:t>In this presentation  we will argue that certain tasks should not be fully dominated by robots for their lack of optical recognition  requirements paired with lack of sensitive muscle control which robots lack against humans.</a:t>
+            </a:r>
+            <a:endParaRPr lang="en-US" sz="1800" dirty="0">
+              <a:effectLst/>
+              <a:latin typeface="Calibri" panose="020F0502020204030204" pitchFamily="34" charset="0"/>
+              <a:ea typeface="Calibri" panose="020F0502020204030204" pitchFamily="34" charset="0"/>
+              <a:cs typeface="Arial" panose="020B0604020202020204" pitchFamily="34" charset="0"/>
+            </a:endParaRPr>
+          </a:p>
+          <a:p>
+            <a:pPr marL="0" marR="0" indent="457200">
+              <a:lnSpc>
+                <a:spcPct val="107000"/>
+              </a:lnSpc>
+              <a:spcBef>
+                <a:spcPts val="0"/>
+              </a:spcBef>
+              <a:spcAft>
+                <a:spcPts val="800"/>
+              </a:spcAft>
+            </a:pPr>
+            <a:r>
+              <a:rPr lang="en-US" sz="1800" dirty="0">
+                <a:effectLst/>
+                <a:latin typeface="Times New Roman" panose="02020603050405020304" pitchFamily="18" charset="0"/>
+                <a:ea typeface="Calibri" panose="020F0502020204030204" pitchFamily="34" charset="0"/>
+                <a:cs typeface="Arial" panose="020B0604020202020204" pitchFamily="34" charset="0"/>
+              </a:rPr>
+              <a:t>Robots have many advantages which we see in our everyday life from the speed of production of goods and technology to safety; however, everything has its limits and robots are no exception, so where do we draw the line and what aspects draw the line in the first place?</a:t>
+            </a:r>
+          </a:p>
+          <a:p>
+            <a:pPr marL="0" marR="0" indent="457200">
+              <a:lnSpc>
+                <a:spcPct val="107000"/>
+              </a:lnSpc>
+              <a:spcBef>
+                <a:spcPts val="0"/>
+              </a:spcBef>
+              <a:spcAft>
+                <a:spcPts val="800"/>
+              </a:spcAft>
+            </a:pPr>
+            <a:r>
+              <a:rPr lang="en-US" sz="1800" dirty="0">
+                <a:latin typeface="Times New Roman" panose="02020603050405020304" pitchFamily="18" charset="0"/>
+                <a:ea typeface="Calibri" panose="020F0502020204030204" pitchFamily="34" charset="0"/>
+                <a:cs typeface="Arial" panose="020B0604020202020204" pitchFamily="34" charset="0"/>
+              </a:rPr>
+              <a:t>To draw the line, we must first understand the different aspects of both robots and humans </a:t>
+            </a:r>
+            <a:endParaRPr lang="en-US" sz="1800" dirty="0">
+              <a:effectLst/>
+              <a:latin typeface="Calibri" panose="020F0502020204030204" pitchFamily="34" charset="0"/>
+              <a:ea typeface="Calibri" panose="020F0502020204030204" pitchFamily="34" charset="0"/>
+              <a:cs typeface="Arial" panose="020B0604020202020204" pitchFamily="34" charset="0"/>
+            </a:endParaRPr>
+          </a:p>
+          <a:p>
+            <a:endParaRPr lang="en-US" dirty="0"/>
           </a:p>
         </p:txBody>
       </p:sp>
@@ -3640,7 +6206,103 @@
           <a:bodyPr/>
           <a:lstStyle/>
           <a:p>
-            <a:endParaRPr lang="en-US"/>
+            <a:r>
+              <a:rPr lang="en-US" sz="1800" b="1" dirty="0">
+                <a:effectLst/>
+                <a:latin typeface="Times New Roman" panose="02020603050405020304" pitchFamily="18" charset="0"/>
+                <a:ea typeface="Calibri" panose="020F0502020204030204" pitchFamily="34" charset="0"/>
+                <a:cs typeface="Arial" panose="020B0604020202020204" pitchFamily="34" charset="0"/>
+              </a:rPr>
+              <a:t>Adapting to new situations</a:t>
+            </a:r>
+          </a:p>
+          <a:p>
+            <a:pPr marL="0" indent="0">
+              <a:buNone/>
+            </a:pPr>
+            <a:endParaRPr lang="en-US" sz="1800" dirty="0">
+              <a:effectLst/>
+              <a:latin typeface="Calibri" panose="020F0502020204030204" pitchFamily="34" charset="0"/>
+              <a:ea typeface="Calibri" panose="020F0502020204030204" pitchFamily="34" charset="0"/>
+              <a:cs typeface="Arial" panose="020B0604020202020204" pitchFamily="34" charset="0"/>
+            </a:endParaRPr>
+          </a:p>
+          <a:p>
+            <a:r>
+              <a:rPr lang="en-US" sz="1800" b="1" dirty="0">
+                <a:effectLst/>
+                <a:latin typeface="Times New Roman" panose="02020603050405020304" pitchFamily="18" charset="0"/>
+                <a:ea typeface="Calibri" panose="020F0502020204030204" pitchFamily="34" charset="0"/>
+                <a:cs typeface="Arial" panose="020B0604020202020204" pitchFamily="34" charset="0"/>
+              </a:rPr>
+              <a:t>Fine-tuned movement and control</a:t>
+            </a:r>
+          </a:p>
+          <a:p>
+            <a:pPr marL="0" indent="0">
+              <a:buNone/>
+            </a:pPr>
+            <a:endParaRPr lang="en-US" sz="1800" dirty="0">
+              <a:effectLst/>
+              <a:latin typeface="Calibri" panose="020F0502020204030204" pitchFamily="34" charset="0"/>
+              <a:ea typeface="Calibri" panose="020F0502020204030204" pitchFamily="34" charset="0"/>
+              <a:cs typeface="Arial" panose="020B0604020202020204" pitchFamily="34" charset="0"/>
+            </a:endParaRPr>
+          </a:p>
+          <a:p>
+            <a:r>
+              <a:rPr lang="en-US" sz="1800" b="1" dirty="0">
+                <a:effectLst/>
+                <a:latin typeface="Times New Roman" panose="02020603050405020304" pitchFamily="18" charset="0"/>
+                <a:ea typeface="Calibri" panose="020F0502020204030204" pitchFamily="34" charset="0"/>
+                <a:cs typeface="Arial" panose="020B0604020202020204" pitchFamily="34" charset="0"/>
+              </a:rPr>
+              <a:t>Emotional Intelligence</a:t>
+            </a:r>
+          </a:p>
+          <a:p>
+            <a:pPr marL="0" indent="0">
+              <a:buNone/>
+            </a:pPr>
+            <a:endParaRPr lang="en-US" sz="1800" dirty="0">
+              <a:effectLst/>
+              <a:latin typeface="Calibri" panose="020F0502020204030204" pitchFamily="34" charset="0"/>
+              <a:ea typeface="Calibri" panose="020F0502020204030204" pitchFamily="34" charset="0"/>
+              <a:cs typeface="Arial" panose="020B0604020202020204" pitchFamily="34" charset="0"/>
+            </a:endParaRPr>
+          </a:p>
+          <a:p>
+            <a:r>
+              <a:rPr lang="en-US" sz="1800" b="1" dirty="0">
+                <a:effectLst/>
+                <a:latin typeface="Times New Roman" panose="02020603050405020304" pitchFamily="18" charset="0"/>
+                <a:ea typeface="Calibri" panose="020F0502020204030204" pitchFamily="34" charset="0"/>
+                <a:cs typeface="Arial" panose="020B0604020202020204" pitchFamily="34" charset="0"/>
+              </a:rPr>
+              <a:t>Translation and Commination </a:t>
+            </a:r>
+          </a:p>
+          <a:p>
+            <a:pPr marL="0" indent="0">
+              <a:buNone/>
+            </a:pPr>
+            <a:endParaRPr lang="en-US" sz="1800" dirty="0">
+              <a:effectLst/>
+              <a:latin typeface="Calibri" panose="020F0502020204030204" pitchFamily="34" charset="0"/>
+              <a:ea typeface="Calibri" panose="020F0502020204030204" pitchFamily="34" charset="0"/>
+              <a:cs typeface="Arial" panose="020B0604020202020204" pitchFamily="34" charset="0"/>
+            </a:endParaRPr>
+          </a:p>
+          <a:p>
+            <a:r>
+              <a:rPr lang="en-US" sz="1800" b="1" dirty="0">
+                <a:effectLst/>
+                <a:latin typeface="Times New Roman" panose="02020603050405020304" pitchFamily="18" charset="0"/>
+                <a:ea typeface="Calibri" panose="020F0502020204030204" pitchFamily="34" charset="0"/>
+              </a:rPr>
+              <a:t>Judgment </a:t>
+            </a:r>
+            <a:endParaRPr lang="en-US" dirty="0"/>
           </a:p>
         </p:txBody>
       </p:sp>
@@ -3723,7 +6385,70 @@
           <a:bodyPr/>
           <a:lstStyle/>
           <a:p>
-            <a:endParaRPr lang="en-US"/>
+            <a:r>
+              <a:rPr lang="en-US" sz="1800" b="1" dirty="0">
+                <a:effectLst/>
+                <a:latin typeface="Times New Roman" panose="02020603050405020304" pitchFamily="18" charset="0"/>
+                <a:ea typeface="Calibri" panose="020F0502020204030204" pitchFamily="34" charset="0"/>
+              </a:rPr>
+              <a:t>Strength </a:t>
+            </a:r>
+          </a:p>
+          <a:p>
+            <a:pPr marL="0" indent="0">
+              <a:buNone/>
+            </a:pPr>
+            <a:endParaRPr lang="en-US" sz="1800" b="1" dirty="0">
+              <a:effectLst/>
+              <a:latin typeface="Times New Roman" panose="02020603050405020304" pitchFamily="18" charset="0"/>
+              <a:ea typeface="Calibri" panose="020F0502020204030204" pitchFamily="34" charset="0"/>
+            </a:endParaRPr>
+          </a:p>
+          <a:p>
+            <a:r>
+              <a:rPr lang="en-US" sz="1800" b="1" dirty="0">
+                <a:effectLst/>
+                <a:latin typeface="Times New Roman" panose="02020603050405020304" pitchFamily="18" charset="0"/>
+                <a:ea typeface="Calibri" panose="020F0502020204030204" pitchFamily="34" charset="0"/>
+                <a:cs typeface="Arial" panose="020B0604020202020204" pitchFamily="34" charset="0"/>
+              </a:rPr>
+              <a:t>Replicability </a:t>
+            </a:r>
+          </a:p>
+          <a:p>
+            <a:pPr marL="0" indent="0">
+              <a:buNone/>
+            </a:pPr>
+            <a:endParaRPr lang="en-US" sz="1800" dirty="0">
+              <a:effectLst/>
+              <a:latin typeface="Calibri" panose="020F0502020204030204" pitchFamily="34" charset="0"/>
+              <a:ea typeface="Calibri" panose="020F0502020204030204" pitchFamily="34" charset="0"/>
+              <a:cs typeface="Arial" panose="020B0604020202020204" pitchFamily="34" charset="0"/>
+            </a:endParaRPr>
+          </a:p>
+          <a:p>
+            <a:r>
+              <a:rPr lang="en-US" sz="1800" b="1" dirty="0">
+                <a:effectLst/>
+                <a:latin typeface="Times New Roman" panose="02020603050405020304" pitchFamily="18" charset="0"/>
+                <a:ea typeface="Calibri" panose="020F0502020204030204" pitchFamily="34" charset="0"/>
+                <a:cs typeface="Arial" panose="020B0604020202020204" pitchFamily="34" charset="0"/>
+              </a:rPr>
+              <a:t>Autonomous </a:t>
+            </a:r>
+            <a:endParaRPr lang="en-US" sz="1800" dirty="0">
+              <a:effectLst/>
+              <a:latin typeface="Calibri" panose="020F0502020204030204" pitchFamily="34" charset="0"/>
+              <a:ea typeface="Calibri" panose="020F0502020204030204" pitchFamily="34" charset="0"/>
+              <a:cs typeface="Arial" panose="020B0604020202020204" pitchFamily="34" charset="0"/>
+            </a:endParaRPr>
+          </a:p>
+          <a:p>
+            <a:endParaRPr lang="en-US" sz="1800" b="1" dirty="0">
+              <a:effectLst/>
+              <a:latin typeface="Times New Roman" panose="02020603050405020304" pitchFamily="18" charset="0"/>
+              <a:ea typeface="Calibri" panose="020F0502020204030204" pitchFamily="34" charset="0"/>
+            </a:endParaRPr>
           </a:p>
         </p:txBody>
       </p:sp>
@@ -3806,7 +6531,151 @@
           <a:bodyPr/>
           <a:lstStyle/>
           <a:p>
-            <a:endParaRPr lang="en-US"/>
+            <a:pPr marL="0" marR="0" indent="457200">
+              <a:lnSpc>
+                <a:spcPct val="107000"/>
+              </a:lnSpc>
+              <a:spcBef>
+                <a:spcPts val="0"/>
+              </a:spcBef>
+              <a:spcAft>
+                <a:spcPts val="800"/>
+              </a:spcAft>
+            </a:pPr>
+            <a:r>
+              <a:rPr lang="en-US" sz="1800" dirty="0">
+                <a:effectLst/>
+                <a:latin typeface="Times New Roman" panose="02020603050405020304" pitchFamily="18" charset="0"/>
+                <a:ea typeface="Calibri" panose="020F0502020204030204" pitchFamily="34" charset="0"/>
+                <a:cs typeface="Arial" panose="020B0604020202020204" pitchFamily="34" charset="0"/>
+              </a:rPr>
+              <a:t>For ages human do their job where they do a demanding work but sometimes, they do not produce the amount that cover the price because the workers get tired after long work until robots where created which replaced the human work force in many industries as robots don’t  get tired so they can work all day.</a:t>
+            </a:r>
+            <a:endParaRPr lang="en-US" sz="1800" dirty="0">
+              <a:effectLst/>
+              <a:latin typeface="Calibri" panose="020F0502020204030204" pitchFamily="34" charset="0"/>
+              <a:ea typeface="Calibri" panose="020F0502020204030204" pitchFamily="34" charset="0"/>
+              <a:cs typeface="Arial" panose="020B0604020202020204" pitchFamily="34" charset="0"/>
+            </a:endParaRPr>
+          </a:p>
+          <a:p>
+            <a:pPr marL="0" marR="0" indent="457200">
+              <a:lnSpc>
+                <a:spcPct val="107000"/>
+              </a:lnSpc>
+              <a:spcBef>
+                <a:spcPts val="0"/>
+              </a:spcBef>
+              <a:spcAft>
+                <a:spcPts val="800"/>
+              </a:spcAft>
+            </a:pPr>
+            <a:r>
+              <a:rPr lang="en-US" sz="1800" dirty="0">
+                <a:effectLst/>
+                <a:latin typeface="Times New Roman" panose="02020603050405020304" pitchFamily="18" charset="0"/>
+                <a:ea typeface="Calibri" panose="020F0502020204030204" pitchFamily="34" charset="0"/>
+                <a:cs typeface="Arial" panose="020B0604020202020204" pitchFamily="34" charset="0"/>
+              </a:rPr>
+              <a:t>Because of that some jobs replace human workers with robot’s worker, and it is risen the benefit of the result, but the robot cannot do everything there is some job that robot can take part of it but can't replace the humans.</a:t>
+            </a:r>
+          </a:p>
+          <a:p>
+            <a:pPr marL="0" marR="0" indent="457200">
+              <a:lnSpc>
+                <a:spcPct val="107000"/>
+              </a:lnSpc>
+              <a:spcBef>
+                <a:spcPts val="0"/>
+              </a:spcBef>
+              <a:spcAft>
+                <a:spcPts val="800"/>
+              </a:spcAft>
+            </a:pPr>
+            <a:endParaRPr lang="en-US" sz="1800" dirty="0">
+              <a:latin typeface="Times New Roman" panose="02020603050405020304" pitchFamily="18" charset="0"/>
+              <a:ea typeface="Calibri" panose="020F0502020204030204" pitchFamily="34" charset="0"/>
+              <a:cs typeface="Arial" panose="020B0604020202020204" pitchFamily="34" charset="0"/>
+            </a:endParaRPr>
+          </a:p>
+          <a:p>
+            <a:pPr marL="0" marR="0" indent="457200">
+              <a:lnSpc>
+                <a:spcPct val="107000"/>
+              </a:lnSpc>
+              <a:spcBef>
+                <a:spcPts val="0"/>
+              </a:spcBef>
+              <a:spcAft>
+                <a:spcPts val="800"/>
+              </a:spcAft>
+            </a:pPr>
+            <a:r>
+              <a:rPr lang="en-US" sz="1800" dirty="0">
+                <a:effectLst/>
+                <a:latin typeface="Times New Roman" panose="02020603050405020304" pitchFamily="18" charset="0"/>
+                <a:ea typeface="Calibri" panose="020F0502020204030204" pitchFamily="34" charset="0"/>
+                <a:cs typeface="Arial" panose="020B0604020202020204" pitchFamily="34" charset="0"/>
+              </a:rPr>
+              <a:t>However, that doesn’t mean we have to replace all humans in all fields as we pointed out before the aspects  that humans have are nonnegotiably in need of human employees for example :</a:t>
+            </a:r>
+            <a:endParaRPr lang="en-US" sz="1800" dirty="0">
+              <a:effectLst/>
+              <a:latin typeface="Calibri" panose="020F0502020204030204" pitchFamily="34" charset="0"/>
+              <a:ea typeface="Calibri" panose="020F0502020204030204" pitchFamily="34" charset="0"/>
+              <a:cs typeface="Arial" panose="020B0604020202020204" pitchFamily="34" charset="0"/>
+            </a:endParaRPr>
+          </a:p>
+          <a:p>
+            <a:r>
+              <a:rPr lang="en-US" sz="1800" b="1" dirty="0">
+                <a:effectLst/>
+                <a:latin typeface="Times New Roman" panose="02020603050405020304" pitchFamily="18" charset="0"/>
+                <a:ea typeface="Times New Roman" panose="02020603050405020304" pitchFamily="18" charset="0"/>
+                <a:cs typeface="Times New Roman" panose="02020603050405020304" pitchFamily="18" charset="0"/>
+              </a:rPr>
+              <a:t>Childcare Expert</a:t>
+            </a:r>
+            <a:endParaRPr lang="en-US" sz="1800" b="1" dirty="0">
+              <a:effectLst/>
+              <a:latin typeface="Times New Roman" panose="02020603050405020304" pitchFamily="18" charset="0"/>
+              <a:ea typeface="Times New Roman" panose="02020603050405020304" pitchFamily="18" charset="0"/>
+            </a:endParaRPr>
+          </a:p>
+          <a:p>
+            <a:r>
+              <a:rPr lang="en-US" sz="1800" b="1" dirty="0">
+                <a:effectLst/>
+                <a:latin typeface="Times New Roman" panose="02020603050405020304" pitchFamily="18" charset="0"/>
+                <a:ea typeface="Times New Roman" panose="02020603050405020304" pitchFamily="18" charset="0"/>
+                <a:cs typeface="Times New Roman" panose="02020603050405020304" pitchFamily="18" charset="0"/>
+              </a:rPr>
+              <a:t>Teacher</a:t>
+            </a:r>
+            <a:endParaRPr lang="en-US" sz="1800" b="1" dirty="0">
+              <a:effectLst/>
+              <a:latin typeface="Times New Roman" panose="02020603050405020304" pitchFamily="18" charset="0"/>
+              <a:ea typeface="Times New Roman" panose="02020603050405020304" pitchFamily="18" charset="0"/>
+            </a:endParaRPr>
+          </a:p>
+          <a:p>
+            <a:r>
+              <a:rPr lang="en-US" sz="1800" b="1" dirty="0">
+                <a:effectLst/>
+                <a:latin typeface="Times New Roman" panose="02020603050405020304" pitchFamily="18" charset="0"/>
+                <a:ea typeface="Times New Roman" panose="02020603050405020304" pitchFamily="18" charset="0"/>
+                <a:cs typeface="Times New Roman" panose="02020603050405020304" pitchFamily="18" charset="0"/>
+              </a:rPr>
+              <a:t>Doctor</a:t>
+            </a:r>
+            <a:endParaRPr lang="en-US" sz="1800" b="1" dirty="0">
+              <a:effectLst/>
+              <a:latin typeface="Times New Roman" panose="02020603050405020304" pitchFamily="18" charset="0"/>
+              <a:ea typeface="Times New Roman" panose="02020603050405020304" pitchFamily="18" charset="0"/>
+            </a:endParaRPr>
+          </a:p>
+          <a:p>
+            <a:endParaRPr lang="en-US" dirty="0"/>
           </a:p>
         </p:txBody>
       </p:sp>
@@ -3889,7 +6758,208 @@
           <a:bodyPr/>
           <a:lstStyle/>
           <a:p>
-            <a:endParaRPr lang="en-US"/>
+            <a:r>
+              <a:rPr lang="en-US" sz="1800" dirty="0">
+                <a:effectLst/>
+                <a:latin typeface="Times New Roman" panose="02020603050405020304" pitchFamily="18" charset="0"/>
+                <a:ea typeface="Calibri" panose="020F0502020204030204" pitchFamily="34" charset="0"/>
+                <a:cs typeface="Arial" panose="020B0604020202020204" pitchFamily="34" charset="0"/>
+              </a:rPr>
+              <a:t>So, what should we do? How can we balance between the robot and human physical tasks? A set of practices in an article titled: "</a:t>
+            </a:r>
+            <a:r>
+              <a:rPr lang="en-US" sz="1800" dirty="0">
+                <a:solidFill>
+                  <a:srgbClr val="000000"/>
+                </a:solidFill>
+                <a:effectLst/>
+                <a:latin typeface="Times New Roman" panose="02020603050405020304" pitchFamily="18" charset="0"/>
+                <a:ea typeface="Calibri" panose="020F0502020204030204" pitchFamily="34" charset="0"/>
+                <a:cs typeface="Arial" panose="020B0604020202020204" pitchFamily="34" charset="0"/>
+              </a:rPr>
+              <a:t>4 best practices to balance technology and the human touch</a:t>
+            </a:r>
+            <a:r>
+              <a:rPr lang="en-US" sz="1800" dirty="0">
+                <a:effectLst/>
+                <a:latin typeface="Times New Roman" panose="02020603050405020304" pitchFamily="18" charset="0"/>
+                <a:ea typeface="Calibri" panose="020F0502020204030204" pitchFamily="34" charset="0"/>
+                <a:cs typeface="Arial" panose="020B0604020202020204" pitchFamily="34" charset="0"/>
+              </a:rPr>
+              <a:t>" that were suggested by </a:t>
+            </a:r>
+            <a:r>
+              <a:rPr lang="en-US" sz="1800" dirty="0" err="1">
+                <a:solidFill>
+                  <a:srgbClr val="3F3E3E"/>
+                </a:solidFill>
+                <a:effectLst/>
+                <a:latin typeface="Times New Roman" panose="02020603050405020304" pitchFamily="18" charset="0"/>
+                <a:ea typeface="Calibri" panose="020F0502020204030204" pitchFamily="34" charset="0"/>
+                <a:cs typeface="Arial" panose="020B0604020202020204" pitchFamily="34" charset="0"/>
+              </a:rPr>
+              <a:t>Fara</a:t>
+            </a:r>
+            <a:r>
+              <a:rPr lang="en-US" sz="1800" dirty="0">
+                <a:solidFill>
+                  <a:srgbClr val="3F3E3E"/>
+                </a:solidFill>
+                <a:effectLst/>
+                <a:latin typeface="Times New Roman" panose="02020603050405020304" pitchFamily="18" charset="0"/>
+                <a:ea typeface="Calibri" panose="020F0502020204030204" pitchFamily="34" charset="0"/>
+                <a:cs typeface="Arial" panose="020B0604020202020204" pitchFamily="34" charset="0"/>
+              </a:rPr>
+              <a:t> Haron, CEO North America, Ireland, and Southeast Asia &amp; EVP Global Clients, </a:t>
+            </a:r>
+            <a:r>
+              <a:rPr lang="en-US" sz="1800" dirty="0" err="1">
+                <a:solidFill>
+                  <a:srgbClr val="3F3E3E"/>
+                </a:solidFill>
+                <a:effectLst/>
+                <a:latin typeface="Times New Roman" panose="02020603050405020304" pitchFamily="18" charset="0"/>
+                <a:ea typeface="Calibri" panose="020F0502020204030204" pitchFamily="34" charset="0"/>
+                <a:cs typeface="Arial" panose="020B0604020202020204" pitchFamily="34" charset="0"/>
+              </a:rPr>
+              <a:t>Majorel</a:t>
+            </a:r>
+            <a:r>
+              <a:rPr lang="en-US" sz="1800" dirty="0">
+                <a:solidFill>
+                  <a:srgbClr val="3F3E3E"/>
+                </a:solidFill>
+                <a:effectLst/>
+                <a:latin typeface="Times New Roman" panose="02020603050405020304" pitchFamily="18" charset="0"/>
+                <a:ea typeface="Calibri" panose="020F0502020204030204" pitchFamily="34" charset="0"/>
+                <a:cs typeface="Arial" panose="020B0604020202020204" pitchFamily="34" charset="0"/>
+              </a:rPr>
+              <a:t>.</a:t>
+            </a:r>
+            <a:r>
+              <a:rPr lang="en-US" sz="1800" dirty="0">
+                <a:effectLst/>
+                <a:latin typeface="Times New Roman" panose="02020603050405020304" pitchFamily="18" charset="0"/>
+                <a:ea typeface="Calibri" panose="020F0502020204030204" pitchFamily="34" charset="0"/>
+                <a:cs typeface="Arial" panose="020B0604020202020204" pitchFamily="34" charset="0"/>
+              </a:rPr>
+              <a:t>; to achieve the perfect balance between robots and humans.</a:t>
+            </a:r>
+            <a:endParaRPr lang="en-US" sz="1800" dirty="0">
+              <a:effectLst/>
+              <a:latin typeface="Calibri" panose="020F0502020204030204" pitchFamily="34" charset="0"/>
+              <a:ea typeface="Calibri" panose="020F0502020204030204" pitchFamily="34" charset="0"/>
+              <a:cs typeface="Arial" panose="020B0604020202020204" pitchFamily="34" charset="0"/>
+            </a:endParaRPr>
+          </a:p>
+          <a:p>
+            <a:r>
+              <a:rPr lang="en-US" dirty="0"/>
+              <a:t>To </a:t>
+            </a:r>
+            <a:r>
+              <a:rPr lang="en-US" dirty="0" err="1"/>
+              <a:t>achive</a:t>
+            </a:r>
+            <a:r>
+              <a:rPr lang="en-US" dirty="0"/>
+              <a:t> that we could implement the following :</a:t>
+            </a:r>
+          </a:p>
+          <a:p>
+            <a:r>
+              <a:rPr lang="en-US" sz="1800" b="1" dirty="0">
+                <a:solidFill>
+                  <a:srgbClr val="222221"/>
+                </a:solidFill>
+                <a:effectLst/>
+                <a:latin typeface="Times New Roman" panose="02020603050405020304" pitchFamily="18" charset="0"/>
+                <a:ea typeface="Yu Gothic Light" panose="020B0300000000000000" pitchFamily="34" charset="-128"/>
+                <a:cs typeface="Times New Roman" panose="02020603050405020304" pitchFamily="18" charset="0"/>
+              </a:rPr>
+              <a:t>1. Adopt a hybrid model</a:t>
+            </a:r>
+            <a:endParaRPr lang="en-US" sz="1800" b="1" dirty="0">
+              <a:solidFill>
+                <a:srgbClr val="2F5496"/>
+              </a:solidFill>
+              <a:effectLst/>
+              <a:latin typeface="Calibri Light" panose="020F0302020204030204" pitchFamily="34" charset="0"/>
+              <a:ea typeface="Yu Gothic Light" panose="020B0300000000000000" pitchFamily="34" charset="-128"/>
+              <a:cs typeface="Times New Roman" panose="02020603050405020304" pitchFamily="18" charset="0"/>
+            </a:endParaRPr>
+          </a:p>
+          <a:p>
+            <a:r>
+              <a:rPr lang="en-US" sz="1800" b="1" dirty="0">
+                <a:solidFill>
+                  <a:srgbClr val="222221"/>
+                </a:solidFill>
+                <a:effectLst/>
+                <a:latin typeface="Times New Roman" panose="02020603050405020304" pitchFamily="18" charset="0"/>
+                <a:ea typeface="Yu Gothic Light" panose="020B0300000000000000" pitchFamily="34" charset="-128"/>
+                <a:cs typeface="Times New Roman" panose="02020603050405020304" pitchFamily="18" charset="0"/>
+              </a:rPr>
+              <a:t>2. Keep people in charge</a:t>
+            </a:r>
+            <a:endParaRPr lang="en-US" sz="1800" b="1" dirty="0">
+              <a:solidFill>
+                <a:srgbClr val="2F5496"/>
+              </a:solidFill>
+              <a:effectLst/>
+              <a:latin typeface="Calibri Light" panose="020F0302020204030204" pitchFamily="34" charset="0"/>
+              <a:ea typeface="Yu Gothic Light" panose="020B0300000000000000" pitchFamily="34" charset="-128"/>
+              <a:cs typeface="Times New Roman" panose="02020603050405020304" pitchFamily="18" charset="0"/>
+            </a:endParaRPr>
+          </a:p>
+          <a:p>
+            <a:r>
+              <a:rPr lang="en-US" sz="1800" b="1" dirty="0">
+                <a:solidFill>
+                  <a:srgbClr val="222221"/>
+                </a:solidFill>
+                <a:effectLst/>
+                <a:latin typeface="Times New Roman" panose="02020603050405020304" pitchFamily="18" charset="0"/>
+                <a:ea typeface="Yu Gothic Light" panose="020B0300000000000000" pitchFamily="34" charset="-128"/>
+                <a:cs typeface="Times New Roman" panose="02020603050405020304" pitchFamily="18" charset="0"/>
+              </a:rPr>
+              <a:t>3. Create a plan</a:t>
+            </a:r>
+            <a:endParaRPr lang="en-US" sz="1800" b="1" dirty="0">
+              <a:solidFill>
+                <a:srgbClr val="2F5496"/>
+              </a:solidFill>
+              <a:effectLst/>
+              <a:latin typeface="Calibri Light" panose="020F0302020204030204" pitchFamily="34" charset="0"/>
+              <a:ea typeface="Yu Gothic Light" panose="020B0300000000000000" pitchFamily="34" charset="-128"/>
+              <a:cs typeface="Times New Roman" panose="02020603050405020304" pitchFamily="18" charset="0"/>
+            </a:endParaRPr>
+          </a:p>
+          <a:p>
+            <a:r>
+              <a:rPr lang="en-US" sz="1800" b="1" dirty="0">
+                <a:solidFill>
+                  <a:srgbClr val="222221"/>
+                </a:solidFill>
+                <a:effectLst/>
+                <a:latin typeface="Times New Roman" panose="02020603050405020304" pitchFamily="18" charset="0"/>
+                <a:ea typeface="Yu Gothic Light" panose="020B0300000000000000" pitchFamily="34" charset="-128"/>
+                <a:cs typeface="Times New Roman" panose="02020603050405020304" pitchFamily="18" charset="0"/>
+              </a:rPr>
+              <a:t>4. Hire smart</a:t>
+            </a:r>
+            <a:endParaRPr lang="en-US" sz="1800" b="1" dirty="0">
+              <a:solidFill>
+                <a:srgbClr val="2F5496"/>
+              </a:solidFill>
+              <a:effectLst/>
+              <a:latin typeface="Calibri Light" panose="020F0302020204030204" pitchFamily="34" charset="0"/>
+              <a:ea typeface="Yu Gothic Light" panose="020B0300000000000000" pitchFamily="34" charset="-128"/>
+              <a:cs typeface="Times New Roman" panose="02020603050405020304" pitchFamily="18" charset="0"/>
+            </a:endParaRPr>
+          </a:p>
+          <a:p>
+            <a:endParaRPr lang="en-US" dirty="0"/>
           </a:p>
         </p:txBody>
       </p:sp>
@@ -3972,7 +7042,23 @@
           <a:bodyPr/>
           <a:lstStyle/>
           <a:p>
-            <a:endParaRPr lang="en-US"/>
+            <a:r>
+              <a:rPr lang="en-US" sz="1800" dirty="0">
+                <a:effectLst/>
+                <a:latin typeface="Times New Roman" panose="02020603050405020304" pitchFamily="18" charset="0"/>
+                <a:ea typeface="Times New Roman" panose="02020603050405020304" pitchFamily="18" charset="0"/>
+                <a:cs typeface="Times New Roman" panose="02020603050405020304" pitchFamily="18" charset="0"/>
+              </a:rPr>
+              <a:t>In conclusion, robots and humans have their own fields where each side excels and gets the best results however, we should learn from humans past mistakes of fearing new technology and instead we should embrace it and find new solutions such as hybrid methods and the other solutions mentioned above thus, we must  put our egos aside and accept change but keep an open eye for new dangers or overuse of robots.</a:t>
+            </a:r>
+            <a:endParaRPr lang="en-US" sz="1800" dirty="0">
+              <a:effectLst/>
+              <a:latin typeface="Times New Roman" panose="02020603050405020304" pitchFamily="18" charset="0"/>
+              <a:ea typeface="Times New Roman" panose="02020603050405020304" pitchFamily="18" charset="0"/>
+            </a:endParaRPr>
+          </a:p>
+          <a:p>
+            <a:endParaRPr lang="en-US" dirty="0"/>
           </a:p>
         </p:txBody>
       </p:sp>
@@ -3989,10 +7075,284 @@
 </p:sld>
 </file>
 
+<file path=ppt/slides/slide8.xml><?xml version="1.0" encoding="utf-8"?>
+<p:sld xmlns:a="http://schemas.openxmlformats.org/drawingml/2006/main" xmlns:r="http://schemas.openxmlformats.org/officeDocument/2006/relationships" xmlns:p="http://schemas.openxmlformats.org/presentationml/2006/main">
+  <p:cSld>
+    <p:bg>
+      <p:bgPr>
+        <a:solidFill>
+          <a:schemeClr val="bg1"/>
+        </a:solidFill>
+        <a:effectLst/>
+      </p:bgPr>
+    </p:bg>
+    <p:spTree>
+      <p:nvGrpSpPr>
+        <p:cNvPr id="1" name=""/>
+        <p:cNvGrpSpPr/>
+        <p:nvPr/>
+      </p:nvGrpSpPr>
+      <p:grpSpPr>
+        <a:xfrm>
+          <a:off x="0" y="0"/>
+          <a:ext cx="0" cy="0"/>
+          <a:chOff x="0" y="0"/>
+          <a:chExt cx="0" cy="0"/>
+        </a:xfrm>
+      </p:grpSpPr>
+      <p:sp>
+        <p:nvSpPr>
+          <p:cNvPr id="4" name="Title 3">
+            <a:extLst>
+              <a:ext uri="{FF2B5EF4-FFF2-40B4-BE49-F238E27FC236}">
+                <a16:creationId xmlns:a16="http://schemas.microsoft.com/office/drawing/2014/main" id="{C6AD64E3-809A-BD3F-6A8D-73135A080570}"/>
+              </a:ext>
+            </a:extLst>
+          </p:cNvPr>
+          <p:cNvSpPr>
+            <a:spLocks noGrp="1"/>
+          </p:cNvSpPr>
+          <p:nvPr>
+            <p:ph type="ctrTitle"/>
+          </p:nvPr>
+        </p:nvSpPr>
+        <p:spPr>
+          <a:xfrm>
+            <a:off x="4687410" y="1803405"/>
+            <a:ext cx="6132990" cy="1825096"/>
+          </a:xfrm>
+        </p:spPr>
+        <p:txBody>
+          <a:bodyPr>
+            <a:normAutofit/>
+          </a:bodyPr>
+          <a:lstStyle/>
+          <a:p>
+            <a:r>
+              <a:rPr lang="en-US" dirty="0"/>
+              <a:t>Thank you for listening </a:t>
+            </a:r>
+          </a:p>
+        </p:txBody>
+      </p:sp>
+      <p:sp>
+        <p:nvSpPr>
+          <p:cNvPr id="5" name="Subtitle 4">
+            <a:extLst>
+              <a:ext uri="{FF2B5EF4-FFF2-40B4-BE49-F238E27FC236}">
+                <a16:creationId xmlns:a16="http://schemas.microsoft.com/office/drawing/2014/main" id="{C60F9D37-4245-6A1E-F1F6-FD2DAE4E114C}"/>
+              </a:ext>
+            </a:extLst>
+          </p:cNvPr>
+          <p:cNvSpPr>
+            <a:spLocks noGrp="1"/>
+          </p:cNvSpPr>
+          <p:nvPr>
+            <p:ph type="subTitle" idx="1"/>
+          </p:nvPr>
+        </p:nvSpPr>
+        <p:spPr>
+          <a:xfrm>
+            <a:off x="4687410" y="3632201"/>
+            <a:ext cx="6132990" cy="685800"/>
+          </a:xfrm>
+        </p:spPr>
+        <p:txBody>
+          <a:bodyPr>
+            <a:normAutofit/>
+          </a:bodyPr>
+          <a:lstStyle/>
+          <a:p>
+            <a:endParaRPr lang="en-US" dirty="0"/>
+          </a:p>
+        </p:txBody>
+      </p:sp>
+      <p:pic>
+        <p:nvPicPr>
+          <p:cNvPr id="20" name="Graphic 19" descr="Smiling Face with No Fill">
+            <a:extLst>
+              <a:ext uri="{FF2B5EF4-FFF2-40B4-BE49-F238E27FC236}">
+                <a16:creationId xmlns:a16="http://schemas.microsoft.com/office/drawing/2014/main" id="{61CAFAC8-5819-9D0E-AEAF-94F24C10EB0E}"/>
+              </a:ext>
+            </a:extLst>
+          </p:cNvPr>
+          <p:cNvPicPr>
+            <a:picLocks noChangeAspect="1"/>
+          </p:cNvPicPr>
+          <p:nvPr/>
+        </p:nvPicPr>
+        <p:blipFill>
+          <a:blip r:embed="rId2">
+            <a:extLst>
+              <a:ext uri="{28A0092B-C50C-407E-A947-70E740481C1C}">
+                <a14:useLocalDpi xmlns:a14="http://schemas.microsoft.com/office/drawing/2010/main" val="0"/>
+              </a:ext>
+              <a:ext uri="{96DAC541-7B7A-43D3-8B79-37D633B846F1}">
+                <asvg:svgBlip xmlns:asvg="http://schemas.microsoft.com/office/drawing/2016/SVG/main" r:embed="rId3"/>
+              </a:ext>
+            </a:extLst>
+          </a:blip>
+          <a:stretch>
+            <a:fillRect/>
+          </a:stretch>
+        </p:blipFill>
+        <p:spPr>
+          <a:xfrm>
+            <a:off x="1444752" y="1801368"/>
+            <a:ext cx="2660904" cy="2660904"/>
+          </a:xfrm>
+          <a:prstGeom prst="rect">
+            <a:avLst/>
+          </a:prstGeom>
+        </p:spPr>
+      </p:pic>
+    </p:spTree>
+    <p:extLst>
+      <p:ext uri="{BB962C8B-B14F-4D97-AF65-F5344CB8AC3E}">
+        <p14:creationId xmlns:p14="http://schemas.microsoft.com/office/powerpoint/2010/main" val="3092795527"/>
+      </p:ext>
+    </p:extLst>
+  </p:cSld>
+  <p:clrMapOvr>
+    <a:masterClrMapping/>
+  </p:clrMapOvr>
+  <p:timing>
+    <p:tnLst>
+      <p:par>
+        <p:cTn id="1" dur="indefinite" restart="never" nodeType="tmRoot">
+          <p:childTnLst>
+            <p:seq concurrent="1" nextAc="seek">
+              <p:cTn id="2" dur="indefinite" nodeType="mainSeq">
+                <p:childTnLst>
+                  <p:par>
+                    <p:cTn id="3" fill="hold">
+                      <p:stCondLst>
+                        <p:cond delay="indefinite"/>
+                        <p:cond evt="onBegin" delay="0">
+                          <p:tn val="2"/>
+                        </p:cond>
+                      </p:stCondLst>
+                      <p:childTnLst>
+                        <p:par>
+                          <p:cTn id="4" fill="hold">
+                            <p:stCondLst>
+                              <p:cond delay="0"/>
+                            </p:stCondLst>
+                            <p:childTnLst>
+                              <p:par>
+                                <p:cTn id="5" presetID="10" presetClass="entr" presetSubtype="0" fill="hold" nodeType="withEffect">
+                                  <p:stCondLst>
+                                    <p:cond delay="500"/>
+                                  </p:stCondLst>
+                                  <p:iterate>
+                                    <p:tmPct val="10000"/>
+                                  </p:iterate>
+                                  <p:childTnLst>
+                                    <p:set>
+                                      <p:cBhvr>
+                                        <p:cTn id="6" dur="1" fill="hold">
+                                          <p:stCondLst>
+                                            <p:cond delay="0"/>
+                                          </p:stCondLst>
+                                        </p:cTn>
+                                        <p:tgtEl>
+                                          <p:spTgt spid="20"/>
+                                        </p:tgtEl>
+                                        <p:attrNameLst>
+                                          <p:attrName>style.visibility</p:attrName>
+                                        </p:attrNameLst>
+                                      </p:cBhvr>
+                                      <p:to>
+                                        <p:strVal val="visible"/>
+                                      </p:to>
+                                    </p:set>
+                                    <p:animEffect transition="in" filter="fade">
+                                      <p:cBhvr>
+                                        <p:cTn id="7" dur="700"/>
+                                        <p:tgtEl>
+                                          <p:spTgt spid="20"/>
+                                        </p:tgtEl>
+                                      </p:cBhvr>
+                                    </p:animEffect>
+                                  </p:childTnLst>
+                                </p:cTn>
+                              </p:par>
+                              <p:par>
+                                <p:cTn id="8" presetID="10" presetClass="entr" presetSubtype="0" fill="hold" grpId="0" nodeType="withEffect">
+                                  <p:stCondLst>
+                                    <p:cond delay="1000"/>
+                                  </p:stCondLst>
+                                  <p:iterate>
+                                    <p:tmPct val="10000"/>
+                                  </p:iterate>
+                                  <p:childTnLst>
+                                    <p:set>
+                                      <p:cBhvr>
+                                        <p:cTn id="9" dur="1" fill="hold">
+                                          <p:stCondLst>
+                                            <p:cond delay="0"/>
+                                          </p:stCondLst>
+                                        </p:cTn>
+                                        <p:tgtEl>
+                                          <p:spTgt spid="4"/>
+                                        </p:tgtEl>
+                                        <p:attrNameLst>
+                                          <p:attrName>style.visibility</p:attrName>
+                                        </p:attrNameLst>
+                                      </p:cBhvr>
+                                      <p:to>
+                                        <p:strVal val="visible"/>
+                                      </p:to>
+                                    </p:set>
+                                    <p:animEffect transition="in" filter="fade">
+                                      <p:cBhvr>
+                                        <p:cTn id="10" dur="700"/>
+                                        <p:tgtEl>
+                                          <p:spTgt spid="4"/>
+                                        </p:tgtEl>
+                                      </p:cBhvr>
+                                    </p:animEffect>
+                                  </p:childTnLst>
+                                </p:cTn>
+                              </p:par>
+                            </p:childTnLst>
+                          </p:cTn>
+                        </p:par>
+                      </p:childTnLst>
+                    </p:cTn>
+                  </p:par>
+                </p:childTnLst>
+              </p:cTn>
+              <p:prevCondLst>
+                <p:cond evt="onPrev" delay="0">
+                  <p:tgtEl>
+                    <p:sldTgt/>
+                  </p:tgtEl>
+                </p:cond>
+              </p:prevCondLst>
+              <p:nextCondLst>
+                <p:cond evt="onNext" delay="0">
+                  <p:tgtEl>
+                    <p:sldTgt/>
+                  </p:tgtEl>
+                </p:cond>
+              </p:nextCondLst>
+            </p:seq>
+          </p:childTnLst>
+        </p:cTn>
+      </p:par>
+    </p:tnLst>
+    <p:bldLst>
+      <p:bldP spid="4" grpId="0"/>
+    </p:bldLst>
+  </p:timing>
+</p:sld>
+</file>
+
 <file path=ppt/theme/theme1.xml><?xml version="1.0" encoding="utf-8"?>
-<a:theme xmlns:a="http://schemas.openxmlformats.org/drawingml/2006/main" name="Office Theme">
+<a:theme xmlns:a="http://schemas.openxmlformats.org/drawingml/2006/main" name="Vapor Trail">
   <a:themeElements>
-    <a:clrScheme name="Office">
+    <a:clrScheme name="Vapor Trail">
       <a:dk1>
         <a:sysClr val="windowText" lastClr="000000"/>
       </a:dk1>
@@ -4000,44 +7360,44 @@
         <a:sysClr val="window" lastClr="FFFFFF"/>
       </a:lt1>
       <a:dk2>
-        <a:srgbClr val="44546A"/>
+        <a:srgbClr val="454545"/>
       </a:dk2>
       <a:lt2>
-        <a:srgbClr val="E7E6E6"/>
+        <a:srgbClr val="DADADA"/>
       </a:lt2>
       <a:accent1>
-        <a:srgbClr val="4472C4"/>
+        <a:srgbClr val="E5224E"/>
       </a:accent1>
       <a:accent2>
-        <a:srgbClr val="ED7D31"/>
+        <a:srgbClr val="9D074E"/>
       </a:accent2>
       <a:accent3>
-        <a:srgbClr val="A5A5A5"/>
+        <a:srgbClr val="7F2294"/>
       </a:accent3>
       <a:accent4>
-        <a:srgbClr val="FFC000"/>
+        <a:srgbClr val="8D65EA"/>
       </a:accent4>
       <a:accent5>
-        <a:srgbClr val="5B9BD5"/>
+        <a:srgbClr val="588FE2"/>
       </a:accent5>
       <a:accent6>
-        <a:srgbClr val="70AD47"/>
+        <a:srgbClr val="127CA4"/>
       </a:accent6>
       <a:hlink>
-        <a:srgbClr val="0563C1"/>
+        <a:srgbClr val="FB4AB6"/>
       </a:hlink>
       <a:folHlink>
-        <a:srgbClr val="954F72"/>
+        <a:srgbClr val="F98FE9"/>
       </a:folHlink>
     </a:clrScheme>
-    <a:fontScheme name="Office">
+    <a:fontScheme name="Vapor Trail">
       <a:majorFont>
-        <a:latin typeface="Calibri Light" panose="020F0302020204030204"/>
+        <a:latin typeface="Century Gothic" panose="020B0502020202020204"/>
         <a:ea typeface=""/>
         <a:cs typeface=""/>
-        <a:font script="Jpan" typeface="游ゴシック Light"/>
+        <a:font script="Jpan" typeface="ＭＳ Ｐゴシック"/>
         <a:font script="Hang" typeface="맑은 고딕"/>
-        <a:font script="Hans" typeface="等线 Light"/>
+        <a:font script="Hans" typeface="宋体"/>
         <a:font script="Hant" typeface="新細明體"/>
         <a:font script="Arab" typeface="Times New Roman"/>
         <a:font script="Hebr" typeface="Times New Roman"/>
@@ -4065,31 +7425,14 @@
         <a:font script="Viet" typeface="Times New Roman"/>
         <a:font script="Uigh" typeface="Microsoft Uighur"/>
         <a:font script="Geor" typeface="Sylfaen"/>
-        <a:font script="Armn" typeface="Arial"/>
-        <a:font script="Bugi" typeface="Leelawadee UI"/>
-        <a:font script="Bopo" typeface="Microsoft JhengHei"/>
-        <a:font script="Java" typeface="Javanese Text"/>
-        <a:font script="Lisu" typeface="Segoe UI"/>
-        <a:font script="Mymr" typeface="Myanmar Text"/>
-        <a:font script="Nkoo" typeface="Ebrima"/>
-        <a:font script="Olck" typeface="Nirmala UI"/>
-        <a:font script="Osma" typeface="Ebrima"/>
-        <a:font script="Phag" typeface="Phagspa"/>
-        <a:font script="Syrn" typeface="Estrangelo Edessa"/>
-        <a:font script="Syrj" typeface="Estrangelo Edessa"/>
-        <a:font script="Syre" typeface="Estrangelo Edessa"/>
-        <a:font script="Sora" typeface="Nirmala UI"/>
-        <a:font script="Tale" typeface="Microsoft Tai Le"/>
-        <a:font script="Talu" typeface="Microsoft New Tai Lue"/>
-        <a:font script="Tfng" typeface="Ebrima"/>
       </a:majorFont>
       <a:minorFont>
-        <a:latin typeface="Calibri" panose="020F0502020204030204"/>
+        <a:latin typeface="Century Gothic" panose="020B0502020202020204"/>
         <a:ea typeface=""/>
         <a:cs typeface=""/>
-        <a:font script="Jpan" typeface="游ゴシック"/>
+        <a:font script="Jpan" typeface="ＭＳ Ｐゴシック"/>
         <a:font script="Hang" typeface="맑은 고딕"/>
-        <a:font script="Hans" typeface="等线"/>
+        <a:font script="Hans" typeface="宋体"/>
         <a:font script="Hant" typeface="新細明體"/>
         <a:font script="Arab" typeface="Arial"/>
         <a:font script="Hebr" typeface="Arial"/>
@@ -4117,26 +7460,9 @@
         <a:font script="Viet" typeface="Arial"/>
         <a:font script="Uigh" typeface="Microsoft Uighur"/>
         <a:font script="Geor" typeface="Sylfaen"/>
-        <a:font script="Armn" typeface="Arial"/>
-        <a:font script="Bugi" typeface="Leelawadee UI"/>
-        <a:font script="Bopo" typeface="Microsoft JhengHei"/>
-        <a:font script="Java" typeface="Javanese Text"/>
-        <a:font script="Lisu" typeface="Segoe UI"/>
-        <a:font script="Mymr" typeface="Myanmar Text"/>
-        <a:font script="Nkoo" typeface="Ebrima"/>
-        <a:font script="Olck" typeface="Nirmala UI"/>
-        <a:font script="Osma" typeface="Ebrima"/>
-        <a:font script="Phag" typeface="Phagspa"/>
-        <a:font script="Syrn" typeface="Estrangelo Edessa"/>
-        <a:font script="Syrj" typeface="Estrangelo Edessa"/>
-        <a:font script="Syre" typeface="Estrangelo Edessa"/>
-        <a:font script="Sora" typeface="Nirmala UI"/>
-        <a:font script="Tale" typeface="Microsoft Tai Le"/>
-        <a:font script="Talu" typeface="Microsoft New Tai Lue"/>
-        <a:font script="Tfng" typeface="Ebrima"/>
       </a:minorFont>
     </a:fontScheme>
-    <a:fmtScheme name="Office">
+    <a:fmtScheme name="Vapor Trail">
       <a:fillStyleLst>
         <a:solidFill>
           <a:schemeClr val="phClr"/>
@@ -4145,23 +7471,24 @@
           <a:gsLst>
             <a:gs pos="0">
               <a:schemeClr val="phClr">
+                <a:tint val="69000"/>
+                <a:alpha val="100000"/>
+                <a:satMod val="109000"/>
                 <a:lumMod val="110000"/>
-                <a:satMod val="105000"/>
-                <a:tint val="67000"/>
               </a:schemeClr>
             </a:gs>
-            <a:gs pos="50000">
+            <a:gs pos="52000">
               <a:schemeClr val="phClr">
-                <a:lumMod val="105000"/>
-                <a:satMod val="103000"/>
-                <a:tint val="73000"/>
+                <a:tint val="74000"/>
+                <a:satMod val="100000"/>
+                <a:lumMod val="104000"/>
               </a:schemeClr>
             </a:gs>
             <a:gs pos="100000">
               <a:schemeClr val="phClr">
-                <a:lumMod val="105000"/>
-                <a:satMod val="109000"/>
-                <a:tint val="81000"/>
+                <a:tint val="78000"/>
+                <a:satMod val="100000"/>
+                <a:lumMod val="100000"/>
               </a:schemeClr>
             </a:gs>
           </a:gsLst>
@@ -4171,23 +7498,16 @@
           <a:gsLst>
             <a:gs pos="0">
               <a:schemeClr val="phClr">
-                <a:satMod val="103000"/>
-                <a:lumMod val="102000"/>
-                <a:tint val="94000"/>
+                <a:tint val="96000"/>
+                <a:satMod val="100000"/>
+                <a:lumMod val="104000"/>
               </a:schemeClr>
             </a:gs>
-            <a:gs pos="50000">
+            <a:gs pos="78000">
               <a:schemeClr val="phClr">
+                <a:shade val="100000"/>
                 <a:satMod val="110000"/>
                 <a:lumMod val="100000"/>
-                <a:shade val="100000"/>
-              </a:schemeClr>
-            </a:gs>
-            <a:gs pos="100000">
-              <a:schemeClr val="phClr">
-                <a:lumMod val="99000"/>
-                <a:satMod val="120000"/>
-                <a:shade val="78000"/>
               </a:schemeClr>
             </a:gs>
           </a:gsLst>
@@ -4195,26 +7515,23 @@
         </a:gradFill>
       </a:fillStyleLst>
       <a:lnStyleLst>
-        <a:ln w="6350" cap="flat" cmpd="sng" algn="ctr">
+        <a:ln w="9525" cap="flat" cmpd="sng" algn="ctr">
           <a:solidFill>
             <a:schemeClr val="phClr"/>
           </a:solidFill>
           <a:prstDash val="solid"/>
-          <a:miter lim="800000"/>
         </a:ln>
         <a:ln w="12700" cap="flat" cmpd="sng" algn="ctr">
           <a:solidFill>
             <a:schemeClr val="phClr"/>
           </a:solidFill>
           <a:prstDash val="solid"/>
-          <a:miter lim="800000"/>
         </a:ln>
         <a:ln w="19050" cap="flat" cmpd="sng" algn="ctr">
           <a:solidFill>
             <a:schemeClr val="phClr"/>
           </a:solidFill>
           <a:prstDash val="solid"/>
-          <a:miter lim="800000"/>
         </a:ln>
       </a:lnStyleLst>
       <a:effectStyleLst>
@@ -4223,15 +7540,33 @@
         </a:effectStyle>
         <a:effectStyle>
           <a:effectLst/>
+          <a:scene3d>
+            <a:camera prst="orthographicFront">
+              <a:rot lat="0" lon="0" rev="0"/>
+            </a:camera>
+            <a:lightRig rig="threePt" dir="t"/>
+          </a:scene3d>
+          <a:sp3d>
+            <a:bevelT w="25400" h="12700"/>
+          </a:sp3d>
         </a:effectStyle>
         <a:effectStyle>
           <a:effectLst>
             <a:outerShdw blurRad="57150" dist="19050" dir="5400000" algn="ctr" rotWithShape="0">
               <a:srgbClr val="000000">
-                <a:alpha val="63000"/>
+                <a:alpha val="48000"/>
               </a:srgbClr>
             </a:outerShdw>
           </a:effectLst>
+          <a:scene3d>
+            <a:camera prst="orthographicFront">
+              <a:rot lat="0" lon="0" rev="0"/>
+            </a:camera>
+            <a:lightRig rig="threePt" dir="t"/>
+          </a:scene3d>
+          <a:sp3d>
+            <a:bevelT w="50800" h="25400"/>
+          </a:sp3d>
         </a:effectStyle>
       </a:effectStyleLst>
       <a:bgFillStyleLst>
@@ -4249,16 +7584,16 @@
             <a:gs pos="0">
               <a:schemeClr val="phClr">
                 <a:tint val="93000"/>
+                <a:shade val="98000"/>
                 <a:satMod val="150000"/>
-                <a:shade val="98000"/>
                 <a:lumMod val="102000"/>
               </a:schemeClr>
             </a:gs>
             <a:gs pos="50000">
               <a:schemeClr val="phClr">
                 <a:tint val="98000"/>
+                <a:shade val="90000"/>
                 <a:satMod val="130000"/>
-                <a:shade val="90000"/>
                 <a:lumMod val="103000"/>
               </a:schemeClr>
             </a:gs>
@@ -4278,7 +7613,7 @@
   <a:extraClrSchemeLst/>
   <a:extLst>
     <a:ext uri="{05A4C25C-085E-4340-85A3-A5531E510DB2}">
-      <thm15:themeFamily xmlns:thm15="http://schemas.microsoft.com/office/thememl/2012/main" name="Office Theme" id="{62F939B6-93AF-4DB8-9C6B-D6C7DFDC589F}" vid="{4A3C46E8-61CC-4603-A589-7422A47A8E4A}"/>
+      <thm15:themeFamily xmlns:thm15="http://schemas.microsoft.com/office/thememl/2012/main" name="Vapor Trail" id="{4FDF2955-7D9C-493C-B9F9-C205151B46CD}" vid="{6DB8EB18-3657-4051-A897-2ED38832359E}"/>
     </a:ext>
   </a:extLst>
 </a:theme>

--- a/Research Presntation.pptx
+++ b/Research Presntation.pptx
@@ -289,7 +289,7 @@
           <a:p>
             <a:fld id="{70C62A42-C283-41B3-99EF-D3E8EE93DF1C}" type="datetimeFigureOut">
               <a:rPr lang="en-US" smtClean="0"/>
-              <a:t>5/17/2022</a:t>
+              <a:t>5/25/2022</a:t>
             </a:fld>
             <a:endParaRPr lang="en-US"/>
           </a:p>
@@ -556,7 +556,7 @@
           <a:p>
             <a:fld id="{70C62A42-C283-41B3-99EF-D3E8EE93DF1C}" type="datetimeFigureOut">
               <a:rPr lang="en-US" smtClean="0"/>
-              <a:t>5/17/2022</a:t>
+              <a:t>5/25/2022</a:t>
             </a:fld>
             <a:endParaRPr lang="en-US"/>
           </a:p>
@@ -787,7 +787,7 @@
           <a:p>
             <a:fld id="{70C62A42-C283-41B3-99EF-D3E8EE93DF1C}" type="datetimeFigureOut">
               <a:rPr lang="en-US" smtClean="0"/>
-              <a:t>5/17/2022</a:t>
+              <a:t>5/25/2022</a:t>
             </a:fld>
             <a:endParaRPr lang="en-US"/>
           </a:p>
@@ -1097,7 +1097,7 @@
           <a:p>
             <a:fld id="{70C62A42-C283-41B3-99EF-D3E8EE93DF1C}" type="datetimeFigureOut">
               <a:rPr lang="en-US" smtClean="0"/>
-              <a:t>5/17/2022</a:t>
+              <a:t>5/25/2022</a:t>
             </a:fld>
             <a:endParaRPr lang="en-US"/>
           </a:p>
@@ -1570,7 +1570,7 @@
           <a:p>
             <a:fld id="{70C62A42-C283-41B3-99EF-D3E8EE93DF1C}" type="datetimeFigureOut">
               <a:rPr lang="en-US" smtClean="0"/>
-              <a:t>5/17/2022</a:t>
+              <a:t>5/25/2022</a:t>
             </a:fld>
             <a:endParaRPr lang="en-US"/>
           </a:p>
@@ -2117,7 +2117,7 @@
           <a:p>
             <a:fld id="{70C62A42-C283-41B3-99EF-D3E8EE93DF1C}" type="datetimeFigureOut">
               <a:rPr lang="en-US" smtClean="0"/>
-              <a:t>5/17/2022</a:t>
+              <a:t>5/25/2022</a:t>
             </a:fld>
             <a:endParaRPr lang="en-US"/>
           </a:p>
@@ -2891,7 +2891,7 @@
           <a:p>
             <a:fld id="{70C62A42-C283-41B3-99EF-D3E8EE93DF1C}" type="datetimeFigureOut">
               <a:rPr lang="en-US" smtClean="0"/>
-              <a:t>5/17/2022</a:t>
+              <a:t>5/25/2022</a:t>
             </a:fld>
             <a:endParaRPr lang="en-US"/>
           </a:p>
@@ -3066,7 +3066,7 @@
           <a:p>
             <a:fld id="{70C62A42-C283-41B3-99EF-D3E8EE93DF1C}" type="datetimeFigureOut">
               <a:rPr lang="en-US" smtClean="0"/>
-              <a:t>5/17/2022</a:t>
+              <a:t>5/25/2022</a:t>
             </a:fld>
             <a:endParaRPr lang="en-US"/>
           </a:p>
@@ -3289,7 +3289,7 @@
           <a:p>
             <a:fld id="{70C62A42-C283-41B3-99EF-D3E8EE93DF1C}" type="datetimeFigureOut">
               <a:rPr lang="en-US" smtClean="0"/>
-              <a:t>5/17/2022</a:t>
+              <a:t>5/25/2022</a:t>
             </a:fld>
             <a:endParaRPr lang="en-US"/>
           </a:p>
@@ -3469,7 +3469,7 @@
           <a:p>
             <a:fld id="{70C62A42-C283-41B3-99EF-D3E8EE93DF1C}" type="datetimeFigureOut">
               <a:rPr lang="en-US" smtClean="0"/>
-              <a:t>5/17/2022</a:t>
+              <a:t>5/25/2022</a:t>
             </a:fld>
             <a:endParaRPr lang="en-US"/>
           </a:p>
@@ -3758,7 +3758,7 @@
           <a:p>
             <a:fld id="{70C62A42-C283-41B3-99EF-D3E8EE93DF1C}" type="datetimeFigureOut">
               <a:rPr lang="en-US" smtClean="0"/>
-              <a:t>5/17/2022</a:t>
+              <a:t>5/25/2022</a:t>
             </a:fld>
             <a:endParaRPr lang="en-US"/>
           </a:p>
@@ -4000,7 +4000,7 @@
           <a:p>
             <a:fld id="{70C62A42-C283-41B3-99EF-D3E8EE93DF1C}" type="datetimeFigureOut">
               <a:rPr lang="en-US" smtClean="0"/>
-              <a:t>5/17/2022</a:t>
+              <a:t>5/25/2022</a:t>
             </a:fld>
             <a:endParaRPr lang="en-US"/>
           </a:p>
@@ -4379,7 +4379,7 @@
           <a:p>
             <a:fld id="{70C62A42-C283-41B3-99EF-D3E8EE93DF1C}" type="datetimeFigureOut">
               <a:rPr lang="en-US" smtClean="0"/>
-              <a:t>5/17/2022</a:t>
+              <a:t>5/25/2022</a:t>
             </a:fld>
             <a:endParaRPr lang="en-US"/>
           </a:p>
@@ -4497,7 +4497,7 @@
           <a:p>
             <a:fld id="{70C62A42-C283-41B3-99EF-D3E8EE93DF1C}" type="datetimeFigureOut">
               <a:rPr lang="en-US" smtClean="0"/>
-              <a:t>5/17/2022</a:t>
+              <a:t>5/25/2022</a:t>
             </a:fld>
             <a:endParaRPr lang="en-US"/>
           </a:p>
@@ -4592,7 +4592,7 @@
           <a:p>
             <a:fld id="{70C62A42-C283-41B3-99EF-D3E8EE93DF1C}" type="datetimeFigureOut">
               <a:rPr lang="en-US" smtClean="0"/>
-              <a:t>5/17/2022</a:t>
+              <a:t>5/25/2022</a:t>
             </a:fld>
             <a:endParaRPr lang="en-US"/>
           </a:p>
@@ -4841,7 +4841,7 @@
           <a:p>
             <a:fld id="{70C62A42-C283-41B3-99EF-D3E8EE93DF1C}" type="datetimeFigureOut">
               <a:rPr lang="en-US" smtClean="0"/>
-              <a:t>5/17/2022</a:t>
+              <a:t>5/25/2022</a:t>
             </a:fld>
             <a:endParaRPr lang="en-US"/>
           </a:p>
@@ -5098,7 +5098,7 @@
           <a:p>
             <a:fld id="{70C62A42-C283-41B3-99EF-D3E8EE93DF1C}" type="datetimeFigureOut">
               <a:rPr lang="en-US" smtClean="0"/>
-              <a:t>5/17/2022</a:t>
+              <a:t>5/25/2022</a:t>
             </a:fld>
             <a:endParaRPr lang="en-US"/>
           </a:p>
@@ -5341,7 +5341,7 @@
           <a:p>
             <a:fld id="{70C62A42-C283-41B3-99EF-D3E8EE93DF1C}" type="datetimeFigureOut">
               <a:rPr lang="en-US" smtClean="0"/>
-              <a:t>5/17/2022</a:t>
+              <a:t>5/25/2022</a:t>
             </a:fld>
             <a:endParaRPr lang="en-US"/>
           </a:p>
@@ -6114,7 +6114,12 @@
             <p:ph idx="1"/>
           </p:nvPr>
         </p:nvSpPr>
-        <p:spPr/>
+        <p:spPr>
+          <a:xfrm>
+            <a:off x="685800" y="2204720"/>
+            <a:ext cx="10820400" cy="4024125"/>
+          </a:xfrm>
+        </p:spPr>
         <p:txBody>
           <a:bodyPr/>
           <a:lstStyle/>
@@ -6210,13 +6215,13 @@
   <p:clrMapOvr>
     <a:masterClrMapping/>
   </p:clrMapOvr>
-  <mc:AlternateContent xmlns:mc="http://schemas.openxmlformats.org/markup-compatibility/2006">
-    <mc:Choice xmlns:p159="http://schemas.microsoft.com/office/powerpoint/2015/09/main" Requires="p159">
+  <mc:AlternateContent xmlns:mc="http://schemas.openxmlformats.org/markup-compatibility/2006" xmlns:p159="http://schemas.microsoft.com/office/powerpoint/2015/09/main">
+    <mc:Choice Requires="p159">
       <p:transition xmlns:p14="http://schemas.microsoft.com/office/powerpoint/2010/main" spd="slow" p14:dur="2000">
         <p159:morph option="byObject"/>
       </p:transition>
     </mc:Choice>
-    <mc:Fallback>
+    <mc:Fallback xmlns="">
       <p:transition spd="slow">
         <p:fade/>
       </p:transition>
@@ -6878,13 +6883,13 @@
   <p:clrMapOvr>
     <a:masterClrMapping/>
   </p:clrMapOvr>
-  <mc:AlternateContent xmlns:mc="http://schemas.openxmlformats.org/markup-compatibility/2006">
-    <mc:Choice xmlns:p159="http://schemas.microsoft.com/office/powerpoint/2015/09/main" Requires="p159">
+  <mc:AlternateContent xmlns:mc="http://schemas.openxmlformats.org/markup-compatibility/2006" xmlns:p159="http://schemas.microsoft.com/office/powerpoint/2015/09/main">
+    <mc:Choice Requires="p159">
       <p:transition xmlns:p14="http://schemas.microsoft.com/office/powerpoint/2010/main" spd="slow" p14:dur="2000">
         <p159:morph option="byObject"/>
       </p:transition>
     </mc:Choice>
-    <mc:Fallback>
+    <mc:Fallback xmlns="">
       <p:transition spd="slow">
         <p:fade/>
       </p:transition>
@@ -7718,6 +7723,23 @@
               </a:rPr>
               <a:t>Autonomous </a:t>
             </a:r>
+          </a:p>
+          <a:p>
+            <a:endParaRPr lang="en-US" sz="1800" b="1" dirty="0">
+              <a:latin typeface="Times New Roman" panose="02020603050405020304" pitchFamily="18" charset="0"/>
+              <a:ea typeface="Calibri" panose="020F0502020204030204" pitchFamily="34" charset="0"/>
+              <a:cs typeface="Arial" panose="020B0604020202020204" pitchFamily="34" charset="0"/>
+            </a:endParaRPr>
+          </a:p>
+          <a:p>
+            <a:r>
+              <a:rPr lang="en-US" sz="1800" b="1" dirty="0">
+                <a:latin typeface="Times New Roman" panose="02020603050405020304" pitchFamily="18" charset="0"/>
+                <a:ea typeface="Calibri" panose="020F0502020204030204" pitchFamily="34" charset="0"/>
+                <a:cs typeface="Arial" panose="020B0604020202020204" pitchFamily="34" charset="0"/>
+              </a:rPr>
+              <a:t>Range of sizes and intelligence </a:t>
+            </a:r>
             <a:endParaRPr lang="en-US" sz="1800" dirty="0">
               <a:effectLst/>
               <a:latin typeface="Calibri" panose="020F0502020204030204" pitchFamily="34" charset="0"/>
@@ -7744,13 +7766,13 @@
   <p:clrMapOvr>
     <a:masterClrMapping/>
   </p:clrMapOvr>
-  <mc:AlternateContent xmlns:mc="http://schemas.openxmlformats.org/markup-compatibility/2006">
-    <mc:Choice xmlns:p159="http://schemas.microsoft.com/office/powerpoint/2015/09/main" Requires="p159">
+  <mc:AlternateContent xmlns:mc="http://schemas.openxmlformats.org/markup-compatibility/2006" xmlns:p159="http://schemas.microsoft.com/office/powerpoint/2015/09/main">
+    <mc:Choice Requires="p159">
       <p:transition xmlns:p14="http://schemas.microsoft.com/office/powerpoint/2010/main" spd="slow" p14:dur="2000">
         <p159:morph option="byObject"/>
       </p:transition>
     </mc:Choice>
-    <mc:Fallback>
+    <mc:Fallback xmlns="">
       <p:transition spd="slow">
         <p:fade/>
       </p:transition>
@@ -8194,6 +8216,121 @@
                                           <p:spTgt spid="3">
                                             <p:txEl>
                                               <p:pRg st="4" end="4"/>
+                                            </p:txEl>
+                                          </p:spTgt>
+                                        </p:tgtEl>
+                                      </p:cBhvr>
+                                    </p:animEffect>
+                                  </p:childTnLst>
+                                </p:cTn>
+                              </p:par>
+                            </p:childTnLst>
+                          </p:cTn>
+                        </p:par>
+                      </p:childTnLst>
+                    </p:cTn>
+                  </p:par>
+                  <p:par>
+                    <p:cTn id="31" fill="hold">
+                      <p:stCondLst>
+                        <p:cond delay="indefinite"/>
+                      </p:stCondLst>
+                      <p:childTnLst>
+                        <p:par>
+                          <p:cTn id="32" fill="hold">
+                            <p:stCondLst>
+                              <p:cond delay="0"/>
+                            </p:stCondLst>
+                            <p:childTnLst>
+                              <p:par>
+                                <p:cTn id="33" presetID="53" presetClass="entr" presetSubtype="16" fill="hold" nodeType="clickEffect">
+                                  <p:stCondLst>
+                                    <p:cond delay="0"/>
+                                  </p:stCondLst>
+                                  <p:childTnLst>
+                                    <p:set>
+                                      <p:cBhvr>
+                                        <p:cTn id="34" dur="1" fill="hold">
+                                          <p:stCondLst>
+                                            <p:cond delay="0"/>
+                                          </p:stCondLst>
+                                        </p:cTn>
+                                        <p:tgtEl>
+                                          <p:spTgt spid="3">
+                                            <p:txEl>
+                                              <p:pRg st="6" end="6"/>
+                                            </p:txEl>
+                                          </p:spTgt>
+                                        </p:tgtEl>
+                                        <p:attrNameLst>
+                                          <p:attrName>style.visibility</p:attrName>
+                                        </p:attrNameLst>
+                                      </p:cBhvr>
+                                      <p:to>
+                                        <p:strVal val="visible"/>
+                                      </p:to>
+                                    </p:set>
+                                    <p:anim calcmode="lin" valueType="num">
+                                      <p:cBhvr>
+                                        <p:cTn id="35" dur="500" fill="hold"/>
+                                        <p:tgtEl>
+                                          <p:spTgt spid="3">
+                                            <p:txEl>
+                                              <p:pRg st="6" end="6"/>
+                                            </p:txEl>
+                                          </p:spTgt>
+                                        </p:tgtEl>
+                                        <p:attrNameLst>
+                                          <p:attrName>ppt_w</p:attrName>
+                                        </p:attrNameLst>
+                                      </p:cBhvr>
+                                      <p:tavLst>
+                                        <p:tav tm="0">
+                                          <p:val>
+                                            <p:fltVal val="0"/>
+                                          </p:val>
+                                        </p:tav>
+                                        <p:tav tm="100000">
+                                          <p:val>
+                                            <p:strVal val="#ppt_w"/>
+                                          </p:val>
+                                        </p:tav>
+                                      </p:tavLst>
+                                    </p:anim>
+                                    <p:anim calcmode="lin" valueType="num">
+                                      <p:cBhvr>
+                                        <p:cTn id="36" dur="500" fill="hold"/>
+                                        <p:tgtEl>
+                                          <p:spTgt spid="3">
+                                            <p:txEl>
+                                              <p:pRg st="6" end="6"/>
+                                            </p:txEl>
+                                          </p:spTgt>
+                                        </p:tgtEl>
+                                        <p:attrNameLst>
+                                          <p:attrName>ppt_h</p:attrName>
+                                        </p:attrNameLst>
+                                      </p:cBhvr>
+                                      <p:tavLst>
+                                        <p:tav tm="0">
+                                          <p:val>
+                                            <p:fltVal val="0"/>
+                                          </p:val>
+                                        </p:tav>
+                                        <p:tav tm="100000">
+                                          <p:val>
+                                            <p:strVal val="#ppt_h"/>
+                                          </p:val>
+                                        </p:tav>
+                                      </p:tavLst>
+                                    </p:anim>
+                                    <p:animEffect transition="in" filter="fade">
+                                      <p:cBhvr>
+                                        <p:cTn id="37" dur="500"/>
+                                        <p:tgtEl>
+                                          <p:spTgt spid="3">
+                                            <p:txEl>
+                                              <p:pRg st="6" end="6"/>
                                             </p:txEl>
                                           </p:spTgt>
                                         </p:tgtEl>
@@ -8315,19 +8452,12 @@
             </a:pPr>
             <a:r>
               <a:rPr lang="en-US" sz="1800" dirty="0">
-                <a:effectLst/>
                 <a:latin typeface="Times New Roman" panose="02020603050405020304" pitchFamily="18" charset="0"/>
                 <a:ea typeface="Calibri" panose="020F0502020204030204" pitchFamily="34" charset="0"/>
                 <a:cs typeface="Arial" panose="020B0604020202020204" pitchFamily="34" charset="0"/>
               </a:rPr>
-              <a:t>For ages human do their job where they do a demanding work but sometimes, they do not produce the amount that cover the price because the workers get tired after long work until robots where created which replaced the human work force in many industries as robots don’t  get tired so they can work all day.</a:t>
-            </a:r>
-            <a:endParaRPr lang="en-US" sz="1800" dirty="0">
-              <a:effectLst/>
-              <a:latin typeface="Calibri" panose="020F0502020204030204" pitchFamily="34" charset="0"/>
-              <a:ea typeface="Calibri" panose="020F0502020204030204" pitchFamily="34" charset="0"/>
-              <a:cs typeface="Arial" panose="020B0604020202020204" pitchFamily="34" charset="0"/>
-            </a:endParaRPr>
+              <a:t>Now we know the biggest aspects of humans and robots where do we draw the line ?</a:t>
+            </a:r>
           </a:p>
           <a:p>
             <a:pPr marL="0" marR="0" indent="457200">
@@ -8343,12 +8473,11 @@
             </a:pPr>
             <a:r>
               <a:rPr lang="en-US" sz="1800" dirty="0">
-                <a:effectLst/>
                 <a:latin typeface="Times New Roman" panose="02020603050405020304" pitchFamily="18" charset="0"/>
                 <a:ea typeface="Calibri" panose="020F0502020204030204" pitchFamily="34" charset="0"/>
                 <a:cs typeface="Arial" panose="020B0604020202020204" pitchFamily="34" charset="0"/>
               </a:rPr>
-              <a:t>Because of that some jobs replace human workers with robot’s worker, and it is risen the benefit of the result, but the robot cannot do everything there is some job that robot can take part of it but can't replace the humans.</a:t>
+              <a:t>We draw the line at the extremes where the job must be fully human or fully robotic </a:t>
             </a:r>
           </a:p>
           <a:p>
@@ -8363,24 +8492,6 @@
                 <a:spcPts val="800"/>
               </a:spcAft>
             </a:pPr>
-            <a:endParaRPr lang="en-US" sz="1800" dirty="0">
-              <a:latin typeface="Times New Roman" panose="02020603050405020304" pitchFamily="18" charset="0"/>
-              <a:ea typeface="Calibri" panose="020F0502020204030204" pitchFamily="34" charset="0"/>
-              <a:cs typeface="Arial" panose="020B0604020202020204" pitchFamily="34" charset="0"/>
-            </a:endParaRPr>
-          </a:p>
-          <a:p>
-            <a:pPr marL="0" marR="0" indent="457200">
-              <a:lnSpc>
-                <a:spcPct val="107000"/>
-              </a:lnSpc>
-              <a:spcBef>
-                <a:spcPts val="0"/>
-              </a:spcBef>
-              <a:spcAft>
-                <a:spcPts val="800"/>
-              </a:spcAft>
-            </a:pPr>
             <a:r>
               <a:rPr lang="en-US" sz="1800" dirty="0">
                 <a:effectLst/>
@@ -8388,7 +8499,7 @@
                 <a:ea typeface="Calibri" panose="020F0502020204030204" pitchFamily="34" charset="0"/>
                 <a:cs typeface="Arial" panose="020B0604020202020204" pitchFamily="34" charset="0"/>
               </a:rPr>
-              <a:t>However, that doesn’t mean we have to replace all humans in all fields as we pointed out before the aspects  that humans have are nonnegotiably in need of human employees for example :</a:t>
+              <a:t>For example, at the human's side :</a:t>
             </a:r>
             <a:endParaRPr lang="en-US" sz="1800" dirty="0">
               <a:effectLst/>
@@ -8398,8 +8509,9 @@
             </a:endParaRPr>
           </a:p>
           <a:p>
-            <a:r>
-              <a:rPr lang="en-US" sz="1800" b="1" dirty="0">
+            <a:pPr lvl="1"/>
+            <a:r>
+              <a:rPr lang="en-US" sz="1600" b="1" dirty="0">
                 <a:effectLst/>
                 <a:latin typeface="Times New Roman" panose="02020603050405020304" pitchFamily="18" charset="0"/>
                 <a:ea typeface="Times New Roman" panose="02020603050405020304" pitchFamily="18" charset="0"/>
@@ -8407,15 +8519,16 @@
               </a:rPr>
               <a:t>Childcare Expert</a:t>
             </a:r>
-            <a:endParaRPr lang="en-US" sz="1800" b="1" dirty="0">
+            <a:endParaRPr lang="en-US" sz="1600" b="1" dirty="0">
               <a:effectLst/>
               <a:latin typeface="Times New Roman" panose="02020603050405020304" pitchFamily="18" charset="0"/>
               <a:ea typeface="Times New Roman" panose="02020603050405020304" pitchFamily="18" charset="0"/>
             </a:endParaRPr>
           </a:p>
           <a:p>
-            <a:r>
-              <a:rPr lang="en-US" sz="1800" b="1" dirty="0">
+            <a:pPr lvl="1"/>
+            <a:r>
+              <a:rPr lang="en-US" sz="1600" b="1" dirty="0">
                 <a:effectLst/>
                 <a:latin typeface="Times New Roman" panose="02020603050405020304" pitchFamily="18" charset="0"/>
                 <a:ea typeface="Times New Roman" panose="02020603050405020304" pitchFamily="18" charset="0"/>
@@ -8423,15 +8536,16 @@
               </a:rPr>
               <a:t>Teacher</a:t>
             </a:r>
-            <a:endParaRPr lang="en-US" sz="1800" b="1" dirty="0">
+            <a:endParaRPr lang="en-US" sz="1600" b="1" dirty="0">
               <a:effectLst/>
               <a:latin typeface="Times New Roman" panose="02020603050405020304" pitchFamily="18" charset="0"/>
               <a:ea typeface="Times New Roman" panose="02020603050405020304" pitchFamily="18" charset="0"/>
             </a:endParaRPr>
           </a:p>
           <a:p>
-            <a:r>
-              <a:rPr lang="en-US" sz="1800" b="1" dirty="0">
+            <a:pPr lvl="1"/>
+            <a:r>
+              <a:rPr lang="en-US" sz="1600" b="1" dirty="0">
                 <a:effectLst/>
                 <a:latin typeface="Times New Roman" panose="02020603050405020304" pitchFamily="18" charset="0"/>
                 <a:ea typeface="Times New Roman" panose="02020603050405020304" pitchFamily="18" charset="0"/>
@@ -8439,14 +8553,57 @@
               </a:rPr>
               <a:t>Doctor</a:t>
             </a:r>
-            <a:endParaRPr lang="en-US" sz="1800" b="1" dirty="0">
-              <a:effectLst/>
-              <a:latin typeface="Times New Roman" panose="02020603050405020304" pitchFamily="18" charset="0"/>
-              <a:ea typeface="Times New Roman" panose="02020603050405020304" pitchFamily="18" charset="0"/>
-            </a:endParaRPr>
-          </a:p>
-          <a:p>
+          </a:p>
+          <a:p>
+            <a:pPr lvl="1"/>
+            <a:r>
+              <a:rPr lang="en-US" sz="1600" b="1" dirty="0">
+                <a:latin typeface="Times New Roman" panose="02020603050405020304" pitchFamily="18" charset="0"/>
+                <a:ea typeface="Times New Roman" panose="02020603050405020304" pitchFamily="18" charset="0"/>
+                <a:cs typeface="Times New Roman" panose="02020603050405020304" pitchFamily="18" charset="0"/>
+              </a:rPr>
+              <a:t>Basically, anything that is in a fast-changing environment or needs emotional intelligence </a:t>
+            </a:r>
             <a:endParaRPr lang="en-US" dirty="0"/>
+          </a:p>
+          <a:p>
+            <a:r>
+              <a:rPr lang="en-US" sz="1800" dirty="0">
+                <a:latin typeface="Times New Roman" panose="02020603050405020304" pitchFamily="18" charset="0"/>
+                <a:cs typeface="Times New Roman" panose="02020603050405020304" pitchFamily="18" charset="0"/>
+              </a:rPr>
+              <a:t> for the robot's side :</a:t>
+            </a:r>
+          </a:p>
+          <a:p>
+            <a:pPr lvl="1"/>
+            <a:r>
+              <a:rPr lang="en-US" sz="1600" b="1" dirty="0">
+                <a:latin typeface="Times New Roman" panose="02020603050405020304" pitchFamily="18" charset="0"/>
+                <a:cs typeface="Times New Roman" panose="02020603050405020304" pitchFamily="18" charset="0"/>
+              </a:rPr>
+              <a:t>Cargo transport </a:t>
+            </a:r>
+          </a:p>
+          <a:p>
+            <a:pPr lvl="1"/>
+            <a:r>
+              <a:rPr lang="en-US" sz="1600" b="1" dirty="0">
+                <a:latin typeface="Times New Roman" panose="02020603050405020304" pitchFamily="18" charset="0"/>
+                <a:cs typeface="Times New Roman" panose="02020603050405020304" pitchFamily="18" charset="0"/>
+              </a:rPr>
+              <a:t>Jobs at dangers sides such as volcanoes and space</a:t>
+            </a:r>
+          </a:p>
+          <a:p>
+            <a:pPr lvl="1"/>
+            <a:r>
+              <a:rPr lang="en-US" sz="1600" b="1" dirty="0">
+                <a:latin typeface="Times New Roman" panose="02020603050405020304" pitchFamily="18" charset="0"/>
+                <a:cs typeface="Times New Roman" panose="02020603050405020304" pitchFamily="18" charset="0"/>
+              </a:rPr>
+              <a:t>Basically, anything where human life is at  risk or above human strengths are needed </a:t>
+            </a:r>
           </a:p>
         </p:txBody>
       </p:sp>
@@ -8460,13 +8617,13 @@
   <p:clrMapOvr>
     <a:masterClrMapping/>
   </p:clrMapOvr>
-  <mc:AlternateContent xmlns:mc="http://schemas.openxmlformats.org/markup-compatibility/2006">
-    <mc:Choice xmlns:p159="http://schemas.microsoft.com/office/powerpoint/2015/09/main" Requires="p159">
+  <mc:AlternateContent xmlns:mc="http://schemas.openxmlformats.org/markup-compatibility/2006" xmlns:p159="http://schemas.microsoft.com/office/powerpoint/2015/09/main">
+    <mc:Choice Requires="p159">
       <p:transition xmlns:p14="http://schemas.microsoft.com/office/powerpoint/2010/main" spd="slow" p14:dur="2000">
         <p159:morph option="byObject"/>
       </p:transition>
     </mc:Choice>
-    <mc:Fallback>
+    <mc:Fallback xmlns="">
       <p:transition spd="slow">
         <p:fade/>
       </p:transition>
@@ -8837,7 +8994,7 @@
                                         <p:tgtEl>
                                           <p:spTgt spid="3">
                                             <p:txEl>
-                                              <p:pRg st="3" end="3"/>
+                                              <p:pRg st="2" end="2"/>
                                             </p:txEl>
                                           </p:spTgt>
                                         </p:tgtEl>
@@ -8855,7 +9012,7 @@
                                         <p:tgtEl>
                                           <p:spTgt spid="3">
                                             <p:txEl>
-                                              <p:pRg st="3" end="3"/>
+                                              <p:pRg st="2" end="2"/>
                                             </p:txEl>
                                           </p:spTgt>
                                         </p:tgtEl>
@@ -8867,7 +9024,7 @@
                                         <p:tgtEl>
                                           <p:spTgt spid="3">
                                             <p:txEl>
-                                              <p:pRg st="3" end="3"/>
+                                              <p:pRg st="2" end="2"/>
                                             </p:txEl>
                                           </p:spTgt>
                                         </p:tgtEl>
@@ -8894,7 +9051,7 @@
                                         <p:tgtEl>
                                           <p:spTgt spid="3">
                                             <p:txEl>
-                                              <p:pRg st="3" end="3"/>
+                                              <p:pRg st="2" end="2"/>
                                             </p:txEl>
                                           </p:spTgt>
                                         </p:tgtEl>
@@ -8952,7 +9109,7 @@
                                         <p:tgtEl>
                                           <p:spTgt spid="3">
                                             <p:txEl>
-                                              <p:pRg st="4" end="4"/>
+                                              <p:pRg st="3" end="3"/>
                                             </p:txEl>
                                           </p:spTgt>
                                         </p:tgtEl>
@@ -8970,7 +9127,7 @@
                                         <p:tgtEl>
                                           <p:spTgt spid="3">
                                             <p:txEl>
-                                              <p:pRg st="4" end="4"/>
+                                              <p:pRg st="3" end="3"/>
                                             </p:txEl>
                                           </p:spTgt>
                                         </p:tgtEl>
@@ -8997,7 +9154,7 @@
                                         <p:tgtEl>
                                           <p:spTgt spid="3">
                                             <p:txEl>
-                                              <p:pRg st="4" end="4"/>
+                                              <p:pRg st="3" end="3"/>
                                             </p:txEl>
                                           </p:spTgt>
                                         </p:tgtEl>
@@ -9024,7 +9181,7 @@
                                         <p:tgtEl>
                                           <p:spTgt spid="3">
                                             <p:txEl>
-                                              <p:pRg st="4" end="4"/>
+                                              <p:pRg st="3" end="3"/>
                                             </p:txEl>
                                           </p:spTgt>
                                         </p:tgtEl>
@@ -9067,7 +9224,7 @@
                                         <p:tgtEl>
                                           <p:spTgt spid="3">
                                             <p:txEl>
-                                              <p:pRg st="5" end="5"/>
+                                              <p:pRg st="4" end="4"/>
                                             </p:txEl>
                                           </p:spTgt>
                                         </p:tgtEl>
@@ -9085,7 +9242,7 @@
                                         <p:tgtEl>
                                           <p:spTgt spid="3">
                                             <p:txEl>
-                                              <p:pRg st="5" end="5"/>
+                                              <p:pRg st="4" end="4"/>
                                             </p:txEl>
                                           </p:spTgt>
                                         </p:tgtEl>
@@ -9112,7 +9269,7 @@
                                         <p:tgtEl>
                                           <p:spTgt spid="3">
                                             <p:txEl>
-                                              <p:pRg st="5" end="5"/>
+                                              <p:pRg st="4" end="4"/>
                                             </p:txEl>
                                           </p:spTgt>
                                         </p:tgtEl>
@@ -9139,7 +9296,7 @@
                                         <p:tgtEl>
                                           <p:spTgt spid="3">
                                             <p:txEl>
-                                              <p:pRg st="5" end="5"/>
+                                              <p:pRg st="4" end="4"/>
                                             </p:txEl>
                                           </p:spTgt>
                                         </p:tgtEl>
@@ -9182,7 +9339,7 @@
                                         <p:tgtEl>
                                           <p:spTgt spid="3">
                                             <p:txEl>
-                                              <p:pRg st="6" end="6"/>
+                                              <p:pRg st="5" end="5"/>
                                             </p:txEl>
                                           </p:spTgt>
                                         </p:tgtEl>
@@ -9200,7 +9357,7 @@
                                         <p:tgtEl>
                                           <p:spTgt spid="3">
                                             <p:txEl>
-                                              <p:pRg st="6" end="6"/>
+                                              <p:pRg st="5" end="5"/>
                                             </p:txEl>
                                           </p:spTgt>
                                         </p:tgtEl>
@@ -9224,6 +9381,76 @@
                                     <p:anim calcmode="lin" valueType="num">
                                       <p:cBhvr>
                                         <p:cTn id="50" dur="500" fill="hold"/>
+                                        <p:tgtEl>
+                                          <p:spTgt spid="3">
+                                            <p:txEl>
+                                              <p:pRg st="5" end="5"/>
+                                            </p:txEl>
+                                          </p:spTgt>
+                                        </p:tgtEl>
+                                        <p:attrNameLst>
+                                          <p:attrName>ppt_h</p:attrName>
+                                        </p:attrNameLst>
+                                      </p:cBhvr>
+                                      <p:tavLst>
+                                        <p:tav tm="0">
+                                          <p:val>
+                                            <p:fltVal val="0"/>
+                                          </p:val>
+                                        </p:tav>
+                                        <p:tav tm="100000">
+                                          <p:val>
+                                            <p:strVal val="#ppt_h"/>
+                                          </p:val>
+                                        </p:tav>
+                                      </p:tavLst>
+                                    </p:anim>
+                                    <p:animEffect transition="in" filter="fade">
+                                      <p:cBhvr>
+                                        <p:cTn id="51" dur="500"/>
+                                        <p:tgtEl>
+                                          <p:spTgt spid="3">
+                                            <p:txEl>
+                                              <p:pRg st="5" end="5"/>
+                                            </p:txEl>
+                                          </p:spTgt>
+                                        </p:tgtEl>
+                                      </p:cBhvr>
+                                    </p:animEffect>
+                                  </p:childTnLst>
+                                </p:cTn>
+                              </p:par>
+                            </p:childTnLst>
+                          </p:cTn>
+                        </p:par>
+                      </p:childTnLst>
+                    </p:cTn>
+                  </p:par>
+                  <p:par>
+                    <p:cTn id="52" fill="hold">
+                      <p:stCondLst>
+                        <p:cond delay="indefinite"/>
+                      </p:stCondLst>
+                      <p:childTnLst>
+                        <p:par>
+                          <p:cTn id="53" fill="hold">
+                            <p:stCondLst>
+                              <p:cond delay="0"/>
+                            </p:stCondLst>
+                            <p:childTnLst>
+                              <p:par>
+                                <p:cTn id="54" presetID="53" presetClass="entr" presetSubtype="16" fill="hold" nodeType="clickEffect">
+                                  <p:stCondLst>
+                                    <p:cond delay="0"/>
+                                  </p:stCondLst>
+                                  <p:childTnLst>
+                                    <p:set>
+                                      <p:cBhvr>
+                                        <p:cTn id="55" dur="1" fill="hold">
+                                          <p:stCondLst>
+                                            <p:cond delay="0"/>
+                                          </p:stCondLst>
+                                        </p:cTn>
                                         <p:tgtEl>
                                           <p:spTgt spid="3">
                                             <p:txEl>
@@ -9232,6 +9459,51 @@
                                           </p:spTgt>
                                         </p:tgtEl>
                                         <p:attrNameLst>
+                                          <p:attrName>style.visibility</p:attrName>
+                                        </p:attrNameLst>
+                                      </p:cBhvr>
+                                      <p:to>
+                                        <p:strVal val="visible"/>
+                                      </p:to>
+                                    </p:set>
+                                    <p:anim calcmode="lin" valueType="num">
+                                      <p:cBhvr>
+                                        <p:cTn id="56" dur="500" fill="hold"/>
+                                        <p:tgtEl>
+                                          <p:spTgt spid="3">
+                                            <p:txEl>
+                                              <p:pRg st="6" end="6"/>
+                                            </p:txEl>
+                                          </p:spTgt>
+                                        </p:tgtEl>
+                                        <p:attrNameLst>
+                                          <p:attrName>ppt_w</p:attrName>
+                                        </p:attrNameLst>
+                                      </p:cBhvr>
+                                      <p:tavLst>
+                                        <p:tav tm="0">
+                                          <p:val>
+                                            <p:fltVal val="0"/>
+                                          </p:val>
+                                        </p:tav>
+                                        <p:tav tm="100000">
+                                          <p:val>
+                                            <p:strVal val="#ppt_w"/>
+                                          </p:val>
+                                        </p:tav>
+                                      </p:tavLst>
+                                    </p:anim>
+                                    <p:anim calcmode="lin" valueType="num">
+                                      <p:cBhvr>
+                                        <p:cTn id="57" dur="500" fill="hold"/>
+                                        <p:tgtEl>
+                                          <p:spTgt spid="3">
+                                            <p:txEl>
+                                              <p:pRg st="6" end="6"/>
+                                            </p:txEl>
+                                          </p:spTgt>
+                                        </p:tgtEl>
+                                        <p:attrNameLst>
                                           <p:attrName>ppt_h</p:attrName>
                                         </p:attrNameLst>
                                       </p:cBhvr>
@@ -9250,11 +9522,471 @@
                                     </p:anim>
                                     <p:animEffect transition="in" filter="fade">
                                       <p:cBhvr>
-                                        <p:cTn id="51" dur="500"/>
+                                        <p:cTn id="58" dur="500"/>
                                         <p:tgtEl>
                                           <p:spTgt spid="3">
                                             <p:txEl>
                                               <p:pRg st="6" end="6"/>
+                                            </p:txEl>
+                                          </p:spTgt>
+                                        </p:tgtEl>
+                                      </p:cBhvr>
+                                    </p:animEffect>
+                                  </p:childTnLst>
+                                </p:cTn>
+                              </p:par>
+                            </p:childTnLst>
+                          </p:cTn>
+                        </p:par>
+                      </p:childTnLst>
+                    </p:cTn>
+                  </p:par>
+                  <p:par>
+                    <p:cTn id="59" fill="hold">
+                      <p:stCondLst>
+                        <p:cond delay="indefinite"/>
+                      </p:stCondLst>
+                      <p:childTnLst>
+                        <p:par>
+                          <p:cTn id="60" fill="hold">
+                            <p:stCondLst>
+                              <p:cond delay="0"/>
+                            </p:stCondLst>
+                            <p:childTnLst>
+                              <p:par>
+                                <p:cTn id="61" presetID="53" presetClass="entr" presetSubtype="16" fill="hold" nodeType="clickEffect">
+                                  <p:stCondLst>
+                                    <p:cond delay="0"/>
+                                  </p:stCondLst>
+                                  <p:childTnLst>
+                                    <p:set>
+                                      <p:cBhvr>
+                                        <p:cTn id="62" dur="1" fill="hold">
+                                          <p:stCondLst>
+                                            <p:cond delay="0"/>
+                                          </p:stCondLst>
+                                        </p:cTn>
+                                        <p:tgtEl>
+                                          <p:spTgt spid="3">
+                                            <p:txEl>
+                                              <p:pRg st="7" end="7"/>
+                                            </p:txEl>
+                                          </p:spTgt>
+                                        </p:tgtEl>
+                                        <p:attrNameLst>
+                                          <p:attrName>style.visibility</p:attrName>
+                                        </p:attrNameLst>
+                                      </p:cBhvr>
+                                      <p:to>
+                                        <p:strVal val="visible"/>
+                                      </p:to>
+                                    </p:set>
+                                    <p:anim calcmode="lin" valueType="num">
+                                      <p:cBhvr>
+                                        <p:cTn id="63" dur="500" fill="hold"/>
+                                        <p:tgtEl>
+                                          <p:spTgt spid="3">
+                                            <p:txEl>
+                                              <p:pRg st="7" end="7"/>
+                                            </p:txEl>
+                                          </p:spTgt>
+                                        </p:tgtEl>
+                                        <p:attrNameLst>
+                                          <p:attrName>ppt_w</p:attrName>
+                                        </p:attrNameLst>
+                                      </p:cBhvr>
+                                      <p:tavLst>
+                                        <p:tav tm="0">
+                                          <p:val>
+                                            <p:fltVal val="0"/>
+                                          </p:val>
+                                        </p:tav>
+                                        <p:tav tm="100000">
+                                          <p:val>
+                                            <p:strVal val="#ppt_w"/>
+                                          </p:val>
+                                        </p:tav>
+                                      </p:tavLst>
+                                    </p:anim>
+                                    <p:anim calcmode="lin" valueType="num">
+                                      <p:cBhvr>
+                                        <p:cTn id="64" dur="500" fill="hold"/>
+                                        <p:tgtEl>
+                                          <p:spTgt spid="3">
+                                            <p:txEl>
+                                              <p:pRg st="7" end="7"/>
+                                            </p:txEl>
+                                          </p:spTgt>
+                                        </p:tgtEl>
+                                        <p:attrNameLst>
+                                          <p:attrName>ppt_h</p:attrName>
+                                        </p:attrNameLst>
+                                      </p:cBhvr>
+                                      <p:tavLst>
+                                        <p:tav tm="0">
+                                          <p:val>
+                                            <p:fltVal val="0"/>
+                                          </p:val>
+                                        </p:tav>
+                                        <p:tav tm="100000">
+                                          <p:val>
+                                            <p:strVal val="#ppt_h"/>
+                                          </p:val>
+                                        </p:tav>
+                                      </p:tavLst>
+                                    </p:anim>
+                                    <p:animEffect transition="in" filter="fade">
+                                      <p:cBhvr>
+                                        <p:cTn id="65" dur="500"/>
+                                        <p:tgtEl>
+                                          <p:spTgt spid="3">
+                                            <p:txEl>
+                                              <p:pRg st="7" end="7"/>
+                                            </p:txEl>
+                                          </p:spTgt>
+                                        </p:tgtEl>
+                                      </p:cBhvr>
+                                    </p:animEffect>
+                                  </p:childTnLst>
+                                </p:cTn>
+                              </p:par>
+                            </p:childTnLst>
+                          </p:cTn>
+                        </p:par>
+                      </p:childTnLst>
+                    </p:cTn>
+                  </p:par>
+                  <p:par>
+                    <p:cTn id="66" fill="hold">
+                      <p:stCondLst>
+                        <p:cond delay="indefinite"/>
+                      </p:stCondLst>
+                      <p:childTnLst>
+                        <p:par>
+                          <p:cTn id="67" fill="hold">
+                            <p:stCondLst>
+                              <p:cond delay="0"/>
+                            </p:stCondLst>
+                            <p:childTnLst>
+                              <p:par>
+                                <p:cTn id="68" presetID="53" presetClass="entr" presetSubtype="16" fill="hold" nodeType="clickEffect">
+                                  <p:stCondLst>
+                                    <p:cond delay="0"/>
+                                  </p:stCondLst>
+                                  <p:childTnLst>
+                                    <p:set>
+                                      <p:cBhvr>
+                                        <p:cTn id="69" dur="1" fill="hold">
+                                          <p:stCondLst>
+                                            <p:cond delay="0"/>
+                                          </p:stCondLst>
+                                        </p:cTn>
+                                        <p:tgtEl>
+                                          <p:spTgt spid="3">
+                                            <p:txEl>
+                                              <p:pRg st="8" end="8"/>
+                                            </p:txEl>
+                                          </p:spTgt>
+                                        </p:tgtEl>
+                                        <p:attrNameLst>
+                                          <p:attrName>style.visibility</p:attrName>
+                                        </p:attrNameLst>
+                                      </p:cBhvr>
+                                      <p:to>
+                                        <p:strVal val="visible"/>
+                                      </p:to>
+                                    </p:set>
+                                    <p:anim calcmode="lin" valueType="num">
+                                      <p:cBhvr>
+                                        <p:cTn id="70" dur="500" fill="hold"/>
+                                        <p:tgtEl>
+                                          <p:spTgt spid="3">
+                                            <p:txEl>
+                                              <p:pRg st="8" end="8"/>
+                                            </p:txEl>
+                                          </p:spTgt>
+                                        </p:tgtEl>
+                                        <p:attrNameLst>
+                                          <p:attrName>ppt_w</p:attrName>
+                                        </p:attrNameLst>
+                                      </p:cBhvr>
+                                      <p:tavLst>
+                                        <p:tav tm="0">
+                                          <p:val>
+                                            <p:fltVal val="0"/>
+                                          </p:val>
+                                        </p:tav>
+                                        <p:tav tm="100000">
+                                          <p:val>
+                                            <p:strVal val="#ppt_w"/>
+                                          </p:val>
+                                        </p:tav>
+                                      </p:tavLst>
+                                    </p:anim>
+                                    <p:anim calcmode="lin" valueType="num">
+                                      <p:cBhvr>
+                                        <p:cTn id="71" dur="500" fill="hold"/>
+                                        <p:tgtEl>
+                                          <p:spTgt spid="3">
+                                            <p:txEl>
+                                              <p:pRg st="8" end="8"/>
+                                            </p:txEl>
+                                          </p:spTgt>
+                                        </p:tgtEl>
+                                        <p:attrNameLst>
+                                          <p:attrName>ppt_h</p:attrName>
+                                        </p:attrNameLst>
+                                      </p:cBhvr>
+                                      <p:tavLst>
+                                        <p:tav tm="0">
+                                          <p:val>
+                                            <p:fltVal val="0"/>
+                                          </p:val>
+                                        </p:tav>
+                                        <p:tav tm="100000">
+                                          <p:val>
+                                            <p:strVal val="#ppt_h"/>
+                                          </p:val>
+                                        </p:tav>
+                                      </p:tavLst>
+                                    </p:anim>
+                                    <p:animEffect transition="in" filter="fade">
+                                      <p:cBhvr>
+                                        <p:cTn id="72" dur="500"/>
+                                        <p:tgtEl>
+                                          <p:spTgt spid="3">
+                                            <p:txEl>
+                                              <p:pRg st="8" end="8"/>
+                                            </p:txEl>
+                                          </p:spTgt>
+                                        </p:tgtEl>
+                                      </p:cBhvr>
+                                    </p:animEffect>
+                                  </p:childTnLst>
+                                </p:cTn>
+                              </p:par>
+                            </p:childTnLst>
+                          </p:cTn>
+                        </p:par>
+                      </p:childTnLst>
+                    </p:cTn>
+                  </p:par>
+                  <p:par>
+                    <p:cTn id="73" fill="hold">
+                      <p:stCondLst>
+                        <p:cond delay="indefinite"/>
+                      </p:stCondLst>
+                      <p:childTnLst>
+                        <p:par>
+                          <p:cTn id="74" fill="hold">
+                            <p:stCondLst>
+                              <p:cond delay="0"/>
+                            </p:stCondLst>
+                            <p:childTnLst>
+                              <p:par>
+                                <p:cTn id="75" presetID="53" presetClass="entr" presetSubtype="16" fill="hold" nodeType="clickEffect">
+                                  <p:stCondLst>
+                                    <p:cond delay="0"/>
+                                  </p:stCondLst>
+                                  <p:childTnLst>
+                                    <p:set>
+                                      <p:cBhvr>
+                                        <p:cTn id="76" dur="1" fill="hold">
+                                          <p:stCondLst>
+                                            <p:cond delay="0"/>
+                                          </p:stCondLst>
+                                        </p:cTn>
+                                        <p:tgtEl>
+                                          <p:spTgt spid="3">
+                                            <p:txEl>
+                                              <p:pRg st="9" end="9"/>
+                                            </p:txEl>
+                                          </p:spTgt>
+                                        </p:tgtEl>
+                                        <p:attrNameLst>
+                                          <p:attrName>style.visibility</p:attrName>
+                                        </p:attrNameLst>
+                                      </p:cBhvr>
+                                      <p:to>
+                                        <p:strVal val="visible"/>
+                                      </p:to>
+                                    </p:set>
+                                    <p:anim calcmode="lin" valueType="num">
+                                      <p:cBhvr>
+                                        <p:cTn id="77" dur="500" fill="hold"/>
+                                        <p:tgtEl>
+                                          <p:spTgt spid="3">
+                                            <p:txEl>
+                                              <p:pRg st="9" end="9"/>
+                                            </p:txEl>
+                                          </p:spTgt>
+                                        </p:tgtEl>
+                                        <p:attrNameLst>
+                                          <p:attrName>ppt_w</p:attrName>
+                                        </p:attrNameLst>
+                                      </p:cBhvr>
+                                      <p:tavLst>
+                                        <p:tav tm="0">
+                                          <p:val>
+                                            <p:fltVal val="0"/>
+                                          </p:val>
+                                        </p:tav>
+                                        <p:tav tm="100000">
+                                          <p:val>
+                                            <p:strVal val="#ppt_w"/>
+                                          </p:val>
+                                        </p:tav>
+                                      </p:tavLst>
+                                    </p:anim>
+                                    <p:anim calcmode="lin" valueType="num">
+                                      <p:cBhvr>
+                                        <p:cTn id="78" dur="500" fill="hold"/>
+                                        <p:tgtEl>
+                                          <p:spTgt spid="3">
+                                            <p:txEl>
+                                              <p:pRg st="9" end="9"/>
+                                            </p:txEl>
+                                          </p:spTgt>
+                                        </p:tgtEl>
+                                        <p:attrNameLst>
+                                          <p:attrName>ppt_h</p:attrName>
+                                        </p:attrNameLst>
+                                      </p:cBhvr>
+                                      <p:tavLst>
+                                        <p:tav tm="0">
+                                          <p:val>
+                                            <p:fltVal val="0"/>
+                                          </p:val>
+                                        </p:tav>
+                                        <p:tav tm="100000">
+                                          <p:val>
+                                            <p:strVal val="#ppt_h"/>
+                                          </p:val>
+                                        </p:tav>
+                                      </p:tavLst>
+                                    </p:anim>
+                                    <p:animEffect transition="in" filter="fade">
+                                      <p:cBhvr>
+                                        <p:cTn id="79" dur="500"/>
+                                        <p:tgtEl>
+                                          <p:spTgt spid="3">
+                                            <p:txEl>
+                                              <p:pRg st="9" end="9"/>
+                                            </p:txEl>
+                                          </p:spTgt>
+                                        </p:tgtEl>
+                                      </p:cBhvr>
+                                    </p:animEffect>
+                                  </p:childTnLst>
+                                </p:cTn>
+                              </p:par>
+                            </p:childTnLst>
+                          </p:cTn>
+                        </p:par>
+                      </p:childTnLst>
+                    </p:cTn>
+                  </p:par>
+                  <p:par>
+                    <p:cTn id="80" fill="hold">
+                      <p:stCondLst>
+                        <p:cond delay="indefinite"/>
+                      </p:stCondLst>
+                      <p:childTnLst>
+                        <p:par>
+                          <p:cTn id="81" fill="hold">
+                            <p:stCondLst>
+                              <p:cond delay="0"/>
+                            </p:stCondLst>
+                            <p:childTnLst>
+                              <p:par>
+                                <p:cTn id="82" presetID="53" presetClass="entr" presetSubtype="16" fill="hold" nodeType="clickEffect">
+                                  <p:stCondLst>
+                                    <p:cond delay="0"/>
+                                  </p:stCondLst>
+                                  <p:childTnLst>
+                                    <p:set>
+                                      <p:cBhvr>
+                                        <p:cTn id="83" dur="1" fill="hold">
+                                          <p:stCondLst>
+                                            <p:cond delay="0"/>
+                                          </p:stCondLst>
+                                        </p:cTn>
+                                        <p:tgtEl>
+                                          <p:spTgt spid="3">
+                                            <p:txEl>
+                                              <p:pRg st="10" end="10"/>
+                                            </p:txEl>
+                                          </p:spTgt>
+                                        </p:tgtEl>
+                                        <p:attrNameLst>
+                                          <p:attrName>style.visibility</p:attrName>
+                                        </p:attrNameLst>
+                                      </p:cBhvr>
+                                      <p:to>
+                                        <p:strVal val="visible"/>
+                                      </p:to>
+                                    </p:set>
+                                    <p:anim calcmode="lin" valueType="num">
+                                      <p:cBhvr>
+                                        <p:cTn id="84" dur="500" fill="hold"/>
+                                        <p:tgtEl>
+                                          <p:spTgt spid="3">
+                                            <p:txEl>
+                                              <p:pRg st="10" end="10"/>
+                                            </p:txEl>
+                                          </p:spTgt>
+                                        </p:tgtEl>
+                                        <p:attrNameLst>
+                                          <p:attrName>ppt_w</p:attrName>
+                                        </p:attrNameLst>
+                                      </p:cBhvr>
+                                      <p:tavLst>
+                                        <p:tav tm="0">
+                                          <p:val>
+                                            <p:fltVal val="0"/>
+                                          </p:val>
+                                        </p:tav>
+                                        <p:tav tm="100000">
+                                          <p:val>
+                                            <p:strVal val="#ppt_w"/>
+                                          </p:val>
+                                        </p:tav>
+                                      </p:tavLst>
+                                    </p:anim>
+                                    <p:anim calcmode="lin" valueType="num">
+                                      <p:cBhvr>
+                                        <p:cTn id="85" dur="500" fill="hold"/>
+                                        <p:tgtEl>
+                                          <p:spTgt spid="3">
+                                            <p:txEl>
+                                              <p:pRg st="10" end="10"/>
+                                            </p:txEl>
+                                          </p:spTgt>
+                                        </p:tgtEl>
+                                        <p:attrNameLst>
+                                          <p:attrName>ppt_h</p:attrName>
+                                        </p:attrNameLst>
+                                      </p:cBhvr>
+                                      <p:tavLst>
+                                        <p:tav tm="0">
+                                          <p:val>
+                                            <p:fltVal val="0"/>
+                                          </p:val>
+                                        </p:tav>
+                                        <p:tav tm="100000">
+                                          <p:val>
+                                            <p:strVal val="#ppt_h"/>
+                                          </p:val>
+                                        </p:tav>
+                                      </p:tavLst>
+                                    </p:anim>
+                                    <p:animEffect transition="in" filter="fade">
+                                      <p:cBhvr>
+                                        <p:cTn id="86" dur="500"/>
+                                        <p:tgtEl>
+                                          <p:spTgt spid="3">
+                                            <p:txEl>
+                                              <p:pRg st="10" end="10"/>
                                             </p:txEl>
                                           </p:spTgt>
                                         </p:tgtEl>
@@ -9460,15 +10192,7 @@
           <a:p>
             <a:r>
               <a:rPr lang="en-US" dirty="0"/>
-              <a:t>To </a:t>
-            </a:r>
-            <a:r>
-              <a:rPr lang="en-US" dirty="0" err="1"/>
-              <a:t>achive</a:t>
-            </a:r>
-            <a:r>
-              <a:rPr lang="en-US" dirty="0"/>
-              <a:t> that we could implement the following :</a:t>
+              <a:t>To achieve that we could implement the following :</a:t>
             </a:r>
           </a:p>
           <a:p>
@@ -9578,13 +10302,13 @@
   <p:clrMapOvr>
     <a:masterClrMapping/>
   </p:clrMapOvr>
-  <mc:AlternateContent xmlns:mc="http://schemas.openxmlformats.org/markup-compatibility/2006">
-    <mc:Choice xmlns:p159="http://schemas.microsoft.com/office/powerpoint/2015/09/main" Requires="p159">
+  <mc:AlternateContent xmlns:mc="http://schemas.openxmlformats.org/markup-compatibility/2006" xmlns:p159="http://schemas.microsoft.com/office/powerpoint/2015/09/main">
+    <mc:Choice Requires="p159">
       <p:transition xmlns:p14="http://schemas.microsoft.com/office/powerpoint/2010/main" spd="slow" p14:dur="2000">
         <p159:morph option="byObject"/>
       </p:transition>
     </mc:Choice>
-    <mc:Fallback>
+    <mc:Fallback xmlns="">
       <p:transition spd="slow">
         <p:fade/>
       </p:transition>
@@ -10511,13 +11235,13 @@
   <p:clrMapOvr>
     <a:masterClrMapping/>
   </p:clrMapOvr>
-  <mc:AlternateContent xmlns:mc="http://schemas.openxmlformats.org/markup-compatibility/2006">
-    <mc:Choice xmlns:p159="http://schemas.microsoft.com/office/powerpoint/2015/09/main" Requires="p159">
+  <mc:AlternateContent xmlns:mc="http://schemas.openxmlformats.org/markup-compatibility/2006" xmlns:p159="http://schemas.microsoft.com/office/powerpoint/2015/09/main">
+    <mc:Choice Requires="p159">
       <p:transition xmlns:p14="http://schemas.microsoft.com/office/powerpoint/2010/main" spd="slow" p14:dur="2000">
         <p159:morph option="byObject"/>
       </p:transition>
     </mc:Choice>
-    <mc:Fallback>
+    <mc:Fallback xmlns="">
       <p:transition spd="slow">
         <p:fade/>
       </p:transition>
@@ -10914,13 +11638,13 @@
   <p:clrMapOvr>
     <a:masterClrMapping/>
   </p:clrMapOvr>
-  <mc:AlternateContent xmlns:mc="http://schemas.openxmlformats.org/markup-compatibility/2006">
-    <mc:Choice xmlns:p159="http://schemas.microsoft.com/office/powerpoint/2015/09/main" Requires="p159">
+  <mc:AlternateContent xmlns:mc="http://schemas.openxmlformats.org/markup-compatibility/2006" xmlns:p159="http://schemas.microsoft.com/office/powerpoint/2015/09/main">
+    <mc:Choice Requires="p159">
       <p:transition xmlns:p14="http://schemas.microsoft.com/office/powerpoint/2010/main" spd="slow" p14:dur="2000">
         <p159:morph option="byObject"/>
       </p:transition>
     </mc:Choice>
-    <mc:Fallback>
+    <mc:Fallback xmlns="">
       <p:transition spd="slow">
         <p:fade/>
       </p:transition>

--- a/Research Presntation.pptx
+++ b/Research Presntation.pptx
@@ -289,7 +289,7 @@
           <a:p>
             <a:fld id="{70C62A42-C283-41B3-99EF-D3E8EE93DF1C}" type="datetimeFigureOut">
               <a:rPr lang="en-US" smtClean="0"/>
-              <a:t>5/25/2022</a:t>
+              <a:t>5/27/2022</a:t>
             </a:fld>
             <a:endParaRPr lang="en-US"/>
           </a:p>
@@ -556,7 +556,7 @@
           <a:p>
             <a:fld id="{70C62A42-C283-41B3-99EF-D3E8EE93DF1C}" type="datetimeFigureOut">
               <a:rPr lang="en-US" smtClean="0"/>
-              <a:t>5/25/2022</a:t>
+              <a:t>5/27/2022</a:t>
             </a:fld>
             <a:endParaRPr lang="en-US"/>
           </a:p>
@@ -787,7 +787,7 @@
           <a:p>
             <a:fld id="{70C62A42-C283-41B3-99EF-D3E8EE93DF1C}" type="datetimeFigureOut">
               <a:rPr lang="en-US" smtClean="0"/>
-              <a:t>5/25/2022</a:t>
+              <a:t>5/27/2022</a:t>
             </a:fld>
             <a:endParaRPr lang="en-US"/>
           </a:p>
@@ -1097,7 +1097,7 @@
           <a:p>
             <a:fld id="{70C62A42-C283-41B3-99EF-D3E8EE93DF1C}" type="datetimeFigureOut">
               <a:rPr lang="en-US" smtClean="0"/>
-              <a:t>5/25/2022</a:t>
+              <a:t>5/27/2022</a:t>
             </a:fld>
             <a:endParaRPr lang="en-US"/>
           </a:p>
@@ -1570,7 +1570,7 @@
           <a:p>
             <a:fld id="{70C62A42-C283-41B3-99EF-D3E8EE93DF1C}" type="datetimeFigureOut">
               <a:rPr lang="en-US" smtClean="0"/>
-              <a:t>5/25/2022</a:t>
+              <a:t>5/27/2022</a:t>
             </a:fld>
             <a:endParaRPr lang="en-US"/>
           </a:p>
@@ -2117,7 +2117,7 @@
           <a:p>
             <a:fld id="{70C62A42-C283-41B3-99EF-D3E8EE93DF1C}" type="datetimeFigureOut">
               <a:rPr lang="en-US" smtClean="0"/>
-              <a:t>5/25/2022</a:t>
+              <a:t>5/27/2022</a:t>
             </a:fld>
             <a:endParaRPr lang="en-US"/>
           </a:p>
@@ -2891,7 +2891,7 @@
           <a:p>
             <a:fld id="{70C62A42-C283-41B3-99EF-D3E8EE93DF1C}" type="datetimeFigureOut">
               <a:rPr lang="en-US" smtClean="0"/>
-              <a:t>5/25/2022</a:t>
+              <a:t>5/27/2022</a:t>
             </a:fld>
             <a:endParaRPr lang="en-US"/>
           </a:p>
@@ -3066,7 +3066,7 @@
           <a:p>
             <a:fld id="{70C62A42-C283-41B3-99EF-D3E8EE93DF1C}" type="datetimeFigureOut">
               <a:rPr lang="en-US" smtClean="0"/>
-              <a:t>5/25/2022</a:t>
+              <a:t>5/27/2022</a:t>
             </a:fld>
             <a:endParaRPr lang="en-US"/>
           </a:p>
@@ -3289,7 +3289,7 @@
           <a:p>
             <a:fld id="{70C62A42-C283-41B3-99EF-D3E8EE93DF1C}" type="datetimeFigureOut">
               <a:rPr lang="en-US" smtClean="0"/>
-              <a:t>5/25/2022</a:t>
+              <a:t>5/27/2022</a:t>
             </a:fld>
             <a:endParaRPr lang="en-US"/>
           </a:p>
@@ -3469,7 +3469,7 @@
           <a:p>
             <a:fld id="{70C62A42-C283-41B3-99EF-D3E8EE93DF1C}" type="datetimeFigureOut">
               <a:rPr lang="en-US" smtClean="0"/>
-              <a:t>5/25/2022</a:t>
+              <a:t>5/27/2022</a:t>
             </a:fld>
             <a:endParaRPr lang="en-US"/>
           </a:p>
@@ -3758,7 +3758,7 @@
           <a:p>
             <a:fld id="{70C62A42-C283-41B3-99EF-D3E8EE93DF1C}" type="datetimeFigureOut">
               <a:rPr lang="en-US" smtClean="0"/>
-              <a:t>5/25/2022</a:t>
+              <a:t>5/27/2022</a:t>
             </a:fld>
             <a:endParaRPr lang="en-US"/>
           </a:p>
@@ -4000,7 +4000,7 @@
           <a:p>
             <a:fld id="{70C62A42-C283-41B3-99EF-D3E8EE93DF1C}" type="datetimeFigureOut">
               <a:rPr lang="en-US" smtClean="0"/>
-              <a:t>5/25/2022</a:t>
+              <a:t>5/27/2022</a:t>
             </a:fld>
             <a:endParaRPr lang="en-US"/>
           </a:p>
@@ -4379,7 +4379,7 @@
           <a:p>
             <a:fld id="{70C62A42-C283-41B3-99EF-D3E8EE93DF1C}" type="datetimeFigureOut">
               <a:rPr lang="en-US" smtClean="0"/>
-              <a:t>5/25/2022</a:t>
+              <a:t>5/27/2022</a:t>
             </a:fld>
             <a:endParaRPr lang="en-US"/>
           </a:p>
@@ -4497,7 +4497,7 @@
           <a:p>
             <a:fld id="{70C62A42-C283-41B3-99EF-D3E8EE93DF1C}" type="datetimeFigureOut">
               <a:rPr lang="en-US" smtClean="0"/>
-              <a:t>5/25/2022</a:t>
+              <a:t>5/27/2022</a:t>
             </a:fld>
             <a:endParaRPr lang="en-US"/>
           </a:p>
@@ -4592,7 +4592,7 @@
           <a:p>
             <a:fld id="{70C62A42-C283-41B3-99EF-D3E8EE93DF1C}" type="datetimeFigureOut">
               <a:rPr lang="en-US" smtClean="0"/>
-              <a:t>5/25/2022</a:t>
+              <a:t>5/27/2022</a:t>
             </a:fld>
             <a:endParaRPr lang="en-US"/>
           </a:p>
@@ -4841,7 +4841,7 @@
           <a:p>
             <a:fld id="{70C62A42-C283-41B3-99EF-D3E8EE93DF1C}" type="datetimeFigureOut">
               <a:rPr lang="en-US" smtClean="0"/>
-              <a:t>5/25/2022</a:t>
+              <a:t>5/27/2022</a:t>
             </a:fld>
             <a:endParaRPr lang="en-US"/>
           </a:p>
@@ -5098,7 +5098,7 @@
           <a:p>
             <a:fld id="{70C62A42-C283-41B3-99EF-D3E8EE93DF1C}" type="datetimeFigureOut">
               <a:rPr lang="en-US" smtClean="0"/>
-              <a:t>5/25/2022</a:t>
+              <a:t>5/27/2022</a:t>
             </a:fld>
             <a:endParaRPr lang="en-US"/>
           </a:p>
@@ -5341,7 +5341,7 @@
           <a:p>
             <a:fld id="{70C62A42-C283-41B3-99EF-D3E8EE93DF1C}" type="datetimeFigureOut">
               <a:rPr lang="en-US" smtClean="0"/>
-              <a:t>5/25/2022</a:t>
+              <a:t>5/27/2022</a:t>
             </a:fld>
             <a:endParaRPr lang="en-US"/>
           </a:p>
@@ -5848,7 +5848,7 @@
           </a:bodyPr>
           <a:lstStyle/>
           <a:p>
-            <a:pPr marL="0" marR="0" algn="r">
+            <a:pPr marL="0" marR="0">
               <a:spcBef>
                 <a:spcPts val="0"/>
               </a:spcBef>
@@ -5891,7 +5891,7 @@
             </a:endParaRPr>
           </a:p>
           <a:p>
-            <a:pPr marL="0" marR="0" algn="r">
+            <a:pPr marL="0" marR="0">
               <a:spcBef>
                 <a:spcPts val="0"/>
               </a:spcBef>
@@ -5934,7 +5934,7 @@
             </a:endParaRPr>
           </a:p>
           <a:p>
-            <a:pPr marL="0" marR="0" algn="r">
+            <a:pPr marL="0" marR="0">
               <a:spcBef>
                 <a:spcPts val="0"/>
               </a:spcBef>
@@ -5953,7 +5953,7 @@
             </a:r>
           </a:p>
           <a:p>
-            <a:pPr marL="0" marR="0" algn="r">
+            <a:pPr marL="0" marR="0">
               <a:spcBef>
                 <a:spcPts val="0"/>
               </a:spcBef>
@@ -5971,7 +5971,7 @@
             </a:r>
           </a:p>
           <a:p>
-            <a:pPr marL="0" marR="0" algn="r">
+            <a:pPr marL="0" marR="0">
               <a:spcBef>
                 <a:spcPts val="0"/>
               </a:spcBef>
@@ -6768,7 +6768,12 @@
             <p:ph idx="1"/>
           </p:nvPr>
         </p:nvSpPr>
-        <p:spPr/>
+        <p:spPr>
+          <a:xfrm>
+            <a:off x="685800" y="1698171"/>
+            <a:ext cx="10820400" cy="4024125"/>
+          </a:xfrm>
+        </p:spPr>
         <p:txBody>
           <a:bodyPr/>
           <a:lstStyle/>
@@ -6787,12 +6792,15 @@
             <a:pPr marL="0" indent="0">
               <a:buNone/>
             </a:pPr>
-            <a:endParaRPr lang="en-US" sz="1800" dirty="0">
-              <a:effectLst/>
-              <a:latin typeface="Calibri" panose="020F0502020204030204" pitchFamily="34" charset="0"/>
-              <a:ea typeface="Calibri" panose="020F0502020204030204" pitchFamily="34" charset="0"/>
-              <a:cs typeface="Arial" panose="020B0604020202020204" pitchFamily="34" charset="0"/>
-            </a:endParaRPr>
+            <a:r>
+              <a:rPr lang="en-US" sz="1800" dirty="0">
+                <a:effectLst/>
+                <a:latin typeface="Calibri" panose="020F0502020204030204" pitchFamily="34" charset="0"/>
+                <a:ea typeface="Calibri" panose="020F0502020204030204" pitchFamily="34" charset="0"/>
+                <a:cs typeface="Arial" panose="020B0604020202020204" pitchFamily="34" charset="0"/>
+              </a:rPr>
+              <a:t>	</a:t>
+            </a:r>
           </a:p>
           <a:p>
             <a:r>
@@ -6809,12 +6817,15 @@
             <a:pPr marL="0" indent="0">
               <a:buNone/>
             </a:pPr>
-            <a:endParaRPr lang="en-US" sz="1800" dirty="0">
-              <a:effectLst/>
-              <a:latin typeface="Calibri" panose="020F0502020204030204" pitchFamily="34" charset="0"/>
-              <a:ea typeface="Calibri" panose="020F0502020204030204" pitchFamily="34" charset="0"/>
-              <a:cs typeface="Arial" panose="020B0604020202020204" pitchFamily="34" charset="0"/>
-            </a:endParaRPr>
+            <a:r>
+              <a:rPr lang="en-US" sz="1800" dirty="0">
+                <a:effectLst/>
+                <a:latin typeface="Calibri" panose="020F0502020204030204" pitchFamily="34" charset="0"/>
+                <a:ea typeface="Calibri" panose="020F0502020204030204" pitchFamily="34" charset="0"/>
+                <a:cs typeface="Arial" panose="020B0604020202020204" pitchFamily="34" charset="0"/>
+              </a:rPr>
+              <a:t>	</a:t>
+            </a:r>
           </a:p>
           <a:p>
             <a:r>
@@ -6831,12 +6842,15 @@
             <a:pPr marL="0" indent="0">
               <a:buNone/>
             </a:pPr>
-            <a:endParaRPr lang="en-US" sz="1800" dirty="0">
-              <a:effectLst/>
-              <a:latin typeface="Calibri" panose="020F0502020204030204" pitchFamily="34" charset="0"/>
-              <a:ea typeface="Calibri" panose="020F0502020204030204" pitchFamily="34" charset="0"/>
-              <a:cs typeface="Arial" panose="020B0604020202020204" pitchFamily="34" charset="0"/>
-            </a:endParaRPr>
+            <a:r>
+              <a:rPr lang="en-US" sz="1800" dirty="0">
+                <a:effectLst/>
+                <a:latin typeface="Calibri" panose="020F0502020204030204" pitchFamily="34" charset="0"/>
+                <a:ea typeface="Calibri" panose="020F0502020204030204" pitchFamily="34" charset="0"/>
+                <a:cs typeface="Arial" panose="020B0604020202020204" pitchFamily="34" charset="0"/>
+              </a:rPr>
+              <a:t>	</a:t>
+            </a:r>
           </a:p>
           <a:p>
             <a:r>
@@ -6853,12 +6867,15 @@
             <a:pPr marL="0" indent="0">
               <a:buNone/>
             </a:pPr>
-            <a:endParaRPr lang="en-US" sz="1800" dirty="0">
-              <a:effectLst/>
-              <a:latin typeface="Calibri" panose="020F0502020204030204" pitchFamily="34" charset="0"/>
-              <a:ea typeface="Calibri" panose="020F0502020204030204" pitchFamily="34" charset="0"/>
-              <a:cs typeface="Arial" panose="020B0604020202020204" pitchFamily="34" charset="0"/>
-            </a:endParaRPr>
+            <a:r>
+              <a:rPr lang="en-US" sz="1800" dirty="0">
+                <a:effectLst/>
+                <a:latin typeface="Calibri" panose="020F0502020204030204" pitchFamily="34" charset="0"/>
+                <a:ea typeface="Calibri" panose="020F0502020204030204" pitchFamily="34" charset="0"/>
+                <a:cs typeface="Arial" panose="020B0604020202020204" pitchFamily="34" charset="0"/>
+              </a:rPr>
+              <a:t>	</a:t>
+            </a:r>
           </a:p>
           <a:p>
             <a:r>
@@ -7145,7 +7162,7 @@
                                         <p:tgtEl>
                                           <p:spTgt spid="3">
                                             <p:txEl>
-                                              <p:pRg st="2" end="2"/>
+                                              <p:pRg st="1" end="1"/>
                                             </p:txEl>
                                           </p:spTgt>
                                         </p:tgtEl>
@@ -7163,7 +7180,7 @@
                                         <p:tgtEl>
                                           <p:spTgt spid="3">
                                             <p:txEl>
-                                              <p:pRg st="2" end="2"/>
+                                              <p:pRg st="1" end="1"/>
                                             </p:txEl>
                                           </p:spTgt>
                                         </p:tgtEl>
@@ -7190,7 +7207,7 @@
                                         <p:tgtEl>
                                           <p:spTgt spid="3">
                                             <p:txEl>
-                                              <p:pRg st="2" end="2"/>
+                                              <p:pRg st="1" end="1"/>
                                             </p:txEl>
                                           </p:spTgt>
                                         </p:tgtEl>
@@ -7217,7 +7234,7 @@
                                         <p:tgtEl>
                                           <p:spTgt spid="3">
                                             <p:txEl>
-                                              <p:pRg st="2" end="2"/>
+                                              <p:pRg st="1" end="1"/>
                                             </p:txEl>
                                           </p:spTgt>
                                         </p:tgtEl>
@@ -7260,7 +7277,7 @@
                                         <p:tgtEl>
                                           <p:spTgt spid="3">
                                             <p:txEl>
-                                              <p:pRg st="4" end="4"/>
+                                              <p:pRg st="2" end="2"/>
                                             </p:txEl>
                                           </p:spTgt>
                                         </p:tgtEl>
@@ -7278,7 +7295,7 @@
                                         <p:tgtEl>
                                           <p:spTgt spid="3">
                                             <p:txEl>
-                                              <p:pRg st="4" end="4"/>
+                                              <p:pRg st="2" end="2"/>
                                             </p:txEl>
                                           </p:spTgt>
                                         </p:tgtEl>
@@ -7305,7 +7322,7 @@
                                         <p:tgtEl>
                                           <p:spTgt spid="3">
                                             <p:txEl>
-                                              <p:pRg st="4" end="4"/>
+                                              <p:pRg st="2" end="2"/>
                                             </p:txEl>
                                           </p:spTgt>
                                         </p:tgtEl>
@@ -7332,7 +7349,7 @@
                                         <p:tgtEl>
                                           <p:spTgt spid="3">
                                             <p:txEl>
-                                              <p:pRg st="4" end="4"/>
+                                              <p:pRg st="2" end="2"/>
                                             </p:txEl>
                                           </p:spTgt>
                                         </p:tgtEl>
@@ -7375,7 +7392,7 @@
                                         <p:tgtEl>
                                           <p:spTgt spid="3">
                                             <p:txEl>
-                                              <p:pRg st="6" end="6"/>
+                                              <p:pRg st="3" end="3"/>
                                             </p:txEl>
                                           </p:spTgt>
                                         </p:tgtEl>
@@ -7393,7 +7410,7 @@
                                         <p:tgtEl>
                                           <p:spTgt spid="3">
                                             <p:txEl>
-                                              <p:pRg st="6" end="6"/>
+                                              <p:pRg st="3" end="3"/>
                                             </p:txEl>
                                           </p:spTgt>
                                         </p:tgtEl>
@@ -7420,7 +7437,7 @@
                                         <p:tgtEl>
                                           <p:spTgt spid="3">
                                             <p:txEl>
-                                              <p:pRg st="6" end="6"/>
+                                              <p:pRg st="3" end="3"/>
                                             </p:txEl>
                                           </p:spTgt>
                                         </p:tgtEl>
@@ -7447,7 +7464,7 @@
                                         <p:tgtEl>
                                           <p:spTgt spid="3">
                                             <p:txEl>
-                                              <p:pRg st="6" end="6"/>
+                                              <p:pRg st="3" end="3"/>
                                             </p:txEl>
                                           </p:spTgt>
                                         </p:tgtEl>
@@ -7490,7 +7507,7 @@
                                         <p:tgtEl>
                                           <p:spTgt spid="3">
                                             <p:txEl>
-                                              <p:pRg st="8" end="8"/>
+                                              <p:pRg st="4" end="4"/>
                                             </p:txEl>
                                           </p:spTgt>
                                         </p:tgtEl>
@@ -7508,7 +7525,7 @@
                                         <p:tgtEl>
                                           <p:spTgt spid="3">
                                             <p:txEl>
-                                              <p:pRg st="8" end="8"/>
+                                              <p:pRg st="4" end="4"/>
                                             </p:txEl>
                                           </p:spTgt>
                                         </p:tgtEl>
@@ -7535,7 +7552,7 @@
                                         <p:tgtEl>
                                           <p:spTgt spid="3">
                                             <p:txEl>
-                                              <p:pRg st="8" end="8"/>
+                                              <p:pRg st="4" end="4"/>
                                             </p:txEl>
                                           </p:spTgt>
                                         </p:tgtEl>
@@ -7559,6 +7576,466 @@
                                     <p:animEffect transition="in" filter="fade">
                                       <p:cBhvr>
                                         <p:cTn id="44" dur="500"/>
+                                        <p:tgtEl>
+                                          <p:spTgt spid="3">
+                                            <p:txEl>
+                                              <p:pRg st="4" end="4"/>
+                                            </p:txEl>
+                                          </p:spTgt>
+                                        </p:tgtEl>
+                                      </p:cBhvr>
+                                    </p:animEffect>
+                                  </p:childTnLst>
+                                </p:cTn>
+                              </p:par>
+                            </p:childTnLst>
+                          </p:cTn>
+                        </p:par>
+                      </p:childTnLst>
+                    </p:cTn>
+                  </p:par>
+                  <p:par>
+                    <p:cTn id="45" fill="hold">
+                      <p:stCondLst>
+                        <p:cond delay="indefinite"/>
+                      </p:stCondLst>
+                      <p:childTnLst>
+                        <p:par>
+                          <p:cTn id="46" fill="hold">
+                            <p:stCondLst>
+                              <p:cond delay="0"/>
+                            </p:stCondLst>
+                            <p:childTnLst>
+                              <p:par>
+                                <p:cTn id="47" presetID="53" presetClass="entr" presetSubtype="16" fill="hold" grpId="0" nodeType="clickEffect">
+                                  <p:stCondLst>
+                                    <p:cond delay="0"/>
+                                  </p:stCondLst>
+                                  <p:childTnLst>
+                                    <p:set>
+                                      <p:cBhvr>
+                                        <p:cTn id="48" dur="1" fill="hold">
+                                          <p:stCondLst>
+                                            <p:cond delay="0"/>
+                                          </p:stCondLst>
+                                        </p:cTn>
+                                        <p:tgtEl>
+                                          <p:spTgt spid="3">
+                                            <p:txEl>
+                                              <p:pRg st="5" end="5"/>
+                                            </p:txEl>
+                                          </p:spTgt>
+                                        </p:tgtEl>
+                                        <p:attrNameLst>
+                                          <p:attrName>style.visibility</p:attrName>
+                                        </p:attrNameLst>
+                                      </p:cBhvr>
+                                      <p:to>
+                                        <p:strVal val="visible"/>
+                                      </p:to>
+                                    </p:set>
+                                    <p:anim calcmode="lin" valueType="num">
+                                      <p:cBhvr>
+                                        <p:cTn id="49" dur="500" fill="hold"/>
+                                        <p:tgtEl>
+                                          <p:spTgt spid="3">
+                                            <p:txEl>
+                                              <p:pRg st="5" end="5"/>
+                                            </p:txEl>
+                                          </p:spTgt>
+                                        </p:tgtEl>
+                                        <p:attrNameLst>
+                                          <p:attrName>ppt_w</p:attrName>
+                                        </p:attrNameLst>
+                                      </p:cBhvr>
+                                      <p:tavLst>
+                                        <p:tav tm="0">
+                                          <p:val>
+                                            <p:fltVal val="0"/>
+                                          </p:val>
+                                        </p:tav>
+                                        <p:tav tm="100000">
+                                          <p:val>
+                                            <p:strVal val="#ppt_w"/>
+                                          </p:val>
+                                        </p:tav>
+                                      </p:tavLst>
+                                    </p:anim>
+                                    <p:anim calcmode="lin" valueType="num">
+                                      <p:cBhvr>
+                                        <p:cTn id="50" dur="500" fill="hold"/>
+                                        <p:tgtEl>
+                                          <p:spTgt spid="3">
+                                            <p:txEl>
+                                              <p:pRg st="5" end="5"/>
+                                            </p:txEl>
+                                          </p:spTgt>
+                                        </p:tgtEl>
+                                        <p:attrNameLst>
+                                          <p:attrName>ppt_h</p:attrName>
+                                        </p:attrNameLst>
+                                      </p:cBhvr>
+                                      <p:tavLst>
+                                        <p:tav tm="0">
+                                          <p:val>
+                                            <p:fltVal val="0"/>
+                                          </p:val>
+                                        </p:tav>
+                                        <p:tav tm="100000">
+                                          <p:val>
+                                            <p:strVal val="#ppt_h"/>
+                                          </p:val>
+                                        </p:tav>
+                                      </p:tavLst>
+                                    </p:anim>
+                                    <p:animEffect transition="in" filter="fade">
+                                      <p:cBhvr>
+                                        <p:cTn id="51" dur="500"/>
+                                        <p:tgtEl>
+                                          <p:spTgt spid="3">
+                                            <p:txEl>
+                                              <p:pRg st="5" end="5"/>
+                                            </p:txEl>
+                                          </p:spTgt>
+                                        </p:tgtEl>
+                                      </p:cBhvr>
+                                    </p:animEffect>
+                                  </p:childTnLst>
+                                </p:cTn>
+                              </p:par>
+                            </p:childTnLst>
+                          </p:cTn>
+                        </p:par>
+                      </p:childTnLst>
+                    </p:cTn>
+                  </p:par>
+                  <p:par>
+                    <p:cTn id="52" fill="hold">
+                      <p:stCondLst>
+                        <p:cond delay="indefinite"/>
+                      </p:stCondLst>
+                      <p:childTnLst>
+                        <p:par>
+                          <p:cTn id="53" fill="hold">
+                            <p:stCondLst>
+                              <p:cond delay="0"/>
+                            </p:stCondLst>
+                            <p:childTnLst>
+                              <p:par>
+                                <p:cTn id="54" presetID="53" presetClass="entr" presetSubtype="16" fill="hold" grpId="0" nodeType="clickEffect">
+                                  <p:stCondLst>
+                                    <p:cond delay="0"/>
+                                  </p:stCondLst>
+                                  <p:childTnLst>
+                                    <p:set>
+                                      <p:cBhvr>
+                                        <p:cTn id="55" dur="1" fill="hold">
+                                          <p:stCondLst>
+                                            <p:cond delay="0"/>
+                                          </p:stCondLst>
+                                        </p:cTn>
+                                        <p:tgtEl>
+                                          <p:spTgt spid="3">
+                                            <p:txEl>
+                                              <p:pRg st="6" end="6"/>
+                                            </p:txEl>
+                                          </p:spTgt>
+                                        </p:tgtEl>
+                                        <p:attrNameLst>
+                                          <p:attrName>style.visibility</p:attrName>
+                                        </p:attrNameLst>
+                                      </p:cBhvr>
+                                      <p:to>
+                                        <p:strVal val="visible"/>
+                                      </p:to>
+                                    </p:set>
+                                    <p:anim calcmode="lin" valueType="num">
+                                      <p:cBhvr>
+                                        <p:cTn id="56" dur="500" fill="hold"/>
+                                        <p:tgtEl>
+                                          <p:spTgt spid="3">
+                                            <p:txEl>
+                                              <p:pRg st="6" end="6"/>
+                                            </p:txEl>
+                                          </p:spTgt>
+                                        </p:tgtEl>
+                                        <p:attrNameLst>
+                                          <p:attrName>ppt_w</p:attrName>
+                                        </p:attrNameLst>
+                                      </p:cBhvr>
+                                      <p:tavLst>
+                                        <p:tav tm="0">
+                                          <p:val>
+                                            <p:fltVal val="0"/>
+                                          </p:val>
+                                        </p:tav>
+                                        <p:tav tm="100000">
+                                          <p:val>
+                                            <p:strVal val="#ppt_w"/>
+                                          </p:val>
+                                        </p:tav>
+                                      </p:tavLst>
+                                    </p:anim>
+                                    <p:anim calcmode="lin" valueType="num">
+                                      <p:cBhvr>
+                                        <p:cTn id="57" dur="500" fill="hold"/>
+                                        <p:tgtEl>
+                                          <p:spTgt spid="3">
+                                            <p:txEl>
+                                              <p:pRg st="6" end="6"/>
+                                            </p:txEl>
+                                          </p:spTgt>
+                                        </p:tgtEl>
+                                        <p:attrNameLst>
+                                          <p:attrName>ppt_h</p:attrName>
+                                        </p:attrNameLst>
+                                      </p:cBhvr>
+                                      <p:tavLst>
+                                        <p:tav tm="0">
+                                          <p:val>
+                                            <p:fltVal val="0"/>
+                                          </p:val>
+                                        </p:tav>
+                                        <p:tav tm="100000">
+                                          <p:val>
+                                            <p:strVal val="#ppt_h"/>
+                                          </p:val>
+                                        </p:tav>
+                                      </p:tavLst>
+                                    </p:anim>
+                                    <p:animEffect transition="in" filter="fade">
+                                      <p:cBhvr>
+                                        <p:cTn id="58" dur="500"/>
+                                        <p:tgtEl>
+                                          <p:spTgt spid="3">
+                                            <p:txEl>
+                                              <p:pRg st="6" end="6"/>
+                                            </p:txEl>
+                                          </p:spTgt>
+                                        </p:tgtEl>
+                                      </p:cBhvr>
+                                    </p:animEffect>
+                                  </p:childTnLst>
+                                </p:cTn>
+                              </p:par>
+                            </p:childTnLst>
+                          </p:cTn>
+                        </p:par>
+                      </p:childTnLst>
+                    </p:cTn>
+                  </p:par>
+                  <p:par>
+                    <p:cTn id="59" fill="hold">
+                      <p:stCondLst>
+                        <p:cond delay="indefinite"/>
+                      </p:stCondLst>
+                      <p:childTnLst>
+                        <p:par>
+                          <p:cTn id="60" fill="hold">
+                            <p:stCondLst>
+                              <p:cond delay="0"/>
+                            </p:stCondLst>
+                            <p:childTnLst>
+                              <p:par>
+                                <p:cTn id="61" presetID="53" presetClass="entr" presetSubtype="16" fill="hold" grpId="0" nodeType="clickEffect">
+                                  <p:stCondLst>
+                                    <p:cond delay="0"/>
+                                  </p:stCondLst>
+                                  <p:childTnLst>
+                                    <p:set>
+                                      <p:cBhvr>
+                                        <p:cTn id="62" dur="1" fill="hold">
+                                          <p:stCondLst>
+                                            <p:cond delay="0"/>
+                                          </p:stCondLst>
+                                        </p:cTn>
+                                        <p:tgtEl>
+                                          <p:spTgt spid="3">
+                                            <p:txEl>
+                                              <p:pRg st="7" end="7"/>
+                                            </p:txEl>
+                                          </p:spTgt>
+                                        </p:tgtEl>
+                                        <p:attrNameLst>
+                                          <p:attrName>style.visibility</p:attrName>
+                                        </p:attrNameLst>
+                                      </p:cBhvr>
+                                      <p:to>
+                                        <p:strVal val="visible"/>
+                                      </p:to>
+                                    </p:set>
+                                    <p:anim calcmode="lin" valueType="num">
+                                      <p:cBhvr>
+                                        <p:cTn id="63" dur="500" fill="hold"/>
+                                        <p:tgtEl>
+                                          <p:spTgt spid="3">
+                                            <p:txEl>
+                                              <p:pRg st="7" end="7"/>
+                                            </p:txEl>
+                                          </p:spTgt>
+                                        </p:tgtEl>
+                                        <p:attrNameLst>
+                                          <p:attrName>ppt_w</p:attrName>
+                                        </p:attrNameLst>
+                                      </p:cBhvr>
+                                      <p:tavLst>
+                                        <p:tav tm="0">
+                                          <p:val>
+                                            <p:fltVal val="0"/>
+                                          </p:val>
+                                        </p:tav>
+                                        <p:tav tm="100000">
+                                          <p:val>
+                                            <p:strVal val="#ppt_w"/>
+                                          </p:val>
+                                        </p:tav>
+                                      </p:tavLst>
+                                    </p:anim>
+                                    <p:anim calcmode="lin" valueType="num">
+                                      <p:cBhvr>
+                                        <p:cTn id="64" dur="500" fill="hold"/>
+                                        <p:tgtEl>
+                                          <p:spTgt spid="3">
+                                            <p:txEl>
+                                              <p:pRg st="7" end="7"/>
+                                            </p:txEl>
+                                          </p:spTgt>
+                                        </p:tgtEl>
+                                        <p:attrNameLst>
+                                          <p:attrName>ppt_h</p:attrName>
+                                        </p:attrNameLst>
+                                      </p:cBhvr>
+                                      <p:tavLst>
+                                        <p:tav tm="0">
+                                          <p:val>
+                                            <p:fltVal val="0"/>
+                                          </p:val>
+                                        </p:tav>
+                                        <p:tav tm="100000">
+                                          <p:val>
+                                            <p:strVal val="#ppt_h"/>
+                                          </p:val>
+                                        </p:tav>
+                                      </p:tavLst>
+                                    </p:anim>
+                                    <p:animEffect transition="in" filter="fade">
+                                      <p:cBhvr>
+                                        <p:cTn id="65" dur="500"/>
+                                        <p:tgtEl>
+                                          <p:spTgt spid="3">
+                                            <p:txEl>
+                                              <p:pRg st="7" end="7"/>
+                                            </p:txEl>
+                                          </p:spTgt>
+                                        </p:tgtEl>
+                                      </p:cBhvr>
+                                    </p:animEffect>
+                                  </p:childTnLst>
+                                </p:cTn>
+                              </p:par>
+                            </p:childTnLst>
+                          </p:cTn>
+                        </p:par>
+                      </p:childTnLst>
+                    </p:cTn>
+                  </p:par>
+                  <p:par>
+                    <p:cTn id="66" fill="hold">
+                      <p:stCondLst>
+                        <p:cond delay="indefinite"/>
+                      </p:stCondLst>
+                      <p:childTnLst>
+                        <p:par>
+                          <p:cTn id="67" fill="hold">
+                            <p:stCondLst>
+                              <p:cond delay="0"/>
+                            </p:stCondLst>
+                            <p:childTnLst>
+                              <p:par>
+                                <p:cTn id="68" presetID="53" presetClass="entr" presetSubtype="16" fill="hold" grpId="0" nodeType="clickEffect">
+                                  <p:stCondLst>
+                                    <p:cond delay="0"/>
+                                  </p:stCondLst>
+                                  <p:childTnLst>
+                                    <p:set>
+                                      <p:cBhvr>
+                                        <p:cTn id="69" dur="1" fill="hold">
+                                          <p:stCondLst>
+                                            <p:cond delay="0"/>
+                                          </p:stCondLst>
+                                        </p:cTn>
+                                        <p:tgtEl>
+                                          <p:spTgt spid="3">
+                                            <p:txEl>
+                                              <p:pRg st="8" end="8"/>
+                                            </p:txEl>
+                                          </p:spTgt>
+                                        </p:tgtEl>
+                                        <p:attrNameLst>
+                                          <p:attrName>style.visibility</p:attrName>
+                                        </p:attrNameLst>
+                                      </p:cBhvr>
+                                      <p:to>
+                                        <p:strVal val="visible"/>
+                                      </p:to>
+                                    </p:set>
+                                    <p:anim calcmode="lin" valueType="num">
+                                      <p:cBhvr>
+                                        <p:cTn id="70" dur="500" fill="hold"/>
+                                        <p:tgtEl>
+                                          <p:spTgt spid="3">
+                                            <p:txEl>
+                                              <p:pRg st="8" end="8"/>
+                                            </p:txEl>
+                                          </p:spTgt>
+                                        </p:tgtEl>
+                                        <p:attrNameLst>
+                                          <p:attrName>ppt_w</p:attrName>
+                                        </p:attrNameLst>
+                                      </p:cBhvr>
+                                      <p:tavLst>
+                                        <p:tav tm="0">
+                                          <p:val>
+                                            <p:fltVal val="0"/>
+                                          </p:val>
+                                        </p:tav>
+                                        <p:tav tm="100000">
+                                          <p:val>
+                                            <p:strVal val="#ppt_w"/>
+                                          </p:val>
+                                        </p:tav>
+                                      </p:tavLst>
+                                    </p:anim>
+                                    <p:anim calcmode="lin" valueType="num">
+                                      <p:cBhvr>
+                                        <p:cTn id="71" dur="500" fill="hold"/>
+                                        <p:tgtEl>
+                                          <p:spTgt spid="3">
+                                            <p:txEl>
+                                              <p:pRg st="8" end="8"/>
+                                            </p:txEl>
+                                          </p:spTgt>
+                                        </p:tgtEl>
+                                        <p:attrNameLst>
+                                          <p:attrName>ppt_h</p:attrName>
+                                        </p:attrNameLst>
+                                      </p:cBhvr>
+                                      <p:tavLst>
+                                        <p:tav tm="0">
+                                          <p:val>
+                                            <p:fltVal val="0"/>
+                                          </p:val>
+                                        </p:tav>
+                                        <p:tav tm="100000">
+                                          <p:val>
+                                            <p:strVal val="#ppt_h"/>
+                                          </p:val>
+                                        </p:tav>
+                                      </p:tavLst>
+                                    </p:anim>
+                                    <p:animEffect transition="in" filter="fade">
+                                      <p:cBhvr>
+                                        <p:cTn id="72" dur="500"/>
                                         <p:tgtEl>
                                           <p:spTgt spid="3">
                                             <p:txEl>
@@ -7732,22 +8209,6 @@
             </a:endParaRPr>
           </a:p>
           <a:p>
-            <a:r>
-              <a:rPr lang="en-US" sz="1800" b="1" dirty="0">
-                <a:latin typeface="Times New Roman" panose="02020603050405020304" pitchFamily="18" charset="0"/>
-                <a:ea typeface="Calibri" panose="020F0502020204030204" pitchFamily="34" charset="0"/>
-                <a:cs typeface="Arial" panose="020B0604020202020204" pitchFamily="34" charset="0"/>
-              </a:rPr>
-              <a:t>Range of sizes and intelligence </a:t>
-            </a:r>
-            <a:endParaRPr lang="en-US" sz="1800" dirty="0">
-              <a:effectLst/>
-              <a:latin typeface="Calibri" panose="020F0502020204030204" pitchFamily="34" charset="0"/>
-              <a:ea typeface="Calibri" panose="020F0502020204030204" pitchFamily="34" charset="0"/>
-              <a:cs typeface="Arial" panose="020B0604020202020204" pitchFamily="34" charset="0"/>
-            </a:endParaRPr>
-          </a:p>
-          <a:p>
             <a:endParaRPr lang="en-US" sz="1800" b="1" dirty="0">
               <a:effectLst/>
               <a:latin typeface="Times New Roman" panose="02020603050405020304" pitchFamily="18" charset="0"/>
@@ -8216,121 +8677,6 @@
                                           <p:spTgt spid="3">
                                             <p:txEl>
                                               <p:pRg st="4" end="4"/>
-                                            </p:txEl>
-                                          </p:spTgt>
-                                        </p:tgtEl>
-                                      </p:cBhvr>
-                                    </p:animEffect>
-                                  </p:childTnLst>
-                                </p:cTn>
-                              </p:par>
-                            </p:childTnLst>
-                          </p:cTn>
-                        </p:par>
-                      </p:childTnLst>
-                    </p:cTn>
-                  </p:par>
-                  <p:par>
-                    <p:cTn id="31" fill="hold">
-                      <p:stCondLst>
-                        <p:cond delay="indefinite"/>
-                      </p:stCondLst>
-                      <p:childTnLst>
-                        <p:par>
-                          <p:cTn id="32" fill="hold">
-                            <p:stCondLst>
-                              <p:cond delay="0"/>
-                            </p:stCondLst>
-                            <p:childTnLst>
-                              <p:par>
-                                <p:cTn id="33" presetID="53" presetClass="entr" presetSubtype="16" fill="hold" nodeType="clickEffect">
-                                  <p:stCondLst>
-                                    <p:cond delay="0"/>
-                                  </p:stCondLst>
-                                  <p:childTnLst>
-                                    <p:set>
-                                      <p:cBhvr>
-                                        <p:cTn id="34" dur="1" fill="hold">
-                                          <p:stCondLst>
-                                            <p:cond delay="0"/>
-                                          </p:stCondLst>
-                                        </p:cTn>
-                                        <p:tgtEl>
-                                          <p:spTgt spid="3">
-                                            <p:txEl>
-                                              <p:pRg st="6" end="6"/>
-                                            </p:txEl>
-                                          </p:spTgt>
-                                        </p:tgtEl>
-                                        <p:attrNameLst>
-                                          <p:attrName>style.visibility</p:attrName>
-                                        </p:attrNameLst>
-                                      </p:cBhvr>
-                                      <p:to>
-                                        <p:strVal val="visible"/>
-                                      </p:to>
-                                    </p:set>
-                                    <p:anim calcmode="lin" valueType="num">
-                                      <p:cBhvr>
-                                        <p:cTn id="35" dur="500" fill="hold"/>
-                                        <p:tgtEl>
-                                          <p:spTgt spid="3">
-                                            <p:txEl>
-                                              <p:pRg st="6" end="6"/>
-                                            </p:txEl>
-                                          </p:spTgt>
-                                        </p:tgtEl>
-                                        <p:attrNameLst>
-                                          <p:attrName>ppt_w</p:attrName>
-                                        </p:attrNameLst>
-                                      </p:cBhvr>
-                                      <p:tavLst>
-                                        <p:tav tm="0">
-                                          <p:val>
-                                            <p:fltVal val="0"/>
-                                          </p:val>
-                                        </p:tav>
-                                        <p:tav tm="100000">
-                                          <p:val>
-                                            <p:strVal val="#ppt_w"/>
-                                          </p:val>
-                                        </p:tav>
-                                      </p:tavLst>
-                                    </p:anim>
-                                    <p:anim calcmode="lin" valueType="num">
-                                      <p:cBhvr>
-                                        <p:cTn id="36" dur="500" fill="hold"/>
-                                        <p:tgtEl>
-                                          <p:spTgt spid="3">
-                                            <p:txEl>
-                                              <p:pRg st="6" end="6"/>
-                                            </p:txEl>
-                                          </p:spTgt>
-                                        </p:tgtEl>
-                                        <p:attrNameLst>
-                                          <p:attrName>ppt_h</p:attrName>
-                                        </p:attrNameLst>
-                                      </p:cBhvr>
-                                      <p:tavLst>
-                                        <p:tav tm="0">
-                                          <p:val>
-                                            <p:fltVal val="0"/>
-                                          </p:val>
-                                        </p:tav>
-                                        <p:tav tm="100000">
-                                          <p:val>
-                                            <p:strVal val="#ppt_h"/>
-                                          </p:val>
-                                        </p:tav>
-                                      </p:tavLst>
-                                    </p:anim>
-                                    <p:animEffect transition="in" filter="fade">
-                                      <p:cBhvr>
-                                        <p:cTn id="37" dur="500"/>
-                                        <p:tgtEl>
-                                          <p:spTgt spid="3">
-                                            <p:txEl>
-                                              <p:pRg st="6" end="6"/>
                                             </p:txEl>
                                           </p:spTgt>
                                         </p:tgtEl>
